--- a/Broadcast.pptx
+++ b/Broadcast.pptx
@@ -2,26 +2,29 @@
 <file path=ppt/presentation.xml><?xml version="1.0" encoding="utf-8"?>
 <p:presentation xmlns:a="http://schemas.openxmlformats.org/drawingml/2006/main" xmlns:r="http://schemas.openxmlformats.org/officeDocument/2006/relationships" xmlns:p="http://schemas.openxmlformats.org/presentationml/2006/main">
   <p:sldMasterIdLst>
-    <p:sldMasterId id="2147483648" r:id="rId5"/>
+    <p:sldMasterId id="2147483648" r:id="rId1"/>
   </p:sldMasterIdLst>
   <p:notesMasterIdLst>
-    <p:notesMasterId r:id="rId7"/>
+    <p:notesMasterId r:id="rId19"/>
   </p:notesMasterIdLst>
   <p:sldIdLst>
-    <p:sldId id="256" r:id="rId8"/>
-    <p:sldId id="257" r:id="rId9"/>
-    <p:sldId id="258" r:id="rId10"/>
-    <p:sldId id="259" r:id="rId11"/>
-    <p:sldId id="260" r:id="rId12"/>
-    <p:sldId id="261" r:id="rId13"/>
-    <p:sldId id="262" r:id="rId14"/>
-    <p:sldId id="263" r:id="rId15"/>
-    <p:sldId id="264" r:id="rId16"/>
-    <p:sldId id="265" r:id="rId17"/>
-    <p:sldId id="266" r:id="rId18"/>
-    <p:sldId id="267" r:id="rId19"/>
-    <p:sldId id="268" r:id="rId20"/>
-    <p:sldId id="269" r:id="rId21"/>
+    <p:sldId id="256" r:id="rId2"/>
+    <p:sldId id="257" r:id="rId3"/>
+    <p:sldId id="258" r:id="rId4"/>
+    <p:sldId id="259" r:id="rId5"/>
+    <p:sldId id="260" r:id="rId6"/>
+    <p:sldId id="261" r:id="rId7"/>
+    <p:sldId id="262" r:id="rId8"/>
+    <p:sldId id="263" r:id="rId9"/>
+    <p:sldId id="264" r:id="rId10"/>
+    <p:sldId id="265" r:id="rId11"/>
+    <p:sldId id="266" r:id="rId12"/>
+    <p:sldId id="267" r:id="rId13"/>
+    <p:sldId id="268" r:id="rId14"/>
+    <p:sldId id="269" r:id="rId15"/>
+    <p:sldId id="270" r:id="rId16"/>
+    <p:sldId id="271" r:id="rId17"/>
+    <p:sldId id="272" r:id="rId18"/>
   </p:sldIdLst>
   <p:sldSz cx="13004800" cy="9753600"/>
   <p:notesSz cx="6858000" cy="9144000"/>
@@ -41,7 +44,7 @@
       <a:buFontTx/>
       <a:buNone/>
       <a:tabLst/>
-      <a:defRPr b="0" baseline="0" cap="none" i="0" spc="0" strike="noStrike" sz="1800" u="none" kumimoji="0" normalizeH="0">
+      <a:defRPr kumimoji="0" sz="1800" b="0" i="0" u="none" strike="noStrike" cap="none" spc="0" normalizeH="0" baseline="0">
         <a:ln>
           <a:noFill/>
         </a:ln>
@@ -67,7 +70,7 @@
       <a:buFontTx/>
       <a:buNone/>
       <a:tabLst/>
-      <a:defRPr b="0" baseline="0" cap="none" i="0" spc="0" strike="noStrike" sz="3600" u="none" kumimoji="0" normalizeH="0">
+      <a:defRPr kumimoji="0" sz="3600" b="0" i="0" u="none" strike="noStrike" cap="none" spc="0" normalizeH="0" baseline="0">
         <a:ln>
           <a:noFill/>
         </a:ln>
@@ -97,7 +100,7 @@
       <a:buFontTx/>
       <a:buNone/>
       <a:tabLst/>
-      <a:defRPr b="0" baseline="0" cap="none" i="0" spc="0" strike="noStrike" sz="3600" u="none" kumimoji="0" normalizeH="0">
+      <a:defRPr kumimoji="0" sz="3600" b="0" i="0" u="none" strike="noStrike" cap="none" spc="0" normalizeH="0" baseline="0">
         <a:ln>
           <a:noFill/>
         </a:ln>
@@ -127,7 +130,7 @@
       <a:buFontTx/>
       <a:buNone/>
       <a:tabLst/>
-      <a:defRPr b="0" baseline="0" cap="none" i="0" spc="0" strike="noStrike" sz="3600" u="none" kumimoji="0" normalizeH="0">
+      <a:defRPr kumimoji="0" sz="3600" b="0" i="0" u="none" strike="noStrike" cap="none" spc="0" normalizeH="0" baseline="0">
         <a:ln>
           <a:noFill/>
         </a:ln>
@@ -157,7 +160,7 @@
       <a:buFontTx/>
       <a:buNone/>
       <a:tabLst/>
-      <a:defRPr b="0" baseline="0" cap="none" i="0" spc="0" strike="noStrike" sz="3600" u="none" kumimoji="0" normalizeH="0">
+      <a:defRPr kumimoji="0" sz="3600" b="0" i="0" u="none" strike="noStrike" cap="none" spc="0" normalizeH="0" baseline="0">
         <a:ln>
           <a:noFill/>
         </a:ln>
@@ -187,7 +190,7 @@
       <a:buFontTx/>
       <a:buNone/>
       <a:tabLst/>
-      <a:defRPr b="0" baseline="0" cap="none" i="0" spc="0" strike="noStrike" sz="3600" u="none" kumimoji="0" normalizeH="0">
+      <a:defRPr kumimoji="0" sz="3600" b="0" i="0" u="none" strike="noStrike" cap="none" spc="0" normalizeH="0" baseline="0">
         <a:ln>
           <a:noFill/>
         </a:ln>
@@ -217,7 +220,7 @@
       <a:buFontTx/>
       <a:buNone/>
       <a:tabLst/>
-      <a:defRPr b="0" baseline="0" cap="none" i="0" spc="0" strike="noStrike" sz="3600" u="none" kumimoji="0" normalizeH="0">
+      <a:defRPr kumimoji="0" sz="3600" b="0" i="0" u="none" strike="noStrike" cap="none" spc="0" normalizeH="0" baseline="0">
         <a:ln>
           <a:noFill/>
         </a:ln>
@@ -247,7 +250,7 @@
       <a:buFontTx/>
       <a:buNone/>
       <a:tabLst/>
-      <a:defRPr b="0" baseline="0" cap="none" i="0" spc="0" strike="noStrike" sz="3600" u="none" kumimoji="0" normalizeH="0">
+      <a:defRPr kumimoji="0" sz="3600" b="0" i="0" u="none" strike="noStrike" cap="none" spc="0" normalizeH="0" baseline="0">
         <a:ln>
           <a:noFill/>
         </a:ln>
@@ -277,7 +280,7 @@
       <a:buFontTx/>
       <a:buNone/>
       <a:tabLst/>
-      <a:defRPr b="0" baseline="0" cap="none" i="0" spc="0" strike="noStrike" sz="3600" u="none" kumimoji="0" normalizeH="0">
+      <a:defRPr kumimoji="0" sz="3600" b="0" i="0" u="none" strike="noStrike" cap="none" spc="0" normalizeH="0" baseline="0">
         <a:ln>
           <a:noFill/>
         </a:ln>
@@ -307,7 +310,7 @@
       <a:buFontTx/>
       <a:buNone/>
       <a:tabLst/>
-      <a:defRPr b="0" baseline="0" cap="none" i="0" spc="0" strike="noStrike" sz="3600" u="none" kumimoji="0" normalizeH="0">
+      <a:defRPr kumimoji="0" sz="3600" b="0" i="0" u="none" strike="noStrike" cap="none" spc="0" normalizeH="0" baseline="0">
         <a:ln>
           <a:noFill/>
         </a:ln>
@@ -326,13 +329,18 @@
 </p:presentation>
 </file>
 
-<file path=ppt/commentAuthors.xml><?xml version="1.0" encoding="utf-8"?>
-<p:cmAuthorLst xmlns:a="http://schemas.openxmlformats.org/drawingml/2006/main" xmlns:r="http://schemas.openxmlformats.org/officeDocument/2006/relationships" xmlns:p="http://schemas.openxmlformats.org/presentationml/2006/main"/>
+<file path=ppt/revisionInfo.xml><?xml version="1.0" encoding="utf-8"?>
+<p1510:revInfo xmlns:a="http://schemas.openxmlformats.org/drawingml/2006/main" xmlns:r="http://schemas.openxmlformats.org/officeDocument/2006/relationships" xmlns:p1510="http://schemas.microsoft.com/office/powerpoint/2015/10/main"/>
 </file>
 
 <file path=ppt/notesMasters/notesMaster1.xml><?xml version="1.0" encoding="utf-8"?>
 <p:notesMaster xmlns:a="http://schemas.openxmlformats.org/drawingml/2006/main" xmlns:r="http://schemas.openxmlformats.org/officeDocument/2006/relationships" xmlns:p="http://schemas.openxmlformats.org/presentationml/2006/main">
   <p:cSld>
+    <p:bg>
+      <p:bgRef idx="1001">
+        <a:schemeClr val="bg1"/>
+      </p:bgRef>
+    </p:bg>
     <p:spTree>
       <p:nvGrpSpPr>
         <p:cNvPr id="1" name=""/>
@@ -350,7 +358,9 @@
       <p:sp>
         <p:nvSpPr>
           <p:cNvPr id="116" name="Shape 116"/>
-          <p:cNvSpPr/>
+          <p:cNvSpPr>
+            <a:spLocks noGrp="1" noRot="1" noChangeAspect="1"/>
+          </p:cNvSpPr>
           <p:nvPr>
             <p:ph type="sldImg"/>
           </p:nvPr>
@@ -368,14 +378,16 @@
           <a:bodyPr/>
           <a:lstStyle/>
           <a:p>
-            <a:pPr/>
+            <a:endParaRPr/>
           </a:p>
         </p:txBody>
       </p:sp>
       <p:sp>
         <p:nvSpPr>
           <p:cNvPr id="117" name="Shape 117"/>
-          <p:cNvSpPr/>
+          <p:cNvSpPr>
+            <a:spLocks noGrp="1"/>
+          </p:cNvSpPr>
           <p:nvPr>
             <p:ph type="body" sz="quarter" idx="1"/>
           </p:nvPr>
@@ -393,7 +405,7 @@
           <a:bodyPr/>
           <a:lstStyle/>
           <a:p>
-            <a:pPr/>
+            <a:endParaRPr/>
           </a:p>
         </p:txBody>
       </p:sp>
@@ -505,7 +517,7 @@
 </file>
 
 <file path=ppt/slideLayouts/slideLayout1.xml><?xml version="1.0" encoding="utf-8"?>
-<p:sldLayout xmlns:a="http://schemas.openxmlformats.org/drawingml/2006/main" xmlns:r="http://schemas.openxmlformats.org/officeDocument/2006/relationships" xmlns:p="http://schemas.openxmlformats.org/presentationml/2006/main" type="title" showMasterSp="1" showMasterPhAnim="1">
+<p:sldLayout xmlns:a="http://schemas.openxmlformats.org/drawingml/2006/main" xmlns:r="http://schemas.openxmlformats.org/officeDocument/2006/relationships" xmlns:p="http://schemas.openxmlformats.org/presentationml/2006/main" type="title">
   <p:cSld name="大標題與副標題">
     <p:spTree>
       <p:nvGrpSpPr>
@@ -524,7 +536,9 @@
       <p:sp>
         <p:nvSpPr>
           <p:cNvPr id="11" name="大標題文字"/>
-          <p:cNvSpPr txBox="1"/>
+          <p:cNvSpPr txBox="1">
+            <a:spLocks noGrp="1"/>
+          </p:cNvSpPr>
           <p:nvPr>
             <p:ph type="title"/>
           </p:nvPr>
@@ -542,7 +556,6 @@
           <a:bodyPr anchor="b"/>
           <a:lstStyle/>
           <a:p>
-            <a:pPr/>
             <a:r>
               <a:t>大標題文字</a:t>
             </a:r>
@@ -552,7 +565,9 @@
       <p:sp>
         <p:nvSpPr>
           <p:cNvPr id="12" name="內文層級一…"/>
-          <p:cNvSpPr txBox="1"/>
+          <p:cNvSpPr txBox="1">
+            <a:spLocks noGrp="1"/>
+          </p:cNvSpPr>
           <p:nvPr>
             <p:ph type="body" sz="quarter" idx="1"/>
           </p:nvPr>
@@ -606,7 +621,6 @@
             </a:lvl5pPr>
           </a:lstStyle>
           <a:p>
-            <a:pPr/>
             <a:r>
               <a:t>內文層級一</a:t>
             </a:r>
@@ -640,7 +654,9 @@
       <p:sp>
         <p:nvSpPr>
           <p:cNvPr id="13" name="幻燈片編號"/>
-          <p:cNvSpPr txBox="1"/>
+          <p:cNvSpPr txBox="1">
+            <a:spLocks noGrp="1"/>
+          </p:cNvSpPr>
           <p:nvPr>
             <p:ph type="sldNum" sz="quarter" idx="2"/>
           </p:nvPr>
@@ -654,8 +670,10 @@
           <a:bodyPr/>
           <a:lstStyle/>
           <a:p>
-            <a:pPr/>
-            <a:fld id="{86CB4B4D-7CA3-9044-876B-883B54F8677D}" type="slidenum"/>
+            <a:fld id="{86CB4B4D-7CA3-9044-876B-883B54F8677D}" type="slidenum">
+              <a:t>‹#›</a:t>
+            </a:fld>
+            <a:endParaRPr/>
           </a:p>
         </p:txBody>
       </p:sp>
@@ -664,12 +682,12 @@
   <p:clrMapOvr>
     <a:masterClrMapping/>
   </p:clrMapOvr>
-  <p:transition xmlns:p14="http://schemas.microsoft.com/office/powerpoint/2010/main" spd="med" advClick="1"/>
+  <p:transition spd="med"/>
 </p:sldLayout>
 </file>
 
 <file path=ppt/slideLayouts/slideLayout10.xml><?xml version="1.0" encoding="utf-8"?>
-<p:sldLayout xmlns:a="http://schemas.openxmlformats.org/drawingml/2006/main" xmlns:r="http://schemas.openxmlformats.org/officeDocument/2006/relationships" xmlns:p="http://schemas.openxmlformats.org/presentationml/2006/main" type="tx" showMasterSp="1" showMasterPhAnim="1">
+<p:sldLayout xmlns:a="http://schemas.openxmlformats.org/drawingml/2006/main" xmlns:r="http://schemas.openxmlformats.org/officeDocument/2006/relationships" xmlns:p="http://schemas.openxmlformats.org/presentationml/2006/main" type="tx">
   <p:cSld name="名言語錄">
     <p:spTree>
       <p:nvGrpSpPr>
@@ -688,7 +706,9 @@
       <p:sp>
         <p:nvSpPr>
           <p:cNvPr id="93" name="–王大明"/>
-          <p:cNvSpPr txBox="1"/>
+          <p:cNvSpPr txBox="1">
+            <a:spLocks noGrp="1"/>
+          </p:cNvSpPr>
           <p:nvPr>
             <p:ph type="body" sz="quarter" idx="13"/>
           </p:nvPr>
@@ -717,7 +737,6 @@
             </a:lvl1pPr>
           </a:lstStyle>
           <a:p>
-            <a:pPr/>
             <a:r>
               <a:t>–王大明</a:t>
             </a:r>
@@ -727,7 +746,9 @@
       <p:sp>
         <p:nvSpPr>
           <p:cNvPr id="94" name="「在此輸入名言語錄。」"/>
-          <p:cNvSpPr txBox="1"/>
+          <p:cNvSpPr txBox="1">
+            <a:spLocks noGrp="1"/>
+          </p:cNvSpPr>
           <p:nvPr>
             <p:ph type="body" sz="quarter" idx="14"/>
           </p:nvPr>
@@ -755,7 +776,6 @@
             </a:lvl1pPr>
           </a:lstStyle>
           <a:p>
-            <a:pPr/>
             <a:r>
               <a:t>「在此輸入名言語錄。」</a:t>
             </a:r>
@@ -765,7 +785,9 @@
       <p:sp>
         <p:nvSpPr>
           <p:cNvPr id="95" name="幻燈片編號"/>
-          <p:cNvSpPr txBox="1"/>
+          <p:cNvSpPr txBox="1">
+            <a:spLocks noGrp="1"/>
+          </p:cNvSpPr>
           <p:nvPr>
             <p:ph type="sldNum" sz="quarter" idx="2"/>
           </p:nvPr>
@@ -779,8 +801,10 @@
           <a:bodyPr/>
           <a:lstStyle/>
           <a:p>
-            <a:pPr/>
-            <a:fld id="{86CB4B4D-7CA3-9044-876B-883B54F8677D}" type="slidenum"/>
+            <a:fld id="{86CB4B4D-7CA3-9044-876B-883B54F8677D}" type="slidenum">
+              <a:t>‹#›</a:t>
+            </a:fld>
+            <a:endParaRPr/>
           </a:p>
         </p:txBody>
       </p:sp>
@@ -789,12 +813,12 @@
   <p:clrMapOvr>
     <a:masterClrMapping/>
   </p:clrMapOvr>
-  <p:transition xmlns:p14="http://schemas.microsoft.com/office/powerpoint/2010/main" spd="med" advClick="1"/>
+  <p:transition spd="med"/>
 </p:sldLayout>
 </file>
 
 <file path=ppt/slideLayouts/slideLayout11.xml><?xml version="1.0" encoding="utf-8"?>
-<p:sldLayout xmlns:a="http://schemas.openxmlformats.org/drawingml/2006/main" xmlns:r="http://schemas.openxmlformats.org/officeDocument/2006/relationships" xmlns:p="http://schemas.openxmlformats.org/presentationml/2006/main" type="tx" showMasterSp="1" showMasterPhAnim="1">
+<p:sldLayout xmlns:a="http://schemas.openxmlformats.org/drawingml/2006/main" xmlns:r="http://schemas.openxmlformats.org/officeDocument/2006/relationships" xmlns:p="http://schemas.openxmlformats.org/presentationml/2006/main" type="tx">
   <p:cSld name="照片">
     <p:spTree>
       <p:nvGrpSpPr>
@@ -813,7 +837,9 @@
       <p:sp>
         <p:nvSpPr>
           <p:cNvPr id="102" name="影像"/>
-          <p:cNvSpPr/>
+          <p:cNvSpPr>
+            <a:spLocks noGrp="1"/>
+          </p:cNvSpPr>
           <p:nvPr>
             <p:ph type="pic" idx="13"/>
           </p:nvPr>
@@ -833,14 +859,16 @@
           </a:bodyPr>
           <a:lstStyle/>
           <a:p>
-            <a:pPr/>
+            <a:endParaRPr/>
           </a:p>
         </p:txBody>
       </p:sp>
       <p:sp>
         <p:nvSpPr>
           <p:cNvPr id="103" name="幻燈片編號"/>
-          <p:cNvSpPr txBox="1"/>
+          <p:cNvSpPr txBox="1">
+            <a:spLocks noGrp="1"/>
+          </p:cNvSpPr>
           <p:nvPr>
             <p:ph type="sldNum" sz="quarter" idx="2"/>
           </p:nvPr>
@@ -854,8 +882,10 @@
           <a:bodyPr/>
           <a:lstStyle/>
           <a:p>
-            <a:pPr/>
-            <a:fld id="{86CB4B4D-7CA3-9044-876B-883B54F8677D}" type="slidenum"/>
+            <a:fld id="{86CB4B4D-7CA3-9044-876B-883B54F8677D}" type="slidenum">
+              <a:t>‹#›</a:t>
+            </a:fld>
+            <a:endParaRPr/>
           </a:p>
         </p:txBody>
       </p:sp>
@@ -864,12 +894,12 @@
   <p:clrMapOvr>
     <a:masterClrMapping/>
   </p:clrMapOvr>
-  <p:transition xmlns:p14="http://schemas.microsoft.com/office/powerpoint/2010/main" spd="med" advClick="1"/>
+  <p:transition spd="med"/>
 </p:sldLayout>
 </file>
 
 <file path=ppt/slideLayouts/slideLayout12.xml><?xml version="1.0" encoding="utf-8"?>
-<p:sldLayout xmlns:a="http://schemas.openxmlformats.org/drawingml/2006/main" xmlns:r="http://schemas.openxmlformats.org/officeDocument/2006/relationships" xmlns:p="http://schemas.openxmlformats.org/presentationml/2006/main" type="tx" showMasterSp="1" showMasterPhAnim="1">
+<p:sldLayout xmlns:a="http://schemas.openxmlformats.org/drawingml/2006/main" xmlns:r="http://schemas.openxmlformats.org/officeDocument/2006/relationships" xmlns:p="http://schemas.openxmlformats.org/presentationml/2006/main" type="tx">
   <p:cSld name="空白">
     <p:spTree>
       <p:nvGrpSpPr>
@@ -888,7 +918,9 @@
       <p:sp>
         <p:nvSpPr>
           <p:cNvPr id="110" name="幻燈片編號"/>
-          <p:cNvSpPr txBox="1"/>
+          <p:cNvSpPr txBox="1">
+            <a:spLocks noGrp="1"/>
+          </p:cNvSpPr>
           <p:nvPr>
             <p:ph type="sldNum" sz="quarter" idx="2"/>
           </p:nvPr>
@@ -902,8 +934,10 @@
           <a:bodyPr/>
           <a:lstStyle/>
           <a:p>
-            <a:pPr/>
-            <a:fld id="{86CB4B4D-7CA3-9044-876B-883B54F8677D}" type="slidenum"/>
+            <a:fld id="{86CB4B4D-7CA3-9044-876B-883B54F8677D}" type="slidenum">
+              <a:t>‹#›</a:t>
+            </a:fld>
+            <a:endParaRPr/>
           </a:p>
         </p:txBody>
       </p:sp>
@@ -912,12 +946,12 @@
   <p:clrMapOvr>
     <a:masterClrMapping/>
   </p:clrMapOvr>
-  <p:transition xmlns:p14="http://schemas.microsoft.com/office/powerpoint/2010/main" spd="med" advClick="1"/>
+  <p:transition spd="med"/>
 </p:sldLayout>
 </file>
 
 <file path=ppt/slideLayouts/slideLayout2.xml><?xml version="1.0" encoding="utf-8"?>
-<p:sldLayout xmlns:a="http://schemas.openxmlformats.org/drawingml/2006/main" xmlns:r="http://schemas.openxmlformats.org/officeDocument/2006/relationships" xmlns:p="http://schemas.openxmlformats.org/presentationml/2006/main" type="tx" showMasterSp="1" showMasterPhAnim="1">
+<p:sldLayout xmlns:a="http://schemas.openxmlformats.org/drawingml/2006/main" xmlns:r="http://schemas.openxmlformats.org/officeDocument/2006/relationships" xmlns:p="http://schemas.openxmlformats.org/presentationml/2006/main" type="tx">
   <p:cSld name="照片 - 水平">
     <p:spTree>
       <p:nvGrpSpPr>
@@ -936,7 +970,9 @@
       <p:sp>
         <p:nvSpPr>
           <p:cNvPr id="20" name="影像"/>
-          <p:cNvSpPr/>
+          <p:cNvSpPr>
+            <a:spLocks noGrp="1"/>
+          </p:cNvSpPr>
           <p:nvPr>
             <p:ph type="pic" idx="13"/>
           </p:nvPr>
@@ -956,14 +992,16 @@
           </a:bodyPr>
           <a:lstStyle/>
           <a:p>
-            <a:pPr/>
+            <a:endParaRPr/>
           </a:p>
         </p:txBody>
       </p:sp>
       <p:sp>
         <p:nvSpPr>
           <p:cNvPr id="21" name="大標題文字"/>
-          <p:cNvSpPr txBox="1"/>
+          <p:cNvSpPr txBox="1">
+            <a:spLocks noGrp="1"/>
+          </p:cNvSpPr>
           <p:nvPr>
             <p:ph type="title"/>
           </p:nvPr>
@@ -981,7 +1019,6 @@
           <a:bodyPr/>
           <a:lstStyle/>
           <a:p>
-            <a:pPr/>
             <a:r>
               <a:t>大標題文字</a:t>
             </a:r>
@@ -991,7 +1028,9 @@
       <p:sp>
         <p:nvSpPr>
           <p:cNvPr id="22" name="內文層級一…"/>
-          <p:cNvSpPr txBox="1"/>
+          <p:cNvSpPr txBox="1">
+            <a:spLocks noGrp="1"/>
+          </p:cNvSpPr>
           <p:nvPr>
             <p:ph type="body" sz="quarter" idx="1"/>
           </p:nvPr>
@@ -1045,7 +1084,6 @@
             </a:lvl5pPr>
           </a:lstStyle>
           <a:p>
-            <a:pPr/>
             <a:r>
               <a:t>內文層級一</a:t>
             </a:r>
@@ -1079,7 +1117,9 @@
       <p:sp>
         <p:nvSpPr>
           <p:cNvPr id="23" name="幻燈片編號"/>
-          <p:cNvSpPr txBox="1"/>
+          <p:cNvSpPr txBox="1">
+            <a:spLocks noGrp="1"/>
+          </p:cNvSpPr>
           <p:nvPr>
             <p:ph type="sldNum" sz="quarter" idx="2"/>
           </p:nvPr>
@@ -1093,8 +1133,10 @@
           <a:bodyPr/>
           <a:lstStyle/>
           <a:p>
-            <a:pPr/>
-            <a:fld id="{86CB4B4D-7CA3-9044-876B-883B54F8677D}" type="slidenum"/>
+            <a:fld id="{86CB4B4D-7CA3-9044-876B-883B54F8677D}" type="slidenum">
+              <a:t>‹#›</a:t>
+            </a:fld>
+            <a:endParaRPr/>
           </a:p>
         </p:txBody>
       </p:sp>
@@ -1103,12 +1145,12 @@
   <p:clrMapOvr>
     <a:masterClrMapping/>
   </p:clrMapOvr>
-  <p:transition xmlns:p14="http://schemas.microsoft.com/office/powerpoint/2010/main" spd="med" advClick="1"/>
+  <p:transition spd="med"/>
 </p:sldLayout>
 </file>
 
 <file path=ppt/slideLayouts/slideLayout3.xml><?xml version="1.0" encoding="utf-8"?>
-<p:sldLayout xmlns:a="http://schemas.openxmlformats.org/drawingml/2006/main" xmlns:r="http://schemas.openxmlformats.org/officeDocument/2006/relationships" xmlns:p="http://schemas.openxmlformats.org/presentationml/2006/main" type="tx" showMasterSp="1" showMasterPhAnim="1">
+<p:sldLayout xmlns:a="http://schemas.openxmlformats.org/drawingml/2006/main" xmlns:r="http://schemas.openxmlformats.org/officeDocument/2006/relationships" xmlns:p="http://schemas.openxmlformats.org/presentationml/2006/main" type="tx">
   <p:cSld name="大標題 - 中央">
     <p:spTree>
       <p:nvGrpSpPr>
@@ -1127,7 +1169,9 @@
       <p:sp>
         <p:nvSpPr>
           <p:cNvPr id="30" name="大標題文字"/>
-          <p:cNvSpPr txBox="1"/>
+          <p:cNvSpPr txBox="1">
+            <a:spLocks noGrp="1"/>
+          </p:cNvSpPr>
           <p:nvPr>
             <p:ph type="title"/>
           </p:nvPr>
@@ -1145,7 +1189,6 @@
           <a:bodyPr/>
           <a:lstStyle/>
           <a:p>
-            <a:pPr/>
             <a:r>
               <a:t>大標題文字</a:t>
             </a:r>
@@ -1155,7 +1198,9 @@
       <p:sp>
         <p:nvSpPr>
           <p:cNvPr id="31" name="幻燈片編號"/>
-          <p:cNvSpPr txBox="1"/>
+          <p:cNvSpPr txBox="1">
+            <a:spLocks noGrp="1"/>
+          </p:cNvSpPr>
           <p:nvPr>
             <p:ph type="sldNum" sz="quarter" idx="2"/>
           </p:nvPr>
@@ -1169,8 +1214,10 @@
           <a:bodyPr/>
           <a:lstStyle/>
           <a:p>
-            <a:pPr/>
-            <a:fld id="{86CB4B4D-7CA3-9044-876B-883B54F8677D}" type="slidenum"/>
+            <a:fld id="{86CB4B4D-7CA3-9044-876B-883B54F8677D}" type="slidenum">
+              <a:t>‹#›</a:t>
+            </a:fld>
+            <a:endParaRPr/>
           </a:p>
         </p:txBody>
       </p:sp>
@@ -1179,12 +1226,12 @@
   <p:clrMapOvr>
     <a:masterClrMapping/>
   </p:clrMapOvr>
-  <p:transition xmlns:p14="http://schemas.microsoft.com/office/powerpoint/2010/main" spd="med" advClick="1"/>
+  <p:transition spd="med"/>
 </p:sldLayout>
 </file>
 
 <file path=ppt/slideLayouts/slideLayout4.xml><?xml version="1.0" encoding="utf-8"?>
-<p:sldLayout xmlns:a="http://schemas.openxmlformats.org/drawingml/2006/main" xmlns:r="http://schemas.openxmlformats.org/officeDocument/2006/relationships" xmlns:p="http://schemas.openxmlformats.org/presentationml/2006/main" type="tx" showMasterSp="1" showMasterPhAnim="1">
+<p:sldLayout xmlns:a="http://schemas.openxmlformats.org/drawingml/2006/main" xmlns:r="http://schemas.openxmlformats.org/officeDocument/2006/relationships" xmlns:p="http://schemas.openxmlformats.org/presentationml/2006/main" type="tx">
   <p:cSld name="照片 - 直式">
     <p:spTree>
       <p:nvGrpSpPr>
@@ -1203,7 +1250,9 @@
       <p:sp>
         <p:nvSpPr>
           <p:cNvPr id="38" name="影像"/>
-          <p:cNvSpPr/>
+          <p:cNvSpPr>
+            <a:spLocks noGrp="1"/>
+          </p:cNvSpPr>
           <p:nvPr>
             <p:ph type="pic" sz="half" idx="13"/>
           </p:nvPr>
@@ -1223,14 +1272,16 @@
           </a:bodyPr>
           <a:lstStyle/>
           <a:p>
-            <a:pPr/>
+            <a:endParaRPr/>
           </a:p>
         </p:txBody>
       </p:sp>
       <p:sp>
         <p:nvSpPr>
           <p:cNvPr id="39" name="大標題文字"/>
-          <p:cNvSpPr txBox="1"/>
+          <p:cNvSpPr txBox="1">
+            <a:spLocks noGrp="1"/>
+          </p:cNvSpPr>
           <p:nvPr>
             <p:ph type="title"/>
           </p:nvPr>
@@ -1248,7 +1299,6 @@
           <a:bodyPr anchor="b"/>
           <a:lstStyle/>
           <a:p>
-            <a:pPr/>
             <a:r>
               <a:t>大標題文字</a:t>
             </a:r>
@@ -1258,7 +1308,9 @@
       <p:sp>
         <p:nvSpPr>
           <p:cNvPr id="40" name="內文層級一…"/>
-          <p:cNvSpPr txBox="1"/>
+          <p:cNvSpPr txBox="1">
+            <a:spLocks noGrp="1"/>
+          </p:cNvSpPr>
           <p:nvPr>
             <p:ph type="body" sz="quarter" idx="1"/>
           </p:nvPr>
@@ -1312,7 +1364,6 @@
             </a:lvl5pPr>
           </a:lstStyle>
           <a:p>
-            <a:pPr/>
             <a:r>
               <a:t>內文層級一</a:t>
             </a:r>
@@ -1346,7 +1397,9 @@
       <p:sp>
         <p:nvSpPr>
           <p:cNvPr id="41" name="幻燈片編號"/>
-          <p:cNvSpPr txBox="1"/>
+          <p:cNvSpPr txBox="1">
+            <a:spLocks noGrp="1"/>
+          </p:cNvSpPr>
           <p:nvPr>
             <p:ph type="sldNum" sz="quarter" idx="2"/>
           </p:nvPr>
@@ -1360,8 +1413,10 @@
           <a:bodyPr/>
           <a:lstStyle/>
           <a:p>
-            <a:pPr/>
-            <a:fld id="{86CB4B4D-7CA3-9044-876B-883B54F8677D}" type="slidenum"/>
+            <a:fld id="{86CB4B4D-7CA3-9044-876B-883B54F8677D}" type="slidenum">
+              <a:t>‹#›</a:t>
+            </a:fld>
+            <a:endParaRPr/>
           </a:p>
         </p:txBody>
       </p:sp>
@@ -1370,12 +1425,12 @@
   <p:clrMapOvr>
     <a:masterClrMapping/>
   </p:clrMapOvr>
-  <p:transition xmlns:p14="http://schemas.microsoft.com/office/powerpoint/2010/main" spd="med" advClick="1"/>
+  <p:transition spd="med"/>
 </p:sldLayout>
 </file>
 
 <file path=ppt/slideLayouts/slideLayout5.xml><?xml version="1.0" encoding="utf-8"?>
-<p:sldLayout xmlns:a="http://schemas.openxmlformats.org/drawingml/2006/main" xmlns:r="http://schemas.openxmlformats.org/officeDocument/2006/relationships" xmlns:p="http://schemas.openxmlformats.org/presentationml/2006/main" type="tx" showMasterSp="1" showMasterPhAnim="1">
+<p:sldLayout xmlns:a="http://schemas.openxmlformats.org/drawingml/2006/main" xmlns:r="http://schemas.openxmlformats.org/officeDocument/2006/relationships" xmlns:p="http://schemas.openxmlformats.org/presentationml/2006/main" type="tx">
   <p:cSld name="大標題 - 上方">
     <p:spTree>
       <p:nvGrpSpPr>
@@ -1394,7 +1449,9 @@
       <p:sp>
         <p:nvSpPr>
           <p:cNvPr id="48" name="大標題文字"/>
-          <p:cNvSpPr txBox="1"/>
+          <p:cNvSpPr txBox="1">
+            <a:spLocks noGrp="1"/>
+          </p:cNvSpPr>
           <p:nvPr>
             <p:ph type="title"/>
           </p:nvPr>
@@ -1408,7 +1465,6 @@
           <a:bodyPr/>
           <a:lstStyle/>
           <a:p>
-            <a:pPr/>
             <a:r>
               <a:t>大標題文字</a:t>
             </a:r>
@@ -1418,7 +1474,9 @@
       <p:sp>
         <p:nvSpPr>
           <p:cNvPr id="49" name="幻燈片編號"/>
-          <p:cNvSpPr txBox="1"/>
+          <p:cNvSpPr txBox="1">
+            <a:spLocks noGrp="1"/>
+          </p:cNvSpPr>
           <p:nvPr>
             <p:ph type="sldNum" sz="quarter" idx="2"/>
           </p:nvPr>
@@ -1432,8 +1490,10 @@
           <a:bodyPr/>
           <a:lstStyle/>
           <a:p>
-            <a:pPr/>
-            <a:fld id="{86CB4B4D-7CA3-9044-876B-883B54F8677D}" type="slidenum"/>
+            <a:fld id="{86CB4B4D-7CA3-9044-876B-883B54F8677D}" type="slidenum">
+              <a:t>‹#›</a:t>
+            </a:fld>
+            <a:endParaRPr/>
           </a:p>
         </p:txBody>
       </p:sp>
@@ -1442,12 +1502,12 @@
   <p:clrMapOvr>
     <a:masterClrMapping/>
   </p:clrMapOvr>
-  <p:transition xmlns:p14="http://schemas.microsoft.com/office/powerpoint/2010/main" spd="med" advClick="1"/>
+  <p:transition spd="med"/>
 </p:sldLayout>
 </file>
 
 <file path=ppt/slideLayouts/slideLayout6.xml><?xml version="1.0" encoding="utf-8"?>
-<p:sldLayout xmlns:a="http://schemas.openxmlformats.org/drawingml/2006/main" xmlns:r="http://schemas.openxmlformats.org/officeDocument/2006/relationships" xmlns:p="http://schemas.openxmlformats.org/presentationml/2006/main" type="tx" showMasterSp="1" showMasterPhAnim="1">
+<p:sldLayout xmlns:a="http://schemas.openxmlformats.org/drawingml/2006/main" xmlns:r="http://schemas.openxmlformats.org/officeDocument/2006/relationships" xmlns:p="http://schemas.openxmlformats.org/presentationml/2006/main" type="tx">
   <p:cSld name="大標題與項目符號">
     <p:spTree>
       <p:nvGrpSpPr>
@@ -1466,7 +1526,9 @@
       <p:sp>
         <p:nvSpPr>
           <p:cNvPr id="56" name="大標題文字"/>
-          <p:cNvSpPr txBox="1"/>
+          <p:cNvSpPr txBox="1">
+            <a:spLocks noGrp="1"/>
+          </p:cNvSpPr>
           <p:nvPr>
             <p:ph type="title"/>
           </p:nvPr>
@@ -1480,7 +1542,6 @@
           <a:bodyPr/>
           <a:lstStyle/>
           <a:p>
-            <a:pPr/>
             <a:r>
               <a:t>大標題文字</a:t>
             </a:r>
@@ -1490,7 +1551,9 @@
       <p:sp>
         <p:nvSpPr>
           <p:cNvPr id="57" name="內文層級一…"/>
-          <p:cNvSpPr txBox="1"/>
+          <p:cNvSpPr txBox="1">
+            <a:spLocks noGrp="1"/>
+          </p:cNvSpPr>
           <p:nvPr>
             <p:ph type="body" idx="1"/>
           </p:nvPr>
@@ -1550,7 +1613,6 @@
             </a:lvl5pPr>
           </a:lstStyle>
           <a:p>
-            <a:pPr/>
             <a:r>
               <a:t>內文層級一</a:t>
             </a:r>
@@ -1584,7 +1646,9 @@
       <p:sp>
         <p:nvSpPr>
           <p:cNvPr id="58" name="幻燈片編號"/>
-          <p:cNvSpPr txBox="1"/>
+          <p:cNvSpPr txBox="1">
+            <a:spLocks noGrp="1"/>
+          </p:cNvSpPr>
           <p:nvPr>
             <p:ph type="sldNum" sz="quarter" idx="2"/>
           </p:nvPr>
@@ -1598,8 +1662,10 @@
           <a:bodyPr/>
           <a:lstStyle/>
           <a:p>
-            <a:pPr/>
-            <a:fld id="{86CB4B4D-7CA3-9044-876B-883B54F8677D}" type="slidenum"/>
+            <a:fld id="{86CB4B4D-7CA3-9044-876B-883B54F8677D}" type="slidenum">
+              <a:t>‹#›</a:t>
+            </a:fld>
+            <a:endParaRPr/>
           </a:p>
         </p:txBody>
       </p:sp>
@@ -1608,12 +1674,12 @@
   <p:clrMapOvr>
     <a:masterClrMapping/>
   </p:clrMapOvr>
-  <p:transition xmlns:p14="http://schemas.microsoft.com/office/powerpoint/2010/main" spd="med" advClick="1"/>
+  <p:transition spd="med"/>
 </p:sldLayout>
 </file>
 
 <file path=ppt/slideLayouts/slideLayout7.xml><?xml version="1.0" encoding="utf-8"?>
-<p:sldLayout xmlns:a="http://schemas.openxmlformats.org/drawingml/2006/main" xmlns:r="http://schemas.openxmlformats.org/officeDocument/2006/relationships" xmlns:p="http://schemas.openxmlformats.org/presentationml/2006/main" type="tx" showMasterSp="1" showMasterPhAnim="1">
+<p:sldLayout xmlns:a="http://schemas.openxmlformats.org/drawingml/2006/main" xmlns:r="http://schemas.openxmlformats.org/officeDocument/2006/relationships" xmlns:p="http://schemas.openxmlformats.org/presentationml/2006/main" type="tx">
   <p:cSld name="大標題、項目符號與照片">
     <p:spTree>
       <p:nvGrpSpPr>
@@ -1632,7 +1698,9 @@
       <p:sp>
         <p:nvSpPr>
           <p:cNvPr id="65" name="影像"/>
-          <p:cNvSpPr/>
+          <p:cNvSpPr>
+            <a:spLocks noGrp="1"/>
+          </p:cNvSpPr>
           <p:nvPr>
             <p:ph type="pic" sz="half" idx="13"/>
           </p:nvPr>
@@ -1652,14 +1720,16 @@
           </a:bodyPr>
           <a:lstStyle/>
           <a:p>
-            <a:pPr/>
+            <a:endParaRPr/>
           </a:p>
         </p:txBody>
       </p:sp>
       <p:sp>
         <p:nvSpPr>
           <p:cNvPr id="66" name="大標題文字"/>
-          <p:cNvSpPr txBox="1"/>
+          <p:cNvSpPr txBox="1">
+            <a:spLocks noGrp="1"/>
+          </p:cNvSpPr>
           <p:nvPr>
             <p:ph type="title"/>
           </p:nvPr>
@@ -1673,7 +1743,6 @@
           <a:bodyPr/>
           <a:lstStyle/>
           <a:p>
-            <a:pPr/>
             <a:r>
               <a:t>大標題文字</a:t>
             </a:r>
@@ -1683,7 +1752,9 @@
       <p:sp>
         <p:nvSpPr>
           <p:cNvPr id="67" name="內文層級一…"/>
-          <p:cNvSpPr txBox="1"/>
+          <p:cNvSpPr txBox="1">
+            <a:spLocks noGrp="1"/>
+          </p:cNvSpPr>
           <p:nvPr>
             <p:ph type="body" sz="half" idx="1"/>
           </p:nvPr>
@@ -1701,7 +1772,6 @@
           <a:bodyPr/>
           <a:lstStyle/>
           <a:p>
-            <a:pPr/>
             <a:r>
               <a:t>內文層級一</a:t>
             </a:r>
@@ -1735,7 +1805,9 @@
       <p:sp>
         <p:nvSpPr>
           <p:cNvPr id="68" name="幻燈片編號"/>
-          <p:cNvSpPr txBox="1"/>
+          <p:cNvSpPr txBox="1">
+            <a:spLocks noGrp="1"/>
+          </p:cNvSpPr>
           <p:nvPr>
             <p:ph type="sldNum" sz="quarter" idx="2"/>
           </p:nvPr>
@@ -1749,8 +1821,10 @@
           <a:bodyPr/>
           <a:lstStyle/>
           <a:p>
-            <a:pPr/>
-            <a:fld id="{86CB4B4D-7CA3-9044-876B-883B54F8677D}" type="slidenum"/>
+            <a:fld id="{86CB4B4D-7CA3-9044-876B-883B54F8677D}" type="slidenum">
+              <a:t>‹#›</a:t>
+            </a:fld>
+            <a:endParaRPr/>
           </a:p>
         </p:txBody>
       </p:sp>
@@ -1759,12 +1833,12 @@
   <p:clrMapOvr>
     <a:masterClrMapping/>
   </p:clrMapOvr>
-  <p:transition xmlns:p14="http://schemas.microsoft.com/office/powerpoint/2010/main" spd="med" advClick="1"/>
+  <p:transition spd="med"/>
 </p:sldLayout>
 </file>
 
 <file path=ppt/slideLayouts/slideLayout8.xml><?xml version="1.0" encoding="utf-8"?>
-<p:sldLayout xmlns:a="http://schemas.openxmlformats.org/drawingml/2006/main" xmlns:r="http://schemas.openxmlformats.org/officeDocument/2006/relationships" xmlns:p="http://schemas.openxmlformats.org/presentationml/2006/main" type="tx" showMasterSp="1" showMasterPhAnim="1">
+<p:sldLayout xmlns:a="http://schemas.openxmlformats.org/drawingml/2006/main" xmlns:r="http://schemas.openxmlformats.org/officeDocument/2006/relationships" xmlns:p="http://schemas.openxmlformats.org/presentationml/2006/main" type="tx">
   <p:cSld name="項目符號">
     <p:spTree>
       <p:nvGrpSpPr>
@@ -1783,7 +1857,9 @@
       <p:sp>
         <p:nvSpPr>
           <p:cNvPr id="75" name="內文層級一…"/>
-          <p:cNvSpPr txBox="1"/>
+          <p:cNvSpPr txBox="1">
+            <a:spLocks noGrp="1"/>
+          </p:cNvSpPr>
           <p:nvPr>
             <p:ph type="body" idx="1"/>
           </p:nvPr>
@@ -1847,7 +1923,6 @@
             </a:lvl5pPr>
           </a:lstStyle>
           <a:p>
-            <a:pPr/>
             <a:r>
               <a:t>內文層級一</a:t>
             </a:r>
@@ -1881,7 +1956,9 @@
       <p:sp>
         <p:nvSpPr>
           <p:cNvPr id="76" name="幻燈片編號"/>
-          <p:cNvSpPr txBox="1"/>
+          <p:cNvSpPr txBox="1">
+            <a:spLocks noGrp="1"/>
+          </p:cNvSpPr>
           <p:nvPr>
             <p:ph type="sldNum" sz="quarter" idx="2"/>
           </p:nvPr>
@@ -1895,8 +1972,10 @@
           <a:bodyPr/>
           <a:lstStyle/>
           <a:p>
-            <a:pPr/>
-            <a:fld id="{86CB4B4D-7CA3-9044-876B-883B54F8677D}" type="slidenum"/>
+            <a:fld id="{86CB4B4D-7CA3-9044-876B-883B54F8677D}" type="slidenum">
+              <a:t>‹#›</a:t>
+            </a:fld>
+            <a:endParaRPr/>
           </a:p>
         </p:txBody>
       </p:sp>
@@ -1905,12 +1984,12 @@
   <p:clrMapOvr>
     <a:masterClrMapping/>
   </p:clrMapOvr>
-  <p:transition xmlns:p14="http://schemas.microsoft.com/office/powerpoint/2010/main" spd="med" advClick="1"/>
+  <p:transition spd="med"/>
 </p:sldLayout>
 </file>
 
 <file path=ppt/slideLayouts/slideLayout9.xml><?xml version="1.0" encoding="utf-8"?>
-<p:sldLayout xmlns:a="http://schemas.openxmlformats.org/drawingml/2006/main" xmlns:r="http://schemas.openxmlformats.org/officeDocument/2006/relationships" xmlns:p="http://schemas.openxmlformats.org/presentationml/2006/main" type="tx" showMasterSp="1" showMasterPhAnim="1">
+<p:sldLayout xmlns:a="http://schemas.openxmlformats.org/drawingml/2006/main" xmlns:r="http://schemas.openxmlformats.org/officeDocument/2006/relationships" xmlns:p="http://schemas.openxmlformats.org/presentationml/2006/main" type="tx">
   <p:cSld name="照片 - 一頁三張">
     <p:spTree>
       <p:nvGrpSpPr>
@@ -1929,7 +2008,9 @@
       <p:sp>
         <p:nvSpPr>
           <p:cNvPr id="83" name="影像"/>
-          <p:cNvSpPr/>
+          <p:cNvSpPr>
+            <a:spLocks noGrp="1"/>
+          </p:cNvSpPr>
           <p:nvPr>
             <p:ph type="pic" sz="quarter" idx="13"/>
           </p:nvPr>
@@ -1949,14 +2030,16 @@
           </a:bodyPr>
           <a:lstStyle/>
           <a:p>
-            <a:pPr/>
+            <a:endParaRPr/>
           </a:p>
         </p:txBody>
       </p:sp>
       <p:sp>
         <p:nvSpPr>
           <p:cNvPr id="84" name="影像"/>
-          <p:cNvSpPr/>
+          <p:cNvSpPr>
+            <a:spLocks noGrp="1"/>
+          </p:cNvSpPr>
           <p:nvPr>
             <p:ph type="pic" sz="quarter" idx="14"/>
           </p:nvPr>
@@ -1976,14 +2059,16 @@
           </a:bodyPr>
           <a:lstStyle/>
           <a:p>
-            <a:pPr/>
+            <a:endParaRPr/>
           </a:p>
         </p:txBody>
       </p:sp>
       <p:sp>
         <p:nvSpPr>
           <p:cNvPr id="85" name="影像"/>
-          <p:cNvSpPr/>
+          <p:cNvSpPr>
+            <a:spLocks noGrp="1"/>
+          </p:cNvSpPr>
           <p:nvPr>
             <p:ph type="pic" idx="15"/>
           </p:nvPr>
@@ -2003,14 +2088,16 @@
           </a:bodyPr>
           <a:lstStyle/>
           <a:p>
-            <a:pPr/>
+            <a:endParaRPr/>
           </a:p>
         </p:txBody>
       </p:sp>
       <p:sp>
         <p:nvSpPr>
           <p:cNvPr id="86" name="幻燈片編號"/>
-          <p:cNvSpPr txBox="1"/>
+          <p:cNvSpPr txBox="1">
+            <a:spLocks noGrp="1"/>
+          </p:cNvSpPr>
           <p:nvPr>
             <p:ph type="sldNum" sz="quarter" idx="2"/>
           </p:nvPr>
@@ -2024,8 +2111,10 @@
           <a:bodyPr/>
           <a:lstStyle/>
           <a:p>
-            <a:pPr/>
-            <a:fld id="{86CB4B4D-7CA3-9044-876B-883B54F8677D}" type="slidenum"/>
+            <a:fld id="{86CB4B4D-7CA3-9044-876B-883B54F8677D}" type="slidenum">
+              <a:t>‹#›</a:t>
+            </a:fld>
+            <a:endParaRPr/>
           </a:p>
         </p:txBody>
       </p:sp>
@@ -2034,7 +2123,7 @@
   <p:clrMapOvr>
     <a:masterClrMapping/>
   </p:clrMapOvr>
-  <p:transition xmlns:p14="http://schemas.microsoft.com/office/powerpoint/2010/main" spd="med" advClick="1"/>
+  <p:transition spd="med"/>
 </p:sldLayout>
 </file>
 
@@ -2044,12 +2133,13 @@
     <p:bg>
       <p:bgPr>
         <a:blipFill rotWithShape="1">
-          <a:blip r:embed="rId2"/>
-          <a:srcRect l="0" t="0" r="0" b="0"/>
+          <a:blip r:embed="rId14"/>
+          <a:srcRect/>
           <a:stretch>
             <a:fillRect/>
           </a:stretch>
         </a:blipFill>
+        <a:effectLst/>
       </p:bgPr>
     </p:bg>
     <p:spTree>
@@ -2069,7 +2159,9 @@
       <p:sp>
         <p:nvSpPr>
           <p:cNvPr id="2" name="大標題文字"/>
-          <p:cNvSpPr txBox="1"/>
+          <p:cNvSpPr txBox="1">
+            <a:spLocks noGrp="1"/>
+          </p:cNvSpPr>
           <p:nvPr>
             <p:ph type="title"/>
           </p:nvPr>
@@ -2087,17 +2179,16 @@
           </a:ln>
           <a:extLst>
             <a:ext uri="{C572A759-6A51-4108-AA02-DFA0A04FC94B}">
-              <ma14:wrappingTextBoxFlag xmlns:ma14="http://schemas.microsoft.com/office/mac/drawingml/2011/main" val="1"/>
+              <ma14:wrappingTextBoxFlag xmlns:ma14="http://schemas.microsoft.com/office/mac/drawingml/2011/main" xmlns="" val="1"/>
             </a:ext>
           </a:extLst>
         </p:spPr>
         <p:txBody>
           <a:bodyPr lIns="50800" tIns="50800" rIns="50800" bIns="50800" anchor="ctr">
-            <a:normAutofit fontScale="100000" lnSpcReduction="0"/>
+            <a:normAutofit/>
           </a:bodyPr>
           <a:lstStyle/>
           <a:p>
-            <a:pPr/>
             <a:r>
               <a:t>大標題文字</a:t>
             </a:r>
@@ -2107,7 +2198,9 @@
       <p:sp>
         <p:nvSpPr>
           <p:cNvPr id="3" name="內文層級一…"/>
-          <p:cNvSpPr txBox="1"/>
+          <p:cNvSpPr txBox="1">
+            <a:spLocks noGrp="1"/>
+          </p:cNvSpPr>
           <p:nvPr>
             <p:ph type="body" idx="1"/>
           </p:nvPr>
@@ -2125,17 +2218,16 @@
           </a:ln>
           <a:extLst>
             <a:ext uri="{C572A759-6A51-4108-AA02-DFA0A04FC94B}">
-              <ma14:wrappingTextBoxFlag xmlns:ma14="http://schemas.microsoft.com/office/mac/drawingml/2011/main" val="1"/>
+              <ma14:wrappingTextBoxFlag xmlns:ma14="http://schemas.microsoft.com/office/mac/drawingml/2011/main" xmlns="" val="1"/>
             </a:ext>
           </a:extLst>
         </p:spPr>
         <p:txBody>
           <a:bodyPr lIns="50800" tIns="50800" rIns="50800" bIns="50800" anchor="ctr">
-            <a:normAutofit fontScale="100000" lnSpcReduction="0"/>
+            <a:normAutofit/>
           </a:bodyPr>
           <a:lstStyle/>
           <a:p>
-            <a:pPr/>
             <a:r>
               <a:t>內文層級一</a:t>
             </a:r>
@@ -2169,7 +2261,9 @@
       <p:sp>
         <p:nvSpPr>
           <p:cNvPr id="4" name="幻燈片編號"/>
-          <p:cNvSpPr txBox="1"/>
+          <p:cNvSpPr txBox="1">
+            <a:spLocks noGrp="1"/>
+          </p:cNvSpPr>
           <p:nvPr>
             <p:ph type="sldNum" sz="quarter" idx="2"/>
           </p:nvPr>
@@ -2196,8 +2290,10 @@
             </a:lvl1pPr>
           </a:lstStyle>
           <a:p>
-            <a:pPr/>
-            <a:fld id="{86CB4B4D-7CA3-9044-876B-883B54F8677D}" type="slidenum"/>
+            <a:fld id="{86CB4B4D-7CA3-9044-876B-883B54F8677D}" type="slidenum">
+              <a:t>‹#›</a:t>
+            </a:fld>
+            <a:endParaRPr/>
           </a:p>
         </p:txBody>
       </p:sp>
@@ -2205,20 +2301,20 @@
   </p:cSld>
   <p:clrMap bg1="lt1" tx1="dk1" bg2="lt2" tx2="dk2" accent1="accent1" accent2="accent2" accent3="accent3" accent4="accent4" accent5="accent5" accent6="accent6" hlink="hlink" folHlink="folHlink"/>
   <p:sldLayoutIdLst>
-    <p:sldLayoutId id="2147483649" r:id="rId3"/>
-    <p:sldLayoutId id="2147483650" r:id="rId4"/>
-    <p:sldLayoutId id="2147483651" r:id="rId5"/>
-    <p:sldLayoutId id="2147483652" r:id="rId6"/>
-    <p:sldLayoutId id="2147483653" r:id="rId7"/>
-    <p:sldLayoutId id="2147483654" r:id="rId8"/>
-    <p:sldLayoutId id="2147483655" r:id="rId9"/>
-    <p:sldLayoutId id="2147483656" r:id="rId10"/>
-    <p:sldLayoutId id="2147483657" r:id="rId11"/>
-    <p:sldLayoutId id="2147483658" r:id="rId12"/>
-    <p:sldLayoutId id="2147483659" r:id="rId13"/>
-    <p:sldLayoutId id="2147483660" r:id="rId14"/>
+    <p:sldLayoutId id="2147483649" r:id="rId1"/>
+    <p:sldLayoutId id="2147483650" r:id="rId2"/>
+    <p:sldLayoutId id="2147483651" r:id="rId3"/>
+    <p:sldLayoutId id="2147483652" r:id="rId4"/>
+    <p:sldLayoutId id="2147483653" r:id="rId5"/>
+    <p:sldLayoutId id="2147483654" r:id="rId6"/>
+    <p:sldLayoutId id="2147483655" r:id="rId7"/>
+    <p:sldLayoutId id="2147483656" r:id="rId8"/>
+    <p:sldLayoutId id="2147483657" r:id="rId9"/>
+    <p:sldLayoutId id="2147483658" r:id="rId10"/>
+    <p:sldLayoutId id="2147483659" r:id="rId11"/>
+    <p:sldLayoutId id="2147483660" r:id="rId12"/>
   </p:sldLayoutIdLst>
-  <p:transition xmlns:p14="http://schemas.microsoft.com/office/powerpoint/2010/main" spd="med" advClick="1"/>
+  <p:transition spd="med"/>
   <p:txStyles>
     <p:titleStyle>
       <a:lvl1pPr marL="0" marR="0" indent="0" algn="ctr" defTabSz="584200" rtl="0" latinLnBrk="0">
@@ -2236,7 +2332,7 @@
         <a:buFontTx/>
         <a:buNone/>
         <a:tabLst/>
-        <a:defRPr b="0" baseline="0" cap="all" i="0" spc="0" strike="noStrike" sz="7200" u="none">
+        <a:defRPr sz="7200" b="0" i="0" u="none" strike="noStrike" cap="all" spc="0" baseline="0">
           <a:ln>
             <a:noFill/>
           </a:ln>
@@ -2265,7 +2361,7 @@
         <a:buFontTx/>
         <a:buNone/>
         <a:tabLst/>
-        <a:defRPr b="0" baseline="0" cap="all" i="0" spc="0" strike="noStrike" sz="7200" u="none">
+        <a:defRPr sz="7200" b="0" i="0" u="none" strike="noStrike" cap="all" spc="0" baseline="0">
           <a:ln>
             <a:noFill/>
           </a:ln>
@@ -2294,7 +2390,7 @@
         <a:buFontTx/>
         <a:buNone/>
         <a:tabLst/>
-        <a:defRPr b="0" baseline="0" cap="all" i="0" spc="0" strike="noStrike" sz="7200" u="none">
+        <a:defRPr sz="7200" b="0" i="0" u="none" strike="noStrike" cap="all" spc="0" baseline="0">
           <a:ln>
             <a:noFill/>
           </a:ln>
@@ -2323,7 +2419,7 @@
         <a:buFontTx/>
         <a:buNone/>
         <a:tabLst/>
-        <a:defRPr b="0" baseline="0" cap="all" i="0" spc="0" strike="noStrike" sz="7200" u="none">
+        <a:defRPr sz="7200" b="0" i="0" u="none" strike="noStrike" cap="all" spc="0" baseline="0">
           <a:ln>
             <a:noFill/>
           </a:ln>
@@ -2352,7 +2448,7 @@
         <a:buFontTx/>
         <a:buNone/>
         <a:tabLst/>
-        <a:defRPr b="0" baseline="0" cap="all" i="0" spc="0" strike="noStrike" sz="7200" u="none">
+        <a:defRPr sz="7200" b="0" i="0" u="none" strike="noStrike" cap="all" spc="0" baseline="0">
           <a:ln>
             <a:noFill/>
           </a:ln>
@@ -2381,7 +2477,7 @@
         <a:buFontTx/>
         <a:buNone/>
         <a:tabLst/>
-        <a:defRPr b="0" baseline="0" cap="all" i="0" spc="0" strike="noStrike" sz="7200" u="none">
+        <a:defRPr sz="7200" b="0" i="0" u="none" strike="noStrike" cap="all" spc="0" baseline="0">
           <a:ln>
             <a:noFill/>
           </a:ln>
@@ -2410,7 +2506,7 @@
         <a:buFontTx/>
         <a:buNone/>
         <a:tabLst/>
-        <a:defRPr b="0" baseline="0" cap="all" i="0" spc="0" strike="noStrike" sz="7200" u="none">
+        <a:defRPr sz="7200" b="0" i="0" u="none" strike="noStrike" cap="all" spc="0" baseline="0">
           <a:ln>
             <a:noFill/>
           </a:ln>
@@ -2439,7 +2535,7 @@
         <a:buFontTx/>
         <a:buNone/>
         <a:tabLst/>
-        <a:defRPr b="0" baseline="0" cap="all" i="0" spc="0" strike="noStrike" sz="7200" u="none">
+        <a:defRPr sz="7200" b="0" i="0" u="none" strike="noStrike" cap="all" spc="0" baseline="0">
           <a:ln>
             <a:noFill/>
           </a:ln>
@@ -2468,7 +2564,7 @@
         <a:buFontTx/>
         <a:buNone/>
         <a:tabLst/>
-        <a:defRPr b="0" baseline="0" cap="all" i="0" spc="0" strike="noStrike" sz="7200" u="none">
+        <a:defRPr sz="7200" b="0" i="0" u="none" strike="noStrike" cap="all" spc="0" baseline="0">
           <a:ln>
             <a:noFill/>
           </a:ln>
@@ -2499,7 +2595,7 @@
         <a:buFontTx/>
         <a:buChar char="•"/>
         <a:tabLst/>
-        <a:defRPr b="0" baseline="0" cap="none" i="0" spc="0" strike="noStrike" sz="3800" u="none">
+        <a:defRPr sz="3800" b="0" i="0" u="none" strike="noStrike" cap="none" spc="0" baseline="0">
           <a:ln>
             <a:noFill/>
           </a:ln>
@@ -2528,7 +2624,7 @@
         <a:buFontTx/>
         <a:buChar char="•"/>
         <a:tabLst/>
-        <a:defRPr b="0" baseline="0" cap="none" i="0" spc="0" strike="noStrike" sz="3800" u="none">
+        <a:defRPr sz="3800" b="0" i="0" u="none" strike="noStrike" cap="none" spc="0" baseline="0">
           <a:ln>
             <a:noFill/>
           </a:ln>
@@ -2557,7 +2653,7 @@
         <a:buFontTx/>
         <a:buChar char="•"/>
         <a:tabLst/>
-        <a:defRPr b="0" baseline="0" cap="none" i="0" spc="0" strike="noStrike" sz="3800" u="none">
+        <a:defRPr sz="3800" b="0" i="0" u="none" strike="noStrike" cap="none" spc="0" baseline="0">
           <a:ln>
             <a:noFill/>
           </a:ln>
@@ -2586,7 +2682,7 @@
         <a:buFontTx/>
         <a:buChar char="•"/>
         <a:tabLst/>
-        <a:defRPr b="0" baseline="0" cap="none" i="0" spc="0" strike="noStrike" sz="3800" u="none">
+        <a:defRPr sz="3800" b="0" i="0" u="none" strike="noStrike" cap="none" spc="0" baseline="0">
           <a:ln>
             <a:noFill/>
           </a:ln>
@@ -2615,7 +2711,7 @@
         <a:buFontTx/>
         <a:buChar char="•"/>
         <a:tabLst/>
-        <a:defRPr b="0" baseline="0" cap="none" i="0" spc="0" strike="noStrike" sz="3800" u="none">
+        <a:defRPr sz="3800" b="0" i="0" u="none" strike="noStrike" cap="none" spc="0" baseline="0">
           <a:ln>
             <a:noFill/>
           </a:ln>
@@ -2644,7 +2740,7 @@
         <a:buFontTx/>
         <a:buChar char="•"/>
         <a:tabLst/>
-        <a:defRPr b="0" baseline="0" cap="none" i="0" spc="0" strike="noStrike" sz="3800" u="none">
+        <a:defRPr sz="3800" b="0" i="0" u="none" strike="noStrike" cap="none" spc="0" baseline="0">
           <a:ln>
             <a:noFill/>
           </a:ln>
@@ -2673,7 +2769,7 @@
         <a:buFontTx/>
         <a:buChar char="•"/>
         <a:tabLst/>
-        <a:defRPr b="0" baseline="0" cap="none" i="0" spc="0" strike="noStrike" sz="3800" u="none">
+        <a:defRPr sz="3800" b="0" i="0" u="none" strike="noStrike" cap="none" spc="0" baseline="0">
           <a:ln>
             <a:noFill/>
           </a:ln>
@@ -2702,7 +2798,7 @@
         <a:buFontTx/>
         <a:buChar char="•"/>
         <a:tabLst/>
-        <a:defRPr b="0" baseline="0" cap="none" i="0" spc="0" strike="noStrike" sz="3800" u="none">
+        <a:defRPr sz="3800" b="0" i="0" u="none" strike="noStrike" cap="none" spc="0" baseline="0">
           <a:ln>
             <a:noFill/>
           </a:ln>
@@ -2731,7 +2827,7 @@
         <a:buFontTx/>
         <a:buChar char="•"/>
         <a:tabLst/>
-        <a:defRPr b="0" baseline="0" cap="none" i="0" spc="0" strike="noStrike" sz="3800" u="none">
+        <a:defRPr sz="3800" b="0" i="0" u="none" strike="noStrike" cap="none" spc="0" baseline="0">
           <a:ln>
             <a:noFill/>
           </a:ln>
@@ -2762,7 +2858,7 @@
         <a:buFontTx/>
         <a:buNone/>
         <a:tabLst/>
-        <a:defRPr b="0" baseline="0" cap="none" i="0" spc="0" strike="noStrike" sz="1800" u="none">
+        <a:defRPr sz="1800" b="0" i="0" u="none" strike="noStrike" cap="none" spc="0" baseline="0">
           <a:ln>
             <a:noFill/>
           </a:ln>
@@ -2791,7 +2887,7 @@
         <a:buFontTx/>
         <a:buNone/>
         <a:tabLst/>
-        <a:defRPr b="0" baseline="0" cap="none" i="0" spc="0" strike="noStrike" sz="1800" u="none">
+        <a:defRPr sz="1800" b="0" i="0" u="none" strike="noStrike" cap="none" spc="0" baseline="0">
           <a:ln>
             <a:noFill/>
           </a:ln>
@@ -2820,7 +2916,7 @@
         <a:buFontTx/>
         <a:buNone/>
         <a:tabLst/>
-        <a:defRPr b="0" baseline="0" cap="none" i="0" spc="0" strike="noStrike" sz="1800" u="none">
+        <a:defRPr sz="1800" b="0" i="0" u="none" strike="noStrike" cap="none" spc="0" baseline="0">
           <a:ln>
             <a:noFill/>
           </a:ln>
@@ -2849,7 +2945,7 @@
         <a:buFontTx/>
         <a:buNone/>
         <a:tabLst/>
-        <a:defRPr b="0" baseline="0" cap="none" i="0" spc="0" strike="noStrike" sz="1800" u="none">
+        <a:defRPr sz="1800" b="0" i="0" u="none" strike="noStrike" cap="none" spc="0" baseline="0">
           <a:ln>
             <a:noFill/>
           </a:ln>
@@ -2878,7 +2974,7 @@
         <a:buFontTx/>
         <a:buNone/>
         <a:tabLst/>
-        <a:defRPr b="0" baseline="0" cap="none" i="0" spc="0" strike="noStrike" sz="1800" u="none">
+        <a:defRPr sz="1800" b="0" i="0" u="none" strike="noStrike" cap="none" spc="0" baseline="0">
           <a:ln>
             <a:noFill/>
           </a:ln>
@@ -2907,7 +3003,7 @@
         <a:buFontTx/>
         <a:buNone/>
         <a:tabLst/>
-        <a:defRPr b="0" baseline="0" cap="none" i="0" spc="0" strike="noStrike" sz="1800" u="none">
+        <a:defRPr sz="1800" b="0" i="0" u="none" strike="noStrike" cap="none" spc="0" baseline="0">
           <a:ln>
             <a:noFill/>
           </a:ln>
@@ -2936,7 +3032,7 @@
         <a:buFontTx/>
         <a:buNone/>
         <a:tabLst/>
-        <a:defRPr b="0" baseline="0" cap="none" i="0" spc="0" strike="noStrike" sz="1800" u="none">
+        <a:defRPr sz="1800" b="0" i="0" u="none" strike="noStrike" cap="none" spc="0" baseline="0">
           <a:ln>
             <a:noFill/>
           </a:ln>
@@ -2965,7 +3061,7 @@
         <a:buFontTx/>
         <a:buNone/>
         <a:tabLst/>
-        <a:defRPr b="0" baseline="0" cap="none" i="0" spc="0" strike="noStrike" sz="1800" u="none">
+        <a:defRPr sz="1800" b="0" i="0" u="none" strike="noStrike" cap="none" spc="0" baseline="0">
           <a:ln>
             <a:noFill/>
           </a:ln>
@@ -2994,7 +3090,7 @@
         <a:buFontTx/>
         <a:buNone/>
         <a:tabLst/>
-        <a:defRPr b="0" baseline="0" cap="none" i="0" spc="0" strike="noStrike" sz="1800" u="none">
+        <a:defRPr sz="1800" b="0" i="0" u="none" strike="noStrike" cap="none" spc="0" baseline="0">
           <a:ln>
             <a:noFill/>
           </a:ln>
@@ -3014,7 +3110,7 @@
 </file>
 
 <file path=ppt/slides/slide1.xml><?xml version="1.0" encoding="utf-8"?>
-<p:sld xmlns:a="http://schemas.openxmlformats.org/drawingml/2006/main" xmlns:r="http://schemas.openxmlformats.org/officeDocument/2006/relationships" xmlns:p="http://schemas.openxmlformats.org/presentationml/2006/main" showMasterSp="1" showMasterPhAnim="1">
+<p:sld xmlns:a="http://schemas.openxmlformats.org/drawingml/2006/main" xmlns:r="http://schemas.openxmlformats.org/officeDocument/2006/relationships" xmlns:p="http://schemas.openxmlformats.org/presentationml/2006/main">
   <p:cSld>
     <p:spTree>
       <p:nvGrpSpPr>
@@ -3033,7 +3129,9 @@
       <p:sp>
         <p:nvSpPr>
           <p:cNvPr id="119" name="劇情RPG遊戲開發計畫"/>
-          <p:cNvSpPr txBox="1"/>
+          <p:cNvSpPr txBox="1">
+            <a:spLocks noGrp="1"/>
+          </p:cNvSpPr>
           <p:nvPr>
             <p:ph type="ctrTitle"/>
           </p:nvPr>
@@ -3049,7 +3147,6 @@
             <a:lvl1pPr algn="l"/>
           </a:lstStyle>
           <a:p>
-            <a:pPr/>
             <a:r>
               <a:t>劇情RPG遊戲開發計畫</a:t>
             </a:r>
@@ -3059,7 +3156,9 @@
       <p:sp>
         <p:nvSpPr>
           <p:cNvPr id="120" name="負責人：吳聖翊~Jackson,  楊斯惟~Owen,  李君"/>
-          <p:cNvSpPr txBox="1"/>
+          <p:cNvSpPr txBox="1">
+            <a:spLocks noGrp="1"/>
+          </p:cNvSpPr>
           <p:nvPr>
             <p:ph type="subTitle" sz="quarter" idx="1"/>
           </p:nvPr>
@@ -3077,7 +3176,6 @@
             </a:lvl1pPr>
           </a:lstStyle>
           <a:p>
-            <a:pPr/>
             <a:r>
               <a:t>負責人：吳聖翊~Jackson,  楊斯惟~Owen,  李君</a:t>
             </a:r>
@@ -3089,12 +3187,12 @@
   <p:clrMapOvr>
     <a:masterClrMapping/>
   </p:clrMapOvr>
-  <p:transition xmlns:p14="http://schemas.microsoft.com/office/powerpoint/2010/main" spd="med" advClick="1"/>
+  <p:transition spd="med"/>
 </p:sld>
 </file>
 
 <file path=ppt/slides/slide10.xml><?xml version="1.0" encoding="utf-8"?>
-<p:sld xmlns:a="http://schemas.openxmlformats.org/drawingml/2006/main" xmlns:r="http://schemas.openxmlformats.org/officeDocument/2006/relationships" xmlns:p="http://schemas.openxmlformats.org/presentationml/2006/main" showMasterSp="1" showMasterPhAnim="1">
+<p:sld xmlns:a="http://schemas.openxmlformats.org/drawingml/2006/main" xmlns:r="http://schemas.openxmlformats.org/officeDocument/2006/relationships" xmlns:p="http://schemas.openxmlformats.org/presentationml/2006/main">
   <p:cSld>
     <p:spTree>
       <p:nvGrpSpPr>
@@ -3113,7 +3211,9 @@
       <p:sp>
         <p:nvSpPr>
           <p:cNvPr id="182" name="Processing程式設計人員"/>
-          <p:cNvSpPr txBox="1"/>
+          <p:cNvSpPr txBox="1">
+            <a:spLocks noGrp="1"/>
+          </p:cNvSpPr>
           <p:nvPr>
             <p:ph type="title"/>
           </p:nvPr>
@@ -3127,7 +3227,7 @@
           <a:bodyPr/>
           <a:lstStyle>
             <a:lvl1pPr defTabSz="304800">
-              <a:defRPr cap="none" sz="6000">
+              <a:defRPr sz="6000" cap="none">
                 <a:solidFill>
                   <a:srgbClr val="000000"/>
                 </a:solidFill>
@@ -3144,7 +3244,6 @@
             </a:lvl1pPr>
           </a:lstStyle>
           <a:p>
-            <a:pPr/>
             <a:r>
               <a:t>Processing程式設計人員</a:t>
             </a:r>
@@ -3154,7 +3253,9 @@
       <p:sp>
         <p:nvSpPr>
           <p:cNvPr id="183" name="依照程式分組…"/>
-          <p:cNvSpPr txBox="1"/>
+          <p:cNvSpPr txBox="1">
+            <a:spLocks noGrp="1"/>
+          </p:cNvSpPr>
           <p:nvPr>
             <p:ph type="body" idx="1"/>
           </p:nvPr>
@@ -3168,22 +3269,25 @@
           <a:bodyPr/>
           <a:lstStyle/>
           <a:p>
-            <a:pPr/>
-            <a:r>
+            <a:r>
+              <a:rPr dirty="0" err="1"/>
               <a:t>依照程式分組</a:t>
             </a:r>
-          </a:p>
-          <a:p>
-            <a:pPr/>
-            <a:r>
-              <a:t>專門製作外部彩蛋程式</a:t>
-            </a:r>
-          </a:p>
-          <a:p>
-            <a:pPr/>
-            <a:r>
-              <a:t>製作部分特效</a:t>
-            </a:r>
+            <a:endParaRPr dirty="0"/>
+          </a:p>
+          <a:p>
+            <a:r>
+              <a:rPr dirty="0" err="1"/>
+              <a:t>外部彩蛋程式</a:t>
+            </a:r>
+            <a:endParaRPr dirty="0"/>
+          </a:p>
+          <a:p>
+            <a:r>
+              <a:rPr dirty="0" err="1"/>
+              <a:t>部分特效</a:t>
+            </a:r>
+            <a:endParaRPr dirty="0"/>
           </a:p>
         </p:txBody>
       </p:sp>
@@ -3192,12 +3296,12 @@
   <p:clrMapOvr>
     <a:masterClrMapping/>
   </p:clrMapOvr>
-  <p:transition xmlns:p14="http://schemas.microsoft.com/office/powerpoint/2010/main" spd="med" advClick="1"/>
+  <p:transition spd="med"/>
 </p:sld>
 </file>
 
 <file path=ppt/slides/slide11.xml><?xml version="1.0" encoding="utf-8"?>
-<p:sld xmlns:a="http://schemas.openxmlformats.org/drawingml/2006/main" xmlns:r="http://schemas.openxmlformats.org/officeDocument/2006/relationships" xmlns:p="http://schemas.openxmlformats.org/presentationml/2006/main" showMasterSp="1" showMasterPhAnim="1">
+<p:sld xmlns:a="http://schemas.openxmlformats.org/drawingml/2006/main" xmlns:r="http://schemas.openxmlformats.org/officeDocument/2006/relationships" xmlns:p="http://schemas.openxmlformats.org/presentationml/2006/main">
   <p:cSld>
     <p:spTree>
       <p:nvGrpSpPr>
@@ -3216,7 +3320,9 @@
       <p:sp>
         <p:nvSpPr>
           <p:cNvPr id="185" name="美工人員"/>
-          <p:cNvSpPr txBox="1"/>
+          <p:cNvSpPr txBox="1">
+            <a:spLocks noGrp="1"/>
+          </p:cNvSpPr>
           <p:nvPr>
             <p:ph type="title"/>
           </p:nvPr>
@@ -3230,7 +3336,7 @@
           <a:bodyPr/>
           <a:lstStyle>
             <a:lvl1pPr defTabSz="304800">
-              <a:defRPr cap="none" sz="6000">
+              <a:defRPr sz="6000" cap="none">
                 <a:solidFill>
                   <a:srgbClr val="000000"/>
                 </a:solidFill>
@@ -3247,7 +3353,6 @@
             </a:lvl1pPr>
           </a:lstStyle>
           <a:p>
-            <a:pPr/>
             <a:r>
               <a:t>美工人員</a:t>
             </a:r>
@@ -3257,7 +3362,9 @@
       <p:sp>
         <p:nvSpPr>
           <p:cNvPr id="186" name="介面設計…"/>
-          <p:cNvSpPr txBox="1"/>
+          <p:cNvSpPr txBox="1">
+            <a:spLocks noGrp="1"/>
+          </p:cNvSpPr>
           <p:nvPr>
             <p:ph type="body" idx="1"/>
           </p:nvPr>
@@ -3271,27 +3378,34 @@
           <a:bodyPr/>
           <a:lstStyle/>
           <a:p>
-            <a:pPr/>
-            <a:r>
+            <a:r>
+              <a:rPr dirty="0" err="1"/>
               <a:t>介面設計</a:t>
             </a:r>
-          </a:p>
-          <a:p>
-            <a:pPr/>
-            <a:r>
+            <a:endParaRPr dirty="0"/>
+          </a:p>
+          <a:p>
+            <a:r>
+              <a:rPr dirty="0" err="1"/>
               <a:t>人物設計</a:t>
             </a:r>
-          </a:p>
-          <a:p>
-            <a:pPr/>
-            <a:r>
+            <a:endParaRPr dirty="0"/>
+          </a:p>
+          <a:p>
+            <a:r>
+              <a:rPr dirty="0" err="1"/>
               <a:t>背景設計</a:t>
             </a:r>
-          </a:p>
-          <a:p>
-            <a:pPr/>
-            <a:r>
-              <a:t>手繪、電繪 SAI</a:t>
+            <a:endParaRPr dirty="0"/>
+          </a:p>
+          <a:p>
+            <a:r>
+              <a:rPr dirty="0" err="1"/>
+              <a:t>手繪、電繪</a:t>
+            </a:r>
+            <a:r>
+              <a:rPr dirty="0"/>
+              <a:t> SAI</a:t>
             </a:r>
           </a:p>
         </p:txBody>
@@ -3301,12 +3415,12 @@
   <p:clrMapOvr>
     <a:masterClrMapping/>
   </p:clrMapOvr>
-  <p:transition xmlns:p14="http://schemas.microsoft.com/office/powerpoint/2010/main" spd="med" advClick="1"/>
+  <p:transition spd="med"/>
 </p:sld>
 </file>
 
 <file path=ppt/slides/slide12.xml><?xml version="1.0" encoding="utf-8"?>
-<p:sld xmlns:a="http://schemas.openxmlformats.org/drawingml/2006/main" xmlns:r="http://schemas.openxmlformats.org/officeDocument/2006/relationships" xmlns:p="http://schemas.openxmlformats.org/presentationml/2006/main" showMasterSp="1" showMasterPhAnim="1">
+<p:sld xmlns:a="http://schemas.openxmlformats.org/drawingml/2006/main" xmlns:r="http://schemas.openxmlformats.org/officeDocument/2006/relationships" xmlns:p="http://schemas.openxmlformats.org/presentationml/2006/main">
   <p:cSld>
     <p:spTree>
       <p:nvGrpSpPr>
@@ -3325,7 +3439,9 @@
       <p:sp>
         <p:nvSpPr>
           <p:cNvPr id="188" name="劇本人員"/>
-          <p:cNvSpPr txBox="1"/>
+          <p:cNvSpPr txBox="1">
+            <a:spLocks noGrp="1"/>
+          </p:cNvSpPr>
           <p:nvPr>
             <p:ph type="title"/>
           </p:nvPr>
@@ -3339,7 +3455,7 @@
           <a:bodyPr/>
           <a:lstStyle>
             <a:lvl1pPr defTabSz="304800">
-              <a:defRPr cap="none" sz="6000">
+              <a:defRPr sz="6000" cap="none">
                 <a:solidFill>
                   <a:srgbClr val="000000"/>
                 </a:solidFill>
@@ -3356,7 +3472,6 @@
             </a:lvl1pPr>
           </a:lstStyle>
           <a:p>
-            <a:pPr/>
             <a:r>
               <a:t>劇本人員</a:t>
             </a:r>
@@ -3366,7 +3481,9 @@
       <p:sp>
         <p:nvSpPr>
           <p:cNvPr id="189" name="內文"/>
-          <p:cNvSpPr txBox="1"/>
+          <p:cNvSpPr txBox="1">
+            <a:spLocks noGrp="1"/>
+          </p:cNvSpPr>
           <p:nvPr>
             <p:ph type="body" idx="1"/>
           </p:nvPr>
@@ -3380,7 +3497,22 @@
           <a:bodyPr/>
           <a:lstStyle/>
           <a:p>
-            <a:pPr/>
+            <a:r>
+              <a:rPr lang="zh-TW" altLang="en-US" dirty="0"/>
+              <a:t>編劇</a:t>
+            </a:r>
+            <a:r>
+              <a:rPr lang="en-US" altLang="zh-TW" dirty="0" err="1"/>
+              <a:t>OuO</a:t>
+            </a:r>
+            <a:endParaRPr lang="en-US" altLang="zh-TW" dirty="0"/>
+          </a:p>
+          <a:p>
+            <a:r>
+              <a:rPr lang="zh-TW" altLang="en-US" dirty="0"/>
+              <a:t>彩蛋設計及引入點控制</a:t>
+            </a:r>
+            <a:endParaRPr dirty="0"/>
           </a:p>
         </p:txBody>
       </p:sp>
@@ -3389,12 +3521,12 @@
   <p:clrMapOvr>
     <a:masterClrMapping/>
   </p:clrMapOvr>
-  <p:transition xmlns:p14="http://schemas.microsoft.com/office/powerpoint/2010/main" spd="med" advClick="1"/>
+  <p:transition spd="med"/>
 </p:sld>
 </file>
 
 <file path=ppt/slides/slide13.xml><?xml version="1.0" encoding="utf-8"?>
-<p:sld xmlns:a="http://schemas.openxmlformats.org/drawingml/2006/main" xmlns:r="http://schemas.openxmlformats.org/officeDocument/2006/relationships" xmlns:p="http://schemas.openxmlformats.org/presentationml/2006/main" showMasterSp="1" showMasterPhAnim="1">
+<p:sld xmlns:a="http://schemas.openxmlformats.org/drawingml/2006/main" xmlns:r="http://schemas.openxmlformats.org/officeDocument/2006/relationships" xmlns:p="http://schemas.openxmlformats.org/presentationml/2006/main">
   <p:cSld>
     <p:spTree>
       <p:nvGrpSpPr>
@@ -3413,7 +3545,9 @@
       <p:sp>
         <p:nvSpPr>
           <p:cNvPr id="191" name="音效人員"/>
-          <p:cNvSpPr txBox="1"/>
+          <p:cNvSpPr txBox="1">
+            <a:spLocks noGrp="1"/>
+          </p:cNvSpPr>
           <p:nvPr>
             <p:ph type="title"/>
           </p:nvPr>
@@ -3427,7 +3561,7 @@
           <a:bodyPr/>
           <a:lstStyle>
             <a:lvl1pPr defTabSz="304800">
-              <a:defRPr cap="none" sz="6000">
+              <a:defRPr sz="6000" cap="none">
                 <a:solidFill>
                   <a:srgbClr val="000000"/>
                 </a:solidFill>
@@ -3444,7 +3578,6 @@
             </a:lvl1pPr>
           </a:lstStyle>
           <a:p>
-            <a:pPr/>
             <a:r>
               <a:t>音效人員</a:t>
             </a:r>
@@ -3454,7 +3587,9 @@
       <p:sp>
         <p:nvSpPr>
           <p:cNvPr id="192" name="混音…"/>
-          <p:cNvSpPr txBox="1"/>
+          <p:cNvSpPr txBox="1">
+            <a:spLocks noGrp="1"/>
+          </p:cNvSpPr>
           <p:nvPr>
             <p:ph type="body" idx="1"/>
           </p:nvPr>
@@ -3468,19 +3603,16 @@
           <a:bodyPr/>
           <a:lstStyle/>
           <a:p>
-            <a:pPr/>
             <a:r>
               <a:t>混音</a:t>
             </a:r>
           </a:p>
           <a:p>
-            <a:pPr/>
             <a:r>
               <a:t>作曲</a:t>
             </a:r>
           </a:p>
           <a:p>
-            <a:pPr/>
             <a:r>
               <a:t>Audacity</a:t>
             </a:r>
@@ -3492,12 +3624,12 @@
   <p:clrMapOvr>
     <a:masterClrMapping/>
   </p:clrMapOvr>
-  <p:transition xmlns:p14="http://schemas.microsoft.com/office/powerpoint/2010/main" spd="med" advClick="1"/>
+  <p:transition spd="med"/>
 </p:sld>
 </file>
 
 <file path=ppt/slides/slide14.xml><?xml version="1.0" encoding="utf-8"?>
-<p:sld xmlns:a="http://schemas.openxmlformats.org/drawingml/2006/main" xmlns:r="http://schemas.openxmlformats.org/officeDocument/2006/relationships" xmlns:p="http://schemas.openxmlformats.org/presentationml/2006/main" showMasterSp="1" showMasterPhAnim="1">
+<p:sld xmlns:a="http://schemas.openxmlformats.org/drawingml/2006/main" xmlns:r="http://schemas.openxmlformats.org/officeDocument/2006/relationships" xmlns:p="http://schemas.openxmlformats.org/presentationml/2006/main">
   <p:cSld>
     <p:spTree>
       <p:nvGrpSpPr>
@@ -3516,7 +3648,9 @@
       <p:sp>
         <p:nvSpPr>
           <p:cNvPr id="194" name="跨平台工作人員"/>
-          <p:cNvSpPr txBox="1"/>
+          <p:cNvSpPr txBox="1">
+            <a:spLocks noGrp="1"/>
+          </p:cNvSpPr>
           <p:nvPr>
             <p:ph type="title"/>
           </p:nvPr>
@@ -3530,7 +3664,7 @@
           <a:bodyPr/>
           <a:lstStyle>
             <a:lvl1pPr defTabSz="304800">
-              <a:defRPr cap="none" sz="6000">
+              <a:defRPr sz="6000" cap="none">
                 <a:solidFill>
                   <a:srgbClr val="000000"/>
                 </a:solidFill>
@@ -3547,7 +3681,6 @@
             </a:lvl1pPr>
           </a:lstStyle>
           <a:p>
-            <a:pPr/>
             <a:r>
               <a:t>跨平台工作人員</a:t>
             </a:r>
@@ -3557,7 +3690,9 @@
       <p:sp>
         <p:nvSpPr>
           <p:cNvPr id="195" name="內文"/>
-          <p:cNvSpPr txBox="1"/>
+          <p:cNvSpPr txBox="1">
+            <a:spLocks noGrp="1"/>
+          </p:cNvSpPr>
           <p:nvPr>
             <p:ph type="body" idx="1"/>
           </p:nvPr>
@@ -3571,7 +3706,54 @@
           <a:bodyPr/>
           <a:lstStyle/>
           <a:p>
-            <a:pPr/>
+            <a:r>
+              <a:rPr lang="en-US" altLang="zh-TW" dirty="0"/>
+              <a:t>Linux</a:t>
+            </a:r>
+            <a:r>
+              <a:rPr lang="zh-TW" altLang="en-US" dirty="0"/>
+              <a:t>、</a:t>
+            </a:r>
+            <a:r>
+              <a:rPr lang="en-US" altLang="zh-TW" dirty="0"/>
+              <a:t>Mac</a:t>
+            </a:r>
+            <a:r>
+              <a:rPr lang="zh-TW" altLang="en-US" dirty="0"/>
+              <a:t> </a:t>
+            </a:r>
+            <a:r>
+              <a:rPr lang="en-US" altLang="zh-TW" dirty="0"/>
+              <a:t>OS</a:t>
+            </a:r>
+            <a:r>
+              <a:rPr lang="zh-TW" altLang="en-US" dirty="0"/>
+              <a:t>、</a:t>
+            </a:r>
+            <a:r>
+              <a:rPr lang="en-US" altLang="zh-TW" dirty="0"/>
+              <a:t>Android</a:t>
+            </a:r>
+            <a:r>
+              <a:rPr lang="zh-TW" altLang="en-US" dirty="0"/>
+              <a:t>、</a:t>
+            </a:r>
+            <a:r>
+              <a:rPr lang="en-US" altLang="zh-TW" dirty="0"/>
+              <a:t>IOS</a:t>
+            </a:r>
+            <a:r>
+              <a:rPr lang="zh-TW" altLang="en-US" dirty="0"/>
+              <a:t>的跨平台測試人員</a:t>
+            </a:r>
+            <a:endParaRPr lang="en-US" altLang="zh-TW" dirty="0"/>
+          </a:p>
+          <a:p>
+            <a:r>
+              <a:rPr lang="zh-TW" altLang="en-US" dirty="0"/>
+              <a:t>協助跨平台開發</a:t>
+            </a:r>
+            <a:endParaRPr dirty="0"/>
           </a:p>
         </p:txBody>
       </p:sp>
@@ -3580,12 +3762,12 @@
   <p:clrMapOvr>
     <a:masterClrMapping/>
   </p:clrMapOvr>
-  <p:transition xmlns:p14="http://schemas.microsoft.com/office/powerpoint/2010/main" spd="med" advClick="1"/>
+  <p:transition spd="med"/>
 </p:sld>
 </file>
 
-<file path=ppt/slides/slide2.xml><?xml version="1.0" encoding="utf-8"?>
-<p:sld xmlns:a="http://schemas.openxmlformats.org/drawingml/2006/main" xmlns:r="http://schemas.openxmlformats.org/officeDocument/2006/relationships" xmlns:p="http://schemas.openxmlformats.org/presentationml/2006/main" showMasterSp="1" showMasterPhAnim="1">
+<file path=ppt/slides/slide15.xml><?xml version="1.0" encoding="utf-8"?>
+<p:sld xmlns:a="http://schemas.openxmlformats.org/drawingml/2006/main" xmlns:r="http://schemas.openxmlformats.org/officeDocument/2006/relationships" xmlns:p="http://schemas.openxmlformats.org/presentationml/2006/main">
   <p:cSld>
     <p:spTree>
       <p:nvGrpSpPr>
@@ -3603,49 +3785,107 @@
       </p:grpSpPr>
       <p:sp>
         <p:nvSpPr>
-          <p:cNvPr id="122" name="大安高級工業職業學校行政大樓資訊科電腦教室…"/>
-          <p:cNvSpPr txBox="1"/>
+          <p:cNvPr id="2" name="標題 1">
+            <a:extLst>
+              <a:ext uri="{FF2B5EF4-FFF2-40B4-BE49-F238E27FC236}">
+                <a16:creationId xmlns:a16="http://schemas.microsoft.com/office/drawing/2014/main" id="{0180A480-B397-4309-8423-4F136F276174}"/>
+              </a:ext>
+            </a:extLst>
+          </p:cNvPr>
+          <p:cNvSpPr>
+            <a:spLocks noGrp="1"/>
+          </p:cNvSpPr>
           <p:nvPr>
             <p:ph type="title"/>
           </p:nvPr>
         </p:nvSpPr>
-        <p:spPr>
-          <a:prstGeom prst="rect">
-            <a:avLst/>
-          </a:prstGeom>
-        </p:spPr>
+        <p:spPr/>
         <p:txBody>
           <a:bodyPr/>
           <a:lstStyle/>
           <a:p>
-            <a:pPr>
-              <a:defRPr sz="3200"/>
-            </a:pPr>
-            <a:r>
-              <a:t>大安高級工業職業學校行政大樓資訊科電腦教室</a:t>
-            </a:r>
-          </a:p>
-          <a:p>
-            <a:pPr>
-              <a:defRPr sz="3200"/>
-            </a:pPr>
-            <a:r>
-              <a:t>2018年1月18日 星期五 上午 10 : 20 ~ 10 : 50</a:t>
+            <a:r>
+              <a:rPr lang="zh-TW" altLang="en-US" dirty="0"/>
+              <a:t>檔案版本管理</a:t>
+            </a:r>
+          </a:p>
+        </p:txBody>
+      </p:sp>
+      <p:sp>
+        <p:nvSpPr>
+          <p:cNvPr id="3" name="文字版面配置區 2">
+            <a:extLst>
+              <a:ext uri="{FF2B5EF4-FFF2-40B4-BE49-F238E27FC236}">
+                <a16:creationId xmlns:a16="http://schemas.microsoft.com/office/drawing/2014/main" id="{6EE7B408-1955-4685-ABA4-B86F1083BC40}"/>
+              </a:ext>
+            </a:extLst>
+          </p:cNvPr>
+          <p:cNvSpPr>
+            <a:spLocks noGrp="1"/>
+          </p:cNvSpPr>
+          <p:nvPr>
+            <p:ph type="body" idx="1"/>
+          </p:nvPr>
+        </p:nvSpPr>
+        <p:spPr/>
+        <p:txBody>
+          <a:bodyPr/>
+          <a:lstStyle/>
+          <a:p>
+            <a:r>
+              <a:rPr lang="zh-TW" altLang="en-US" dirty="0"/>
+              <a:t>程式碼部分使用</a:t>
+            </a:r>
+            <a:r>
+              <a:rPr lang="en-US" altLang="zh-TW" dirty="0" err="1"/>
+              <a:t>Github</a:t>
+            </a:r>
+            <a:r>
+              <a:rPr lang="zh-TW" altLang="en-US" dirty="0"/>
+              <a:t>進行檔案管理及傳送作業</a:t>
+            </a:r>
+            <a:endParaRPr lang="en-US" altLang="zh-TW" dirty="0"/>
+          </a:p>
+          <a:p>
+            <a:r>
+              <a:rPr lang="zh-TW" altLang="en-US" dirty="0"/>
+              <a:t>劇本及美工素材，使用</a:t>
+            </a:r>
+            <a:r>
+              <a:rPr lang="en-US" altLang="zh-TW" dirty="0"/>
+              <a:t>Google</a:t>
+            </a:r>
+            <a:r>
+              <a:rPr lang="zh-TW" altLang="en-US" dirty="0"/>
+              <a:t> </a:t>
+            </a:r>
+            <a:r>
+              <a:rPr lang="en-US" altLang="zh-TW" dirty="0"/>
+              <a:t>Drive</a:t>
+            </a:r>
+            <a:r>
+              <a:rPr lang="zh-TW" altLang="en-US" dirty="0"/>
+              <a:t>進行管理</a:t>
             </a:r>
           </a:p>
         </p:txBody>
       </p:sp>
     </p:spTree>
+    <p:extLst>
+      <p:ext uri="{BB962C8B-B14F-4D97-AF65-F5344CB8AC3E}">
+        <p14:creationId xmlns:p14="http://schemas.microsoft.com/office/powerpoint/2010/main" val="25401348"/>
+      </p:ext>
+    </p:extLst>
   </p:cSld>
   <p:clrMapOvr>
     <a:masterClrMapping/>
   </p:clrMapOvr>
-  <p:transition xmlns:p14="http://schemas.microsoft.com/office/powerpoint/2010/main" spd="med" advClick="1"/>
+  <p:transition spd="med"/>
 </p:sld>
 </file>
 
-<file path=ppt/slides/slide3.xml><?xml version="1.0" encoding="utf-8"?>
-<p:sld xmlns:a="http://schemas.openxmlformats.org/drawingml/2006/main" xmlns:r="http://schemas.openxmlformats.org/officeDocument/2006/relationships" xmlns:p="http://schemas.openxmlformats.org/presentationml/2006/main" showMasterSp="1" showMasterPhAnim="1">
+<file path=ppt/slides/slide16.xml><?xml version="1.0" encoding="utf-8"?>
+<p:sld xmlns:a="http://schemas.openxmlformats.org/drawingml/2006/main" xmlns:r="http://schemas.openxmlformats.org/officeDocument/2006/relationships" xmlns:p="http://schemas.openxmlformats.org/presentationml/2006/main">
   <p:cSld>
     <p:spTree>
       <p:nvGrpSpPr>
@@ -3663,41 +3903,134 @@
       </p:grpSpPr>
       <p:sp>
         <p:nvSpPr>
-          <p:cNvPr id="124" name="計畫介紹"/>
-          <p:cNvSpPr txBox="1"/>
+          <p:cNvPr id="2" name="標題 1">
+            <a:extLst>
+              <a:ext uri="{FF2B5EF4-FFF2-40B4-BE49-F238E27FC236}">
+                <a16:creationId xmlns:a16="http://schemas.microsoft.com/office/drawing/2014/main" id="{F4D5CDA7-B14C-4349-80E6-D101EFA5C268}"/>
+              </a:ext>
+            </a:extLst>
+          </p:cNvPr>
+          <p:cNvSpPr>
+            <a:spLocks noGrp="1"/>
+          </p:cNvSpPr>
           <p:nvPr>
             <p:ph type="title"/>
           </p:nvPr>
         </p:nvSpPr>
-        <p:spPr>
-          <a:prstGeom prst="rect">
-            <a:avLst/>
-          </a:prstGeom>
-        </p:spPr>
+        <p:spPr/>
         <p:txBody>
           <a:bodyPr/>
-          <a:lstStyle>
-            <a:lvl1pPr algn="r"/>
-          </a:lstStyle>
-          <a:p>
-            <a:pPr/>
-            <a:r>
-              <a:t>計畫介紹</a:t>
+          <a:lstStyle/>
+          <a:p>
+            <a:r>
+              <a:rPr lang="zh-TW" altLang="en-US" dirty="0"/>
+              <a:t>表單填寫</a:t>
+            </a:r>
+          </a:p>
+        </p:txBody>
+      </p:sp>
+      <p:sp>
+        <p:nvSpPr>
+          <p:cNvPr id="3" name="文字版面配置區 2">
+            <a:extLst>
+              <a:ext uri="{FF2B5EF4-FFF2-40B4-BE49-F238E27FC236}">
+                <a16:creationId xmlns:a16="http://schemas.microsoft.com/office/drawing/2014/main" id="{891DA156-248C-4DCB-816E-8E795F6C7DBF}"/>
+              </a:ext>
+            </a:extLst>
+          </p:cNvPr>
+          <p:cNvSpPr>
+            <a:spLocks noGrp="1"/>
+          </p:cNvSpPr>
+          <p:nvPr>
+            <p:ph type="body" idx="1"/>
+          </p:nvPr>
+        </p:nvSpPr>
+        <p:spPr/>
+        <p:txBody>
+          <a:bodyPr/>
+          <a:lstStyle/>
+          <a:p>
+            <a:r>
+              <a:rPr lang="zh-TW" altLang="en-US" dirty="0"/>
+              <a:t>意見調查單</a:t>
+            </a:r>
+            <a:r>
+              <a:rPr lang="en-US" altLang="zh-TW" dirty="0"/>
+              <a:t>:</a:t>
+            </a:r>
+            <a:r>
+              <a:rPr lang="zh-TW" altLang="en-US" dirty="0"/>
+              <a:t>  </a:t>
+            </a:r>
+            <a:r>
+              <a:rPr lang="en-US" altLang="zh-TW" dirty="0">
+                <a:hlinkClick r:id="rId2"/>
+              </a:rPr>
+              <a:t>https://goo.gl/mhz98J</a:t>
+            </a:r>
+            <a:r>
+              <a:rPr lang="en-US" altLang="zh-TW" dirty="0"/>
+              <a:t>(</a:t>
+            </a:r>
+            <a:r>
+              <a:rPr lang="zh-TW" altLang="en-US" dirty="0"/>
+              <a:t>請各位務必填寫</a:t>
+            </a:r>
+            <a:r>
+              <a:rPr lang="en-US" altLang="zh-TW" dirty="0"/>
+              <a:t>)</a:t>
+            </a:r>
+          </a:p>
+          <a:p>
+            <a:r>
+              <a:rPr lang="zh-TW" altLang="en-US" dirty="0"/>
+              <a:t>提案平台</a:t>
+            </a:r>
+            <a:r>
+              <a:rPr lang="en-US" altLang="zh-TW" dirty="0"/>
+              <a:t>:</a:t>
+            </a:r>
+            <a:r>
+              <a:rPr lang="zh-TW" altLang="en-US" dirty="0"/>
+              <a:t> </a:t>
+            </a:r>
+            <a:r>
+              <a:rPr lang="en-US" altLang="zh-TW" dirty="0">
+                <a:hlinkClick r:id="rId3"/>
+              </a:rPr>
+              <a:t>https://goo.gl/G2iv8g</a:t>
+            </a:r>
+            <a:r>
+              <a:rPr lang="en-US" altLang="zh-TW" dirty="0"/>
+              <a:t>(</a:t>
+            </a:r>
+            <a:r>
+              <a:rPr lang="zh-TW" altLang="en-US" dirty="0"/>
+              <a:t>劇本及美工人員填寫</a:t>
+            </a:r>
+            <a:r>
+              <a:rPr lang="en-US" altLang="zh-TW" dirty="0"/>
+              <a:t>)</a:t>
             </a:r>
           </a:p>
         </p:txBody>
       </p:sp>
     </p:spTree>
+    <p:extLst>
+      <p:ext uri="{BB962C8B-B14F-4D97-AF65-F5344CB8AC3E}">
+        <p14:creationId xmlns:p14="http://schemas.microsoft.com/office/powerpoint/2010/main" val="1511209456"/>
+      </p:ext>
+    </p:extLst>
   </p:cSld>
   <p:clrMapOvr>
     <a:masterClrMapping/>
   </p:clrMapOvr>
-  <p:transition xmlns:p14="http://schemas.microsoft.com/office/powerpoint/2010/main" spd="med" advClick="1"/>
+  <p:transition spd="med"/>
 </p:sld>
 </file>
 
-<file path=ppt/slides/slide4.xml><?xml version="1.0" encoding="utf-8"?>
-<p:sld xmlns:a="http://schemas.openxmlformats.org/drawingml/2006/main" xmlns:r="http://schemas.openxmlformats.org/officeDocument/2006/relationships" xmlns:p="http://schemas.openxmlformats.org/presentationml/2006/main" showMasterSp="1" showMasterPhAnim="1">
+<file path=ppt/slides/slide17.xml><?xml version="1.0" encoding="utf-8"?>
+<p:sld xmlns:a="http://schemas.openxmlformats.org/drawingml/2006/main" xmlns:r="http://schemas.openxmlformats.org/officeDocument/2006/relationships" xmlns:p="http://schemas.openxmlformats.org/presentationml/2006/main">
   <p:cSld>
     <p:spTree>
       <p:nvGrpSpPr>
@@ -3715,75 +4048,162 @@
       </p:grpSpPr>
       <p:sp>
         <p:nvSpPr>
-          <p:cNvPr id="126" name="計畫緣由"/>
-          <p:cNvSpPr txBox="1"/>
+          <p:cNvPr id="2" name="標題 1">
+            <a:extLst>
+              <a:ext uri="{FF2B5EF4-FFF2-40B4-BE49-F238E27FC236}">
+                <a16:creationId xmlns:a16="http://schemas.microsoft.com/office/drawing/2014/main" id="{099EBE92-E25E-4953-9FCA-6CFC3242E7BA}"/>
+              </a:ext>
+            </a:extLst>
+          </p:cNvPr>
+          <p:cNvSpPr>
+            <a:spLocks noGrp="1"/>
+          </p:cNvSpPr>
           <p:nvPr>
             <p:ph type="title"/>
           </p:nvPr>
         </p:nvSpPr>
-        <p:spPr>
-          <a:prstGeom prst="rect">
-            <a:avLst/>
-          </a:prstGeom>
-        </p:spPr>
+        <p:spPr/>
         <p:txBody>
           <a:bodyPr/>
           <a:lstStyle/>
           <a:p>
-            <a:pPr/>
-            <a:r>
-              <a:t>計畫緣由</a:t>
-            </a:r>
-          </a:p>
-        </p:txBody>
-      </p:sp>
-      <p:sp>
-        <p:nvSpPr>
-          <p:cNvPr id="127" name="讓各位有一個發表自己能力、以及興趣的地方…"/>
-          <p:cNvSpPr txBox="1"/>
+            <a:r>
+              <a:rPr lang="zh-TW" altLang="en-US" dirty="0"/>
+              <a:t>相關資訊</a:t>
+            </a:r>
+          </a:p>
+        </p:txBody>
+      </p:sp>
+      <p:sp>
+        <p:nvSpPr>
+          <p:cNvPr id="3" name="文字版面配置區 2">
+            <a:extLst>
+              <a:ext uri="{FF2B5EF4-FFF2-40B4-BE49-F238E27FC236}">
+                <a16:creationId xmlns:a16="http://schemas.microsoft.com/office/drawing/2014/main" id="{091B761C-1888-491F-B966-B9ADA4829669}"/>
+              </a:ext>
+            </a:extLst>
+          </p:cNvPr>
+          <p:cNvSpPr>
+            <a:spLocks noGrp="1"/>
+          </p:cNvSpPr>
           <p:nvPr>
             <p:ph type="body" idx="1"/>
           </p:nvPr>
         </p:nvSpPr>
-        <p:spPr>
-          <a:prstGeom prst="rect">
-            <a:avLst/>
-          </a:prstGeom>
-        </p:spPr>
-        <p:txBody>
-          <a:bodyPr/>
+        <p:spPr/>
+        <p:txBody>
+          <a:bodyPr>
+            <a:normAutofit lnSpcReduction="10000"/>
+          </a:bodyPr>
           <a:lstStyle/>
           <a:p>
-            <a:pPr marL="0" indent="0">
-              <a:buSzTx/>
-              <a:buNone/>
-            </a:pPr>
-            <a:r>
-              <a:t>讓各位有一個發表自己能力、以及興趣的地方</a:t>
-            </a:r>
-          </a:p>
-          <a:p>
-            <a:pPr marL="0" indent="0">
-              <a:buSzTx/>
-              <a:buNone/>
-            </a:pPr>
-            <a:r>
-              <a:t>增進各位在不同領域的能力</a:t>
-            </a:r>
+            <a:r>
+              <a:rPr lang="zh-TW" altLang="en-US" dirty="0"/>
+              <a:t>我們的網站</a:t>
+            </a:r>
+            <a:r>
+              <a:rPr lang="en-US" altLang="zh-TW" dirty="0"/>
+              <a:t>:</a:t>
+            </a:r>
+            <a:r>
+              <a:rPr lang="zh-TW" altLang="en-US" dirty="0"/>
+              <a:t> </a:t>
+            </a:r>
+            <a:r>
+              <a:rPr lang="en-US" altLang="zh-TW" dirty="0"/>
+              <a:t>rpg-project.weebly.com</a:t>
+            </a:r>
+          </a:p>
+          <a:p>
+            <a:r>
+              <a:rPr lang="zh-TW" altLang="en-US" dirty="0"/>
+              <a:t>負責人</a:t>
+            </a:r>
+            <a:r>
+              <a:rPr lang="en-US" altLang="zh-TW" dirty="0"/>
+              <a:t>:</a:t>
+            </a:r>
+          </a:p>
+          <a:p>
+            <a:pPr lvl="1"/>
+            <a:r>
+              <a:rPr lang="zh-TW" altLang="en-US" dirty="0"/>
+              <a:t>大安高工</a:t>
+            </a:r>
+            <a:r>
+              <a:rPr lang="en-US" altLang="zh-TW" dirty="0"/>
+              <a:t>109</a:t>
+            </a:r>
+            <a:r>
+              <a:rPr lang="zh-TW" altLang="en-US" dirty="0"/>
+              <a:t>資訊甲吳聖翊</a:t>
+            </a:r>
+            <a:r>
+              <a:rPr lang="en-US" altLang="zh-TW" dirty="0"/>
+              <a:t>~320Jackson</a:t>
+            </a:r>
+          </a:p>
+          <a:p>
+            <a:pPr lvl="1"/>
+            <a:r>
+              <a:rPr lang="zh-TW" altLang="en-US" dirty="0"/>
+              <a:t>大安高工</a:t>
+            </a:r>
+            <a:r>
+              <a:rPr lang="en-US" altLang="zh-TW" dirty="0"/>
+              <a:t>109</a:t>
+            </a:r>
+            <a:r>
+              <a:rPr lang="zh-TW" altLang="en-US" dirty="0"/>
+              <a:t>資訊甲楊斯惟</a:t>
+            </a:r>
+            <a:r>
+              <a:rPr lang="en-US" altLang="zh-TW" dirty="0"/>
+              <a:t>~Owen</a:t>
+            </a:r>
+          </a:p>
+          <a:p>
+            <a:pPr lvl="1"/>
+            <a:r>
+              <a:rPr lang="zh-TW" altLang="en-US" dirty="0"/>
+              <a:t>大安高工</a:t>
+            </a:r>
+            <a:r>
+              <a:rPr lang="en-US" altLang="zh-TW" dirty="0"/>
+              <a:t>109</a:t>
+            </a:r>
+            <a:r>
+              <a:rPr lang="zh-TW" altLang="en-US" dirty="0"/>
+              <a:t>資訊甲李冠廷</a:t>
+            </a:r>
+            <a:r>
+              <a:rPr lang="en-US" altLang="zh-TW" dirty="0"/>
+              <a:t>~</a:t>
+            </a:r>
+            <a:r>
+              <a:rPr lang="zh-TW" altLang="en-US" dirty="0"/>
+              <a:t>李君</a:t>
+            </a:r>
+            <a:endParaRPr lang="en-US" altLang="zh-TW" dirty="0"/>
           </a:p>
         </p:txBody>
       </p:sp>
     </p:spTree>
+    <p:extLst>
+      <p:ext uri="{BB962C8B-B14F-4D97-AF65-F5344CB8AC3E}">
+        <p14:creationId xmlns:p14="http://schemas.microsoft.com/office/powerpoint/2010/main" val="479329311"/>
+      </p:ext>
+    </p:extLst>
   </p:cSld>
   <p:clrMapOvr>
     <a:masterClrMapping/>
   </p:clrMapOvr>
-  <p:transition xmlns:p14="http://schemas.microsoft.com/office/powerpoint/2010/main" spd="med" advClick="1"/>
+  <p:transition spd="med"/>
 </p:sld>
 </file>
 
-<file path=ppt/slides/slide5.xml><?xml version="1.0" encoding="utf-8"?>
-<p:sld xmlns:a="http://schemas.openxmlformats.org/drawingml/2006/main" xmlns:r="http://schemas.openxmlformats.org/officeDocument/2006/relationships" xmlns:p="http://schemas.openxmlformats.org/presentationml/2006/main" showMasterSp="1" showMasterPhAnim="1">
+<file path=ppt/slides/slide2.xml><?xml version="1.0" encoding="utf-8"?>
+<p:sld xmlns:a="http://schemas.openxmlformats.org/drawingml/2006/main" xmlns:r="http://schemas.openxmlformats.org/officeDocument/2006/relationships" xmlns:p="http://schemas.openxmlformats.org/presentationml/2006/main">
   <p:cSld>
     <p:spTree>
       <p:nvGrpSpPr>
@@ -3801,8 +4221,10 @@
       </p:grpSpPr>
       <p:sp>
         <p:nvSpPr>
-          <p:cNvPr id="129" name="計畫目標"/>
-          <p:cNvSpPr txBox="1"/>
+          <p:cNvPr id="122" name="大安高級工業職業學校行政大樓資訊科電腦教室…"/>
+          <p:cNvSpPr txBox="1">
+            <a:spLocks noGrp="1"/>
+          </p:cNvSpPr>
           <p:nvPr>
             <p:ph type="title"/>
           </p:nvPr>
@@ -3816,45 +4238,19 @@
           <a:bodyPr/>
           <a:lstStyle/>
           <a:p>
-            <a:pPr/>
-            <a:r>
-              <a:t>計畫目標</a:t>
-            </a:r>
-          </a:p>
-        </p:txBody>
-      </p:sp>
-      <p:sp>
-        <p:nvSpPr>
-          <p:cNvPr id="130" name="以Ｃ＃製作主要遊戲框架，並由Processing製作外部彩蛋程式。…"/>
-          <p:cNvSpPr txBox="1"/>
-          <p:nvPr>
-            <p:ph type="body" idx="1"/>
-          </p:nvPr>
-        </p:nvSpPr>
-        <p:spPr>
-          <a:prstGeom prst="rect">
-            <a:avLst/>
-          </a:prstGeom>
-        </p:spPr>
-        <p:txBody>
-          <a:bodyPr/>
-          <a:lstStyle/>
-          <a:p>
-            <a:pPr marL="0" indent="0">
-              <a:buSzTx/>
-              <a:buNone/>
+            <a:pPr>
+              <a:defRPr sz="3200"/>
             </a:pPr>
             <a:r>
-              <a:t>以Ｃ＃製作主要遊戲框架，並由Processing製作外部彩蛋程式。</a:t>
-            </a:r>
-          </a:p>
-          <a:p>
-            <a:pPr marL="0" indent="0">
-              <a:buSzTx/>
-              <a:buNone/>
+              <a:t>大安高級工業職業學校行政大樓資訊科電腦教室</a:t>
+            </a:r>
+          </a:p>
+          <a:p>
+            <a:pPr>
+              <a:defRPr sz="3200"/>
             </a:pPr>
             <a:r>
-              <a:t>利用C#的System語法控制實體系統，以達到突破第四面牆的效果。</a:t>
+              <a:t>2018年1月18日 星期五 上午 10 : 20 ~ 10 : 50</a:t>
             </a:r>
           </a:p>
         </p:txBody>
@@ -3864,12 +4260,12 @@
   <p:clrMapOvr>
     <a:masterClrMapping/>
   </p:clrMapOvr>
-  <p:transition xmlns:p14="http://schemas.microsoft.com/office/powerpoint/2010/main" spd="med" advClick="1"/>
+  <p:transition spd="med"/>
 </p:sld>
 </file>
 
-<file path=ppt/slides/slide6.xml><?xml version="1.0" encoding="utf-8"?>
-<p:sld xmlns:a="http://schemas.openxmlformats.org/drawingml/2006/main" xmlns:r="http://schemas.openxmlformats.org/officeDocument/2006/relationships" xmlns:p="http://schemas.openxmlformats.org/presentationml/2006/main" showMasterSp="1" showMasterPhAnim="1">
+<file path=ppt/slides/slide3.xml><?xml version="1.0" encoding="utf-8"?>
+<p:sld xmlns:a="http://schemas.openxmlformats.org/drawingml/2006/main" xmlns:r="http://schemas.openxmlformats.org/officeDocument/2006/relationships" xmlns:p="http://schemas.openxmlformats.org/presentationml/2006/main">
   <p:cSld>
     <p:spTree>
       <p:nvGrpSpPr>
@@ -3887,17 +4283,15 @@
       </p:grpSpPr>
       <p:sp>
         <p:nvSpPr>
-          <p:cNvPr id="132" name="此程式為樹狀結構，透過劇情的不同，發展出不同的結果，由C#類別程式控制"/>
-          <p:cNvSpPr txBox="1"/>
+          <p:cNvPr id="124" name="計畫介紹"/>
+          <p:cNvSpPr txBox="1">
+            <a:spLocks noGrp="1"/>
+          </p:cNvSpPr>
           <p:nvPr>
             <p:ph type="title"/>
           </p:nvPr>
         </p:nvSpPr>
         <p:spPr>
-          <a:xfrm>
-            <a:off x="355600" y="254000"/>
-            <a:ext cx="12293600" cy="1740510"/>
-          </a:xfrm>
           <a:prstGeom prst="rect">
             <a:avLst/>
           </a:prstGeom>
@@ -3905,1427 +4299,11 @@
         <p:txBody>
           <a:bodyPr/>
           <a:lstStyle>
-            <a:lvl1pPr algn="l">
-              <a:lnSpc>
-                <a:spcPct val="120000"/>
-              </a:lnSpc>
-              <a:spcBef>
-                <a:spcPts val="4600"/>
-              </a:spcBef>
-              <a:defRPr cap="none" sz="4000"/>
-            </a:lvl1pPr>
+            <a:lvl1pPr algn="r"/>
           </a:lstStyle>
           <a:p>
-            <a:pPr/>
-            <a:r>
-              <a:t>此程式為樹狀結構，透過劇情的不同，發展出不同的結果，由C#類別程式控制</a:t>
-            </a:r>
-          </a:p>
-        </p:txBody>
-      </p:sp>
-      <p:sp>
-        <p:nvSpPr>
-          <p:cNvPr id="133" name="主程式"/>
-          <p:cNvSpPr/>
-          <p:nvPr/>
-        </p:nvSpPr>
-        <p:spPr>
-          <a:xfrm>
-            <a:off x="5342604" y="2382188"/>
-            <a:ext cx="2319592" cy="740696"/>
-          </a:xfrm>
-          <a:prstGeom prst="rect">
-            <a:avLst/>
-          </a:prstGeom>
-          <a:solidFill>
-            <a:srgbClr val="808785"/>
-          </a:solidFill>
-          <a:ln w="12700">
-            <a:miter lim="400000"/>
-          </a:ln>
-          <a:extLst>
-            <a:ext uri="{C572A759-6A51-4108-AA02-DFA0A04FC94B}">
-              <ma14:wrappingTextBoxFlag xmlns:ma14="http://schemas.microsoft.com/office/mac/drawingml/2011/main" val="1"/>
-            </a:ext>
-          </a:extLst>
-        </p:spPr>
-        <p:txBody>
-          <a:bodyPr lIns="50800" tIns="50800" rIns="50800" bIns="50800" anchor="ctr"/>
-          <a:lstStyle>
-            <a:lvl1pPr>
-              <a:defRPr>
-                <a:solidFill>
-                  <a:srgbClr val="FFFFFF"/>
-                </a:solidFill>
-              </a:defRPr>
-            </a:lvl1pPr>
-          </a:lstStyle>
-          <a:p>
-            <a:pPr/>
-            <a:r>
-              <a:t>主程式</a:t>
-            </a:r>
-          </a:p>
-        </p:txBody>
-      </p:sp>
-      <p:sp>
-        <p:nvSpPr>
-          <p:cNvPr id="134" name="劇情發展 1"/>
-          <p:cNvSpPr/>
-          <p:nvPr/>
-        </p:nvSpPr>
-        <p:spPr>
-          <a:xfrm>
-            <a:off x="3660525" y="3798016"/>
-            <a:ext cx="2520938" cy="740696"/>
-          </a:xfrm>
-          <a:prstGeom prst="rect">
-            <a:avLst/>
-          </a:prstGeom>
-          <a:solidFill>
-            <a:srgbClr val="808785"/>
-          </a:solidFill>
-          <a:ln w="12700">
-            <a:miter lim="400000"/>
-          </a:ln>
-          <a:extLst>
-            <a:ext uri="{C572A759-6A51-4108-AA02-DFA0A04FC94B}">
-              <ma14:wrappingTextBoxFlag xmlns:ma14="http://schemas.microsoft.com/office/mac/drawingml/2011/main" val="1"/>
-            </a:ext>
-          </a:extLst>
-        </p:spPr>
-        <p:txBody>
-          <a:bodyPr lIns="50800" tIns="50800" rIns="50800" bIns="50800" anchor="ctr"/>
-          <a:lstStyle>
-            <a:lvl1pPr>
-              <a:defRPr>
-                <a:solidFill>
-                  <a:srgbClr val="FFFFFF"/>
-                </a:solidFill>
-              </a:defRPr>
-            </a:lvl1pPr>
-          </a:lstStyle>
-          <a:p>
-            <a:pPr/>
-            <a:r>
-              <a:t>劇情發展 1</a:t>
-            </a:r>
-          </a:p>
-        </p:txBody>
-      </p:sp>
-      <p:sp>
-        <p:nvSpPr>
-          <p:cNvPr id="135" name="劇情發展 2"/>
-          <p:cNvSpPr/>
-          <p:nvPr/>
-        </p:nvSpPr>
-        <p:spPr>
-          <a:xfrm>
-            <a:off x="6835525" y="3792497"/>
-            <a:ext cx="2520938" cy="740697"/>
-          </a:xfrm>
-          <a:prstGeom prst="rect">
-            <a:avLst/>
-          </a:prstGeom>
-          <a:solidFill>
-            <a:srgbClr val="808785"/>
-          </a:solidFill>
-          <a:ln w="12700">
-            <a:miter lim="400000"/>
-          </a:ln>
-          <a:extLst>
-            <a:ext uri="{C572A759-6A51-4108-AA02-DFA0A04FC94B}">
-              <ma14:wrappingTextBoxFlag xmlns:ma14="http://schemas.microsoft.com/office/mac/drawingml/2011/main" val="1"/>
-            </a:ext>
-          </a:extLst>
-        </p:spPr>
-        <p:txBody>
-          <a:bodyPr lIns="50800" tIns="50800" rIns="50800" bIns="50800" anchor="ctr"/>
-          <a:lstStyle>
-            <a:lvl1pPr>
-              <a:defRPr>
-                <a:solidFill>
-                  <a:srgbClr val="FFFFFF"/>
-                </a:solidFill>
-              </a:defRPr>
-            </a:lvl1pPr>
-          </a:lstStyle>
-          <a:p>
-            <a:pPr/>
-            <a:r>
-              <a:t>劇情發展 2</a:t>
-            </a:r>
-          </a:p>
-        </p:txBody>
-      </p:sp>
-      <p:sp>
-        <p:nvSpPr>
-          <p:cNvPr id="136" name="線條"/>
-          <p:cNvSpPr/>
-          <p:nvPr/>
-        </p:nvSpPr>
-        <p:spPr>
-          <a:xfrm flipV="1">
-            <a:off x="6506933" y="3113425"/>
-            <a:ext cx="1" cy="249789"/>
-          </a:xfrm>
-          <a:prstGeom prst="line">
-            <a:avLst/>
-          </a:prstGeom>
-          <a:ln w="25400">
-            <a:solidFill>
-              <a:srgbClr val="5A5F5E"/>
-            </a:solidFill>
-            <a:miter lim="400000"/>
-          </a:ln>
-        </p:spPr>
-        <p:txBody>
-          <a:bodyPr lIns="50800" tIns="50800" rIns="50800" bIns="50800" anchor="ctr"/>
-          <a:lstStyle/>
-          <a:p>
-            <a:pPr/>
-          </a:p>
-        </p:txBody>
-      </p:sp>
-      <p:sp>
-        <p:nvSpPr>
-          <p:cNvPr id="137" name="線條"/>
-          <p:cNvSpPr/>
-          <p:nvPr/>
-        </p:nvSpPr>
-        <p:spPr>
-          <a:xfrm>
-            <a:off x="7909613" y="3377176"/>
-            <a:ext cx="1" cy="415050"/>
-          </a:xfrm>
-          <a:prstGeom prst="line">
-            <a:avLst/>
-          </a:prstGeom>
-          <a:ln w="25400">
-            <a:solidFill>
-              <a:srgbClr val="5A5F5E"/>
-            </a:solidFill>
-            <a:miter lim="400000"/>
-          </a:ln>
-        </p:spPr>
-        <p:txBody>
-          <a:bodyPr lIns="50800" tIns="50800" rIns="50800" bIns="50800" anchor="ctr"/>
-          <a:lstStyle/>
-          <a:p>
-            <a:pPr/>
-          </a:p>
-        </p:txBody>
-      </p:sp>
-      <p:sp>
-        <p:nvSpPr>
-          <p:cNvPr id="138" name="線條"/>
-          <p:cNvSpPr/>
-          <p:nvPr/>
-        </p:nvSpPr>
-        <p:spPr>
-          <a:xfrm>
-            <a:off x="4920994" y="3377176"/>
-            <a:ext cx="1" cy="415050"/>
-          </a:xfrm>
-          <a:prstGeom prst="line">
-            <a:avLst/>
-          </a:prstGeom>
-          <a:ln w="25400">
-            <a:solidFill>
-              <a:srgbClr val="5A5F5E"/>
-            </a:solidFill>
-            <a:miter lim="400000"/>
-          </a:ln>
-        </p:spPr>
-        <p:txBody>
-          <a:bodyPr lIns="50800" tIns="50800" rIns="50800" bIns="50800" anchor="ctr"/>
-          <a:lstStyle/>
-          <a:p>
-            <a:pPr/>
-          </a:p>
-        </p:txBody>
-      </p:sp>
-      <p:sp>
-        <p:nvSpPr>
-          <p:cNvPr id="139" name="線條"/>
-          <p:cNvSpPr/>
-          <p:nvPr/>
-        </p:nvSpPr>
-        <p:spPr>
-          <a:xfrm>
-            <a:off x="4880601" y="3353444"/>
-            <a:ext cx="3039026" cy="1"/>
-          </a:xfrm>
-          <a:prstGeom prst="line">
-            <a:avLst/>
-          </a:prstGeom>
-          <a:ln w="25400">
-            <a:solidFill>
-              <a:srgbClr val="5A5F5E"/>
-            </a:solidFill>
-            <a:miter lim="400000"/>
-          </a:ln>
-        </p:spPr>
-        <p:txBody>
-          <a:bodyPr lIns="50800" tIns="50800" rIns="50800" bIns="50800" anchor="ctr"/>
-          <a:lstStyle/>
-          <a:p>
-            <a:pPr/>
-          </a:p>
-        </p:txBody>
-      </p:sp>
-      <p:sp>
-        <p:nvSpPr>
-          <p:cNvPr id="140" name="劇情發展 11"/>
-          <p:cNvSpPr/>
-          <p:nvPr/>
-        </p:nvSpPr>
-        <p:spPr>
-          <a:xfrm>
-            <a:off x="2034925" y="4959546"/>
-            <a:ext cx="2051882" cy="607743"/>
-          </a:xfrm>
-          <a:prstGeom prst="rect">
-            <a:avLst/>
-          </a:prstGeom>
-          <a:solidFill>
-            <a:srgbClr val="808785"/>
-          </a:solidFill>
-          <a:ln w="12700">
-            <a:miter lim="400000"/>
-          </a:ln>
-          <a:extLst>
-            <a:ext uri="{C572A759-6A51-4108-AA02-DFA0A04FC94B}">
-              <ma14:wrappingTextBoxFlag xmlns:ma14="http://schemas.microsoft.com/office/mac/drawingml/2011/main" val="1"/>
-            </a:ext>
-          </a:extLst>
-        </p:spPr>
-        <p:txBody>
-          <a:bodyPr lIns="50800" tIns="50800" rIns="50800" bIns="50800" anchor="ctr"/>
-          <a:lstStyle>
-            <a:lvl1pPr>
-              <a:defRPr sz="2800">
-                <a:solidFill>
-                  <a:srgbClr val="FFFFFF"/>
-                </a:solidFill>
-              </a:defRPr>
-            </a:lvl1pPr>
-          </a:lstStyle>
-          <a:p>
-            <a:pPr/>
-            <a:r>
-              <a:t>劇情發展 11</a:t>
-            </a:r>
-          </a:p>
-        </p:txBody>
-      </p:sp>
-      <p:sp>
-        <p:nvSpPr>
-          <p:cNvPr id="141" name="劇情發展12"/>
-          <p:cNvSpPr/>
-          <p:nvPr/>
-        </p:nvSpPr>
-        <p:spPr>
-          <a:xfrm>
-            <a:off x="4498725" y="4959546"/>
-            <a:ext cx="2051882" cy="607743"/>
-          </a:xfrm>
-          <a:prstGeom prst="rect">
-            <a:avLst/>
-          </a:prstGeom>
-          <a:solidFill>
-            <a:srgbClr val="808785"/>
-          </a:solidFill>
-          <a:ln w="12700">
-            <a:miter lim="400000"/>
-          </a:ln>
-          <a:extLst>
-            <a:ext uri="{C572A759-6A51-4108-AA02-DFA0A04FC94B}">
-              <ma14:wrappingTextBoxFlag xmlns:ma14="http://schemas.microsoft.com/office/mac/drawingml/2011/main" val="1"/>
-            </a:ext>
-          </a:extLst>
-        </p:spPr>
-        <p:txBody>
-          <a:bodyPr lIns="50800" tIns="50800" rIns="50800" bIns="50800" anchor="ctr"/>
-          <a:lstStyle>
-            <a:lvl1pPr>
-              <a:defRPr sz="2800">
-                <a:solidFill>
-                  <a:srgbClr val="FFFFFF"/>
-                </a:solidFill>
-              </a:defRPr>
-            </a:lvl1pPr>
-          </a:lstStyle>
-          <a:p>
-            <a:pPr/>
-            <a:r>
-              <a:t>劇情發展12</a:t>
-            </a:r>
-          </a:p>
-        </p:txBody>
-      </p:sp>
-      <p:sp>
-        <p:nvSpPr>
-          <p:cNvPr id="142" name="劇情發展 21"/>
-          <p:cNvSpPr/>
-          <p:nvPr/>
-        </p:nvSpPr>
-        <p:spPr>
-          <a:xfrm>
-            <a:off x="6962525" y="4959546"/>
-            <a:ext cx="2051882" cy="607743"/>
-          </a:xfrm>
-          <a:prstGeom prst="rect">
-            <a:avLst/>
-          </a:prstGeom>
-          <a:solidFill>
-            <a:srgbClr val="808785"/>
-          </a:solidFill>
-          <a:ln w="12700">
-            <a:miter lim="400000"/>
-          </a:ln>
-          <a:extLst>
-            <a:ext uri="{C572A759-6A51-4108-AA02-DFA0A04FC94B}">
-              <ma14:wrappingTextBoxFlag xmlns:ma14="http://schemas.microsoft.com/office/mac/drawingml/2011/main" val="1"/>
-            </a:ext>
-          </a:extLst>
-        </p:spPr>
-        <p:txBody>
-          <a:bodyPr lIns="50800" tIns="50800" rIns="50800" bIns="50800" anchor="ctr"/>
-          <a:lstStyle>
-            <a:lvl1pPr>
-              <a:defRPr sz="2800">
-                <a:solidFill>
-                  <a:srgbClr val="FFFFFF"/>
-                </a:solidFill>
-              </a:defRPr>
-            </a:lvl1pPr>
-          </a:lstStyle>
-          <a:p>
-            <a:pPr/>
-            <a:r>
-              <a:t>劇情發展 21</a:t>
-            </a:r>
-          </a:p>
-        </p:txBody>
-      </p:sp>
-      <p:sp>
-        <p:nvSpPr>
-          <p:cNvPr id="143" name="劇情發展 22"/>
-          <p:cNvSpPr/>
-          <p:nvPr/>
-        </p:nvSpPr>
-        <p:spPr>
-          <a:xfrm>
-            <a:off x="9426325" y="4959546"/>
-            <a:ext cx="2051882" cy="607743"/>
-          </a:xfrm>
-          <a:prstGeom prst="rect">
-            <a:avLst/>
-          </a:prstGeom>
-          <a:solidFill>
-            <a:srgbClr val="808785"/>
-          </a:solidFill>
-          <a:ln w="12700">
-            <a:miter lim="400000"/>
-          </a:ln>
-          <a:extLst>
-            <a:ext uri="{C572A759-6A51-4108-AA02-DFA0A04FC94B}">
-              <ma14:wrappingTextBoxFlag xmlns:ma14="http://schemas.microsoft.com/office/mac/drawingml/2011/main" val="1"/>
-            </a:ext>
-          </a:extLst>
-        </p:spPr>
-        <p:txBody>
-          <a:bodyPr lIns="50800" tIns="50800" rIns="50800" bIns="50800" anchor="ctr"/>
-          <a:lstStyle>
-            <a:lvl1pPr>
-              <a:defRPr sz="2800">
-                <a:solidFill>
-                  <a:srgbClr val="FFFFFF"/>
-                </a:solidFill>
-              </a:defRPr>
-            </a:lvl1pPr>
-          </a:lstStyle>
-          <a:p>
-            <a:pPr/>
-            <a:r>
-              <a:t>劇情發展 22</a:t>
-            </a:r>
-          </a:p>
-        </p:txBody>
-      </p:sp>
-      <p:sp>
-        <p:nvSpPr>
-          <p:cNvPr id="144" name="線條"/>
-          <p:cNvSpPr/>
-          <p:nvPr/>
-        </p:nvSpPr>
-        <p:spPr>
-          <a:xfrm>
-            <a:off x="3123190" y="4725080"/>
-            <a:ext cx="2319592" cy="1"/>
-          </a:xfrm>
-          <a:prstGeom prst="line">
-            <a:avLst/>
-          </a:prstGeom>
-          <a:ln w="25400">
-            <a:solidFill>
-              <a:srgbClr val="5A5F5E"/>
-            </a:solidFill>
-            <a:miter lim="400000"/>
-          </a:ln>
-        </p:spPr>
-        <p:txBody>
-          <a:bodyPr lIns="50800" tIns="50800" rIns="50800" bIns="50800" anchor="ctr"/>
-          <a:lstStyle/>
-          <a:p>
-            <a:pPr/>
-          </a:p>
-        </p:txBody>
-      </p:sp>
-      <p:sp>
-        <p:nvSpPr>
-          <p:cNvPr id="145" name="線條"/>
-          <p:cNvSpPr/>
-          <p:nvPr/>
-        </p:nvSpPr>
-        <p:spPr>
-          <a:xfrm flipV="1">
-            <a:off x="4917986" y="4521199"/>
-            <a:ext cx="1" cy="208694"/>
-          </a:xfrm>
-          <a:prstGeom prst="line">
-            <a:avLst/>
-          </a:prstGeom>
-          <a:ln w="25400">
-            <a:solidFill>
-              <a:srgbClr val="5A5F5E"/>
-            </a:solidFill>
-            <a:miter lim="400000"/>
-          </a:ln>
-        </p:spPr>
-        <p:txBody>
-          <a:bodyPr lIns="50800" tIns="50800" rIns="50800" bIns="50800" anchor="ctr"/>
-          <a:lstStyle/>
-          <a:p>
-            <a:pPr/>
-          </a:p>
-        </p:txBody>
-      </p:sp>
-      <p:sp>
-        <p:nvSpPr>
-          <p:cNvPr id="146" name="線條"/>
-          <p:cNvSpPr/>
-          <p:nvPr/>
-        </p:nvSpPr>
-        <p:spPr>
-          <a:xfrm flipV="1">
-            <a:off x="5440114" y="4718264"/>
-            <a:ext cx="1" cy="249789"/>
-          </a:xfrm>
-          <a:prstGeom prst="line">
-            <a:avLst/>
-          </a:prstGeom>
-          <a:ln w="25400">
-            <a:solidFill>
-              <a:srgbClr val="5A5F5E"/>
-            </a:solidFill>
-            <a:miter lim="400000"/>
-          </a:ln>
-        </p:spPr>
-        <p:txBody>
-          <a:bodyPr lIns="50800" tIns="50800" rIns="50800" bIns="50800" anchor="ctr"/>
-          <a:lstStyle/>
-          <a:p>
-            <a:pPr/>
-          </a:p>
-        </p:txBody>
-      </p:sp>
-      <p:sp>
-        <p:nvSpPr>
-          <p:cNvPr id="147" name="線條"/>
-          <p:cNvSpPr/>
-          <p:nvPr/>
-        </p:nvSpPr>
-        <p:spPr>
-          <a:xfrm flipV="1">
-            <a:off x="3154114" y="4718264"/>
-            <a:ext cx="1" cy="249789"/>
-          </a:xfrm>
-          <a:prstGeom prst="line">
-            <a:avLst/>
-          </a:prstGeom>
-          <a:ln w="25400">
-            <a:solidFill>
-              <a:srgbClr val="5A5F5E"/>
-            </a:solidFill>
-            <a:miter lim="400000"/>
-          </a:ln>
-        </p:spPr>
-        <p:txBody>
-          <a:bodyPr lIns="50800" tIns="50800" rIns="50800" bIns="50800" anchor="ctr"/>
-          <a:lstStyle/>
-          <a:p>
-            <a:pPr/>
-          </a:p>
-        </p:txBody>
-      </p:sp>
-      <p:sp>
-        <p:nvSpPr>
-          <p:cNvPr id="148" name="線條"/>
-          <p:cNvSpPr/>
-          <p:nvPr/>
-        </p:nvSpPr>
-        <p:spPr>
-          <a:xfrm>
-            <a:off x="7987290" y="4705534"/>
-            <a:ext cx="2319592" cy="1"/>
-          </a:xfrm>
-          <a:prstGeom prst="line">
-            <a:avLst/>
-          </a:prstGeom>
-          <a:ln w="25400">
-            <a:solidFill>
-              <a:srgbClr val="5A5F5E"/>
-            </a:solidFill>
-            <a:miter lim="400000"/>
-          </a:ln>
-        </p:spPr>
-        <p:txBody>
-          <a:bodyPr lIns="50800" tIns="50800" rIns="50800" bIns="50800" anchor="ctr"/>
-          <a:lstStyle/>
-          <a:p>
-            <a:pPr/>
-          </a:p>
-        </p:txBody>
-      </p:sp>
-      <p:sp>
-        <p:nvSpPr>
-          <p:cNvPr id="149" name="線條"/>
-          <p:cNvSpPr/>
-          <p:nvPr/>
-        </p:nvSpPr>
-        <p:spPr>
-          <a:xfrm flipV="1">
-            <a:off x="8575586" y="4521199"/>
-            <a:ext cx="1" cy="208694"/>
-          </a:xfrm>
-          <a:prstGeom prst="line">
-            <a:avLst/>
-          </a:prstGeom>
-          <a:ln w="25400">
-            <a:solidFill>
-              <a:srgbClr val="5A5F5E"/>
-            </a:solidFill>
-            <a:miter lim="400000"/>
-          </a:ln>
-        </p:spPr>
-        <p:txBody>
-          <a:bodyPr lIns="50800" tIns="50800" rIns="50800" bIns="50800" anchor="ctr"/>
-          <a:lstStyle/>
-          <a:p>
-            <a:pPr/>
-          </a:p>
-        </p:txBody>
-      </p:sp>
-      <p:sp>
-        <p:nvSpPr>
-          <p:cNvPr id="150" name="線條"/>
-          <p:cNvSpPr/>
-          <p:nvPr/>
-        </p:nvSpPr>
-        <p:spPr>
-          <a:xfrm flipV="1">
-            <a:off x="10304214" y="4698718"/>
-            <a:ext cx="1" cy="249789"/>
-          </a:xfrm>
-          <a:prstGeom prst="line">
-            <a:avLst/>
-          </a:prstGeom>
-          <a:ln w="25400">
-            <a:solidFill>
-              <a:srgbClr val="5A5F5E"/>
-            </a:solidFill>
-            <a:miter lim="400000"/>
-          </a:ln>
-        </p:spPr>
-        <p:txBody>
-          <a:bodyPr lIns="50800" tIns="50800" rIns="50800" bIns="50800" anchor="ctr"/>
-          <a:lstStyle/>
-          <a:p>
-            <a:pPr/>
-          </a:p>
-        </p:txBody>
-      </p:sp>
-      <p:sp>
-        <p:nvSpPr>
-          <p:cNvPr id="151" name="線條"/>
-          <p:cNvSpPr/>
-          <p:nvPr/>
-        </p:nvSpPr>
-        <p:spPr>
-          <a:xfrm flipV="1">
-            <a:off x="8018214" y="4698718"/>
-            <a:ext cx="1" cy="249789"/>
-          </a:xfrm>
-          <a:prstGeom prst="line">
-            <a:avLst/>
-          </a:prstGeom>
-          <a:ln w="25400">
-            <a:solidFill>
-              <a:srgbClr val="5A5F5E"/>
-            </a:solidFill>
-            <a:miter lim="400000"/>
-          </a:ln>
-        </p:spPr>
-        <p:txBody>
-          <a:bodyPr lIns="50800" tIns="50800" rIns="50800" bIns="50800" anchor="ctr"/>
-          <a:lstStyle/>
-          <a:p>
-            <a:pPr/>
-          </a:p>
-        </p:txBody>
-      </p:sp>
-      <p:sp>
-        <p:nvSpPr>
-          <p:cNvPr id="152" name="劇情發展 111"/>
-          <p:cNvSpPr/>
-          <p:nvPr/>
-        </p:nvSpPr>
-        <p:spPr>
-          <a:xfrm>
-            <a:off x="2352631" y="6229546"/>
-            <a:ext cx="1602967" cy="442643"/>
-          </a:xfrm>
-          <a:prstGeom prst="rect">
-            <a:avLst/>
-          </a:prstGeom>
-          <a:solidFill>
-            <a:srgbClr val="808785"/>
-          </a:solidFill>
-          <a:ln w="12700">
-            <a:miter lim="400000"/>
-          </a:ln>
-          <a:extLst>
-            <a:ext uri="{C572A759-6A51-4108-AA02-DFA0A04FC94B}">
-              <ma14:wrappingTextBoxFlag xmlns:ma14="http://schemas.microsoft.com/office/mac/drawingml/2011/main" val="1"/>
-            </a:ext>
-          </a:extLst>
-        </p:spPr>
-        <p:txBody>
-          <a:bodyPr lIns="50800" tIns="50800" rIns="50800" bIns="50800" anchor="ctr"/>
-          <a:lstStyle>
-            <a:lvl1pPr>
-              <a:defRPr sz="2000">
-                <a:solidFill>
-                  <a:srgbClr val="FFFFFF"/>
-                </a:solidFill>
-              </a:defRPr>
-            </a:lvl1pPr>
-          </a:lstStyle>
-          <a:p>
-            <a:pPr/>
-            <a:r>
-              <a:t>劇情發展 111</a:t>
-            </a:r>
-          </a:p>
-        </p:txBody>
-      </p:sp>
-      <p:sp>
-        <p:nvSpPr>
-          <p:cNvPr id="153" name="劇情發展 112"/>
-          <p:cNvSpPr/>
-          <p:nvPr/>
-        </p:nvSpPr>
-        <p:spPr>
-          <a:xfrm>
-            <a:off x="2352631" y="7334446"/>
-            <a:ext cx="1602967" cy="442643"/>
-          </a:xfrm>
-          <a:prstGeom prst="rect">
-            <a:avLst/>
-          </a:prstGeom>
-          <a:solidFill>
-            <a:srgbClr val="808785"/>
-          </a:solidFill>
-          <a:ln w="12700">
-            <a:miter lim="400000"/>
-          </a:ln>
-          <a:extLst>
-            <a:ext uri="{C572A759-6A51-4108-AA02-DFA0A04FC94B}">
-              <ma14:wrappingTextBoxFlag xmlns:ma14="http://schemas.microsoft.com/office/mac/drawingml/2011/main" val="1"/>
-            </a:ext>
-          </a:extLst>
-        </p:spPr>
-        <p:txBody>
-          <a:bodyPr lIns="50800" tIns="50800" rIns="50800" bIns="50800" anchor="ctr"/>
-          <a:lstStyle>
-            <a:lvl1pPr>
-              <a:defRPr sz="2000">
-                <a:solidFill>
-                  <a:srgbClr val="FFFFFF"/>
-                </a:solidFill>
-              </a:defRPr>
-            </a:lvl1pPr>
-          </a:lstStyle>
-          <a:p>
-            <a:pPr/>
-            <a:r>
-              <a:t>劇情發展 112</a:t>
-            </a:r>
-          </a:p>
-        </p:txBody>
-      </p:sp>
-      <p:sp>
-        <p:nvSpPr>
-          <p:cNvPr id="154" name="劇情發展 121"/>
-          <p:cNvSpPr/>
-          <p:nvPr/>
-        </p:nvSpPr>
-        <p:spPr>
-          <a:xfrm>
-            <a:off x="4638631" y="6229546"/>
-            <a:ext cx="1602967" cy="442643"/>
-          </a:xfrm>
-          <a:prstGeom prst="rect">
-            <a:avLst/>
-          </a:prstGeom>
-          <a:solidFill>
-            <a:srgbClr val="808785"/>
-          </a:solidFill>
-          <a:ln w="12700">
-            <a:miter lim="400000"/>
-          </a:ln>
-          <a:extLst>
-            <a:ext uri="{C572A759-6A51-4108-AA02-DFA0A04FC94B}">
-              <ma14:wrappingTextBoxFlag xmlns:ma14="http://schemas.microsoft.com/office/mac/drawingml/2011/main" val="1"/>
-            </a:ext>
-          </a:extLst>
-        </p:spPr>
-        <p:txBody>
-          <a:bodyPr lIns="50800" tIns="50800" rIns="50800" bIns="50800" anchor="ctr"/>
-          <a:lstStyle>
-            <a:lvl1pPr>
-              <a:defRPr sz="2000">
-                <a:solidFill>
-                  <a:srgbClr val="FFFFFF"/>
-                </a:solidFill>
-              </a:defRPr>
-            </a:lvl1pPr>
-          </a:lstStyle>
-          <a:p>
-            <a:pPr/>
-            <a:r>
-              <a:t>劇情發展 121</a:t>
-            </a:r>
-          </a:p>
-        </p:txBody>
-      </p:sp>
-      <p:sp>
-        <p:nvSpPr>
-          <p:cNvPr id="155" name="劇情發展 122"/>
-          <p:cNvSpPr/>
-          <p:nvPr/>
-        </p:nvSpPr>
-        <p:spPr>
-          <a:xfrm>
-            <a:off x="4638631" y="7403950"/>
-            <a:ext cx="1602967" cy="442643"/>
-          </a:xfrm>
-          <a:prstGeom prst="rect">
-            <a:avLst/>
-          </a:prstGeom>
-          <a:solidFill>
-            <a:srgbClr val="808785"/>
-          </a:solidFill>
-          <a:ln w="12700">
-            <a:miter lim="400000"/>
-          </a:ln>
-          <a:extLst>
-            <a:ext uri="{C572A759-6A51-4108-AA02-DFA0A04FC94B}">
-              <ma14:wrappingTextBoxFlag xmlns:ma14="http://schemas.microsoft.com/office/mac/drawingml/2011/main" val="1"/>
-            </a:ext>
-          </a:extLst>
-        </p:spPr>
-        <p:txBody>
-          <a:bodyPr lIns="50800" tIns="50800" rIns="50800" bIns="50800" anchor="ctr"/>
-          <a:lstStyle>
-            <a:lvl1pPr>
-              <a:defRPr sz="2000">
-                <a:solidFill>
-                  <a:srgbClr val="FFFFFF"/>
-                </a:solidFill>
-              </a:defRPr>
-            </a:lvl1pPr>
-          </a:lstStyle>
-          <a:p>
-            <a:pPr/>
-            <a:r>
-              <a:t>劇情發展 122</a:t>
-            </a:r>
-          </a:p>
-        </p:txBody>
-      </p:sp>
-      <p:sp>
-        <p:nvSpPr>
-          <p:cNvPr id="156" name="劇情發展 211"/>
-          <p:cNvSpPr/>
-          <p:nvPr/>
-        </p:nvSpPr>
-        <p:spPr>
-          <a:xfrm>
-            <a:off x="7216731" y="6229546"/>
-            <a:ext cx="1602967" cy="442643"/>
-          </a:xfrm>
-          <a:prstGeom prst="rect">
-            <a:avLst/>
-          </a:prstGeom>
-          <a:solidFill>
-            <a:srgbClr val="808785"/>
-          </a:solidFill>
-          <a:ln w="12700">
-            <a:miter lim="400000"/>
-          </a:ln>
-          <a:extLst>
-            <a:ext uri="{C572A759-6A51-4108-AA02-DFA0A04FC94B}">
-              <ma14:wrappingTextBoxFlag xmlns:ma14="http://schemas.microsoft.com/office/mac/drawingml/2011/main" val="1"/>
-            </a:ext>
-          </a:extLst>
-        </p:spPr>
-        <p:txBody>
-          <a:bodyPr lIns="50800" tIns="50800" rIns="50800" bIns="50800" anchor="ctr"/>
-          <a:lstStyle>
-            <a:lvl1pPr>
-              <a:defRPr sz="2000">
-                <a:solidFill>
-                  <a:srgbClr val="FFFFFF"/>
-                </a:solidFill>
-              </a:defRPr>
-            </a:lvl1pPr>
-          </a:lstStyle>
-          <a:p>
-            <a:pPr/>
-            <a:r>
-              <a:t>劇情發展 211</a:t>
-            </a:r>
-          </a:p>
-        </p:txBody>
-      </p:sp>
-      <p:sp>
-        <p:nvSpPr>
-          <p:cNvPr id="157" name="劇情發展 212"/>
-          <p:cNvSpPr/>
-          <p:nvPr/>
-        </p:nvSpPr>
-        <p:spPr>
-          <a:xfrm>
-            <a:off x="7216731" y="7403950"/>
-            <a:ext cx="1602967" cy="442643"/>
-          </a:xfrm>
-          <a:prstGeom prst="rect">
-            <a:avLst/>
-          </a:prstGeom>
-          <a:solidFill>
-            <a:srgbClr val="808785"/>
-          </a:solidFill>
-          <a:ln w="12700">
-            <a:miter lim="400000"/>
-          </a:ln>
-          <a:extLst>
-            <a:ext uri="{C572A759-6A51-4108-AA02-DFA0A04FC94B}">
-              <ma14:wrappingTextBoxFlag xmlns:ma14="http://schemas.microsoft.com/office/mac/drawingml/2011/main" val="1"/>
-            </a:ext>
-          </a:extLst>
-        </p:spPr>
-        <p:txBody>
-          <a:bodyPr lIns="50800" tIns="50800" rIns="50800" bIns="50800" anchor="ctr"/>
-          <a:lstStyle>
-            <a:lvl1pPr>
-              <a:defRPr sz="2000">
-                <a:solidFill>
-                  <a:srgbClr val="FFFFFF"/>
-                </a:solidFill>
-              </a:defRPr>
-            </a:lvl1pPr>
-          </a:lstStyle>
-          <a:p>
-            <a:pPr/>
-            <a:r>
-              <a:t>劇情發展 212</a:t>
-            </a:r>
-          </a:p>
-        </p:txBody>
-      </p:sp>
-      <p:sp>
-        <p:nvSpPr>
-          <p:cNvPr id="158" name="劇情發展 221"/>
-          <p:cNvSpPr/>
-          <p:nvPr/>
-        </p:nvSpPr>
-        <p:spPr>
-          <a:xfrm>
-            <a:off x="9502731" y="6229546"/>
-            <a:ext cx="1602967" cy="442643"/>
-          </a:xfrm>
-          <a:prstGeom prst="rect">
-            <a:avLst/>
-          </a:prstGeom>
-          <a:solidFill>
-            <a:srgbClr val="808785"/>
-          </a:solidFill>
-          <a:ln w="12700">
-            <a:miter lim="400000"/>
-          </a:ln>
-          <a:extLst>
-            <a:ext uri="{C572A759-6A51-4108-AA02-DFA0A04FC94B}">
-              <ma14:wrappingTextBoxFlag xmlns:ma14="http://schemas.microsoft.com/office/mac/drawingml/2011/main" val="1"/>
-            </a:ext>
-          </a:extLst>
-        </p:spPr>
-        <p:txBody>
-          <a:bodyPr lIns="50800" tIns="50800" rIns="50800" bIns="50800" anchor="ctr"/>
-          <a:lstStyle>
-            <a:lvl1pPr>
-              <a:defRPr sz="2000">
-                <a:solidFill>
-                  <a:srgbClr val="FFFFFF"/>
-                </a:solidFill>
-              </a:defRPr>
-            </a:lvl1pPr>
-          </a:lstStyle>
-          <a:p>
-            <a:pPr/>
-            <a:r>
-              <a:t>劇情發展 221</a:t>
-            </a:r>
-          </a:p>
-        </p:txBody>
-      </p:sp>
-      <p:sp>
-        <p:nvSpPr>
-          <p:cNvPr id="159" name="劇情發展 222"/>
-          <p:cNvSpPr/>
-          <p:nvPr/>
-        </p:nvSpPr>
-        <p:spPr>
-          <a:xfrm>
-            <a:off x="9502731" y="7334446"/>
-            <a:ext cx="1602967" cy="442643"/>
-          </a:xfrm>
-          <a:prstGeom prst="rect">
-            <a:avLst/>
-          </a:prstGeom>
-          <a:solidFill>
-            <a:srgbClr val="808785"/>
-          </a:solidFill>
-          <a:ln w="12700">
-            <a:miter lim="400000"/>
-          </a:ln>
-          <a:extLst>
-            <a:ext uri="{C572A759-6A51-4108-AA02-DFA0A04FC94B}">
-              <ma14:wrappingTextBoxFlag xmlns:ma14="http://schemas.microsoft.com/office/mac/drawingml/2011/main" val="1"/>
-            </a:ext>
-          </a:extLst>
-        </p:spPr>
-        <p:txBody>
-          <a:bodyPr lIns="50800" tIns="50800" rIns="50800" bIns="50800" anchor="ctr"/>
-          <a:lstStyle>
-            <a:lvl1pPr>
-              <a:defRPr sz="2000">
-                <a:solidFill>
-                  <a:srgbClr val="FFFFFF"/>
-                </a:solidFill>
-              </a:defRPr>
-            </a:lvl1pPr>
-          </a:lstStyle>
-          <a:p>
-            <a:pPr/>
-            <a:r>
-              <a:t>劇情發展 222</a:t>
-            </a:r>
-          </a:p>
-        </p:txBody>
-      </p:sp>
-      <p:sp>
-        <p:nvSpPr>
-          <p:cNvPr id="160" name="線條"/>
-          <p:cNvSpPr/>
-          <p:nvPr/>
-        </p:nvSpPr>
-        <p:spPr>
-          <a:xfrm flipV="1">
-            <a:off x="11286898" y="5567049"/>
-            <a:ext cx="1" cy="1981623"/>
-          </a:xfrm>
-          <a:prstGeom prst="line">
-            <a:avLst/>
-          </a:prstGeom>
-          <a:ln w="25400">
-            <a:solidFill>
-              <a:srgbClr val="5A5F5E"/>
-            </a:solidFill>
-            <a:miter lim="400000"/>
-          </a:ln>
-        </p:spPr>
-        <p:txBody>
-          <a:bodyPr lIns="50800" tIns="50800" rIns="50800" bIns="50800" anchor="ctr"/>
-          <a:lstStyle/>
-          <a:p>
-            <a:pPr/>
-          </a:p>
-        </p:txBody>
-      </p:sp>
-      <p:sp>
-        <p:nvSpPr>
-          <p:cNvPr id="161" name="線條"/>
-          <p:cNvSpPr/>
-          <p:nvPr/>
-        </p:nvSpPr>
-        <p:spPr>
-          <a:xfrm flipV="1">
-            <a:off x="2180999" y="5567049"/>
-            <a:ext cx="1" cy="1981623"/>
-          </a:xfrm>
-          <a:prstGeom prst="line">
-            <a:avLst/>
-          </a:prstGeom>
-          <a:ln w="25400">
-            <a:solidFill>
-              <a:srgbClr val="5A5F5E"/>
-            </a:solidFill>
-            <a:miter lim="400000"/>
-          </a:ln>
-        </p:spPr>
-        <p:txBody>
-          <a:bodyPr lIns="50800" tIns="50800" rIns="50800" bIns="50800" anchor="ctr"/>
-          <a:lstStyle/>
-          <a:p>
-            <a:pPr/>
-          </a:p>
-        </p:txBody>
-      </p:sp>
-      <p:sp>
-        <p:nvSpPr>
-          <p:cNvPr id="162" name="線條"/>
-          <p:cNvSpPr/>
-          <p:nvPr/>
-        </p:nvSpPr>
-        <p:spPr>
-          <a:xfrm flipV="1">
-            <a:off x="6400114" y="5567049"/>
-            <a:ext cx="1" cy="1981623"/>
-          </a:xfrm>
-          <a:prstGeom prst="line">
-            <a:avLst/>
-          </a:prstGeom>
-          <a:ln w="25400">
-            <a:solidFill>
-              <a:srgbClr val="5A5F5E"/>
-            </a:solidFill>
-            <a:miter lim="400000"/>
-          </a:ln>
-        </p:spPr>
-        <p:txBody>
-          <a:bodyPr lIns="50800" tIns="50800" rIns="50800" bIns="50800" anchor="ctr"/>
-          <a:lstStyle/>
-          <a:p>
-            <a:pPr/>
-          </a:p>
-        </p:txBody>
-      </p:sp>
-      <p:sp>
-        <p:nvSpPr>
-          <p:cNvPr id="163" name="線條"/>
-          <p:cNvSpPr/>
-          <p:nvPr/>
-        </p:nvSpPr>
-        <p:spPr>
-          <a:xfrm flipV="1">
-            <a:off x="7045099" y="5567049"/>
-            <a:ext cx="1" cy="1981623"/>
-          </a:xfrm>
-          <a:prstGeom prst="line">
-            <a:avLst/>
-          </a:prstGeom>
-          <a:ln w="25400">
-            <a:solidFill>
-              <a:srgbClr val="5A5F5E"/>
-            </a:solidFill>
-            <a:miter lim="400000"/>
-          </a:ln>
-        </p:spPr>
-        <p:txBody>
-          <a:bodyPr lIns="50800" tIns="50800" rIns="50800" bIns="50800" anchor="ctr"/>
-          <a:lstStyle/>
-          <a:p>
-            <a:pPr/>
-          </a:p>
-        </p:txBody>
-      </p:sp>
-      <p:sp>
-        <p:nvSpPr>
-          <p:cNvPr id="164" name="線條"/>
-          <p:cNvSpPr/>
-          <p:nvPr/>
-        </p:nvSpPr>
-        <p:spPr>
-          <a:xfrm flipV="1">
-            <a:off x="11095810" y="6413499"/>
-            <a:ext cx="188277" cy="1"/>
-          </a:xfrm>
-          <a:prstGeom prst="line">
-            <a:avLst/>
-          </a:prstGeom>
-          <a:ln w="25400">
-            <a:solidFill>
-              <a:srgbClr val="5A5F5E"/>
-            </a:solidFill>
-            <a:miter lim="400000"/>
-          </a:ln>
-        </p:spPr>
-        <p:txBody>
-          <a:bodyPr lIns="50800" tIns="50800" rIns="50800" bIns="50800" anchor="ctr"/>
-          <a:lstStyle/>
-          <a:p>
-            <a:pPr/>
-          </a:p>
-        </p:txBody>
-      </p:sp>
-      <p:sp>
-        <p:nvSpPr>
-          <p:cNvPr id="165" name="線條"/>
-          <p:cNvSpPr/>
-          <p:nvPr/>
-        </p:nvSpPr>
-        <p:spPr>
-          <a:xfrm>
-            <a:off x="11095810" y="7555767"/>
-            <a:ext cx="188277" cy="1"/>
-          </a:xfrm>
-          <a:prstGeom prst="line">
-            <a:avLst/>
-          </a:prstGeom>
-          <a:ln w="25400">
-            <a:solidFill>
-              <a:srgbClr val="5A5F5E"/>
-            </a:solidFill>
-            <a:miter lim="400000"/>
-          </a:ln>
-        </p:spPr>
-        <p:txBody>
-          <a:bodyPr lIns="50800" tIns="50800" rIns="50800" bIns="50800" anchor="ctr"/>
-          <a:lstStyle/>
-          <a:p>
-            <a:pPr/>
-          </a:p>
-        </p:txBody>
-      </p:sp>
-      <p:sp>
-        <p:nvSpPr>
-          <p:cNvPr id="166" name="線條"/>
-          <p:cNvSpPr/>
-          <p:nvPr/>
-        </p:nvSpPr>
-        <p:spPr>
-          <a:xfrm flipV="1">
-            <a:off x="7032399" y="6450867"/>
-            <a:ext cx="188277" cy="1"/>
-          </a:xfrm>
-          <a:prstGeom prst="line">
-            <a:avLst/>
-          </a:prstGeom>
-          <a:ln w="25400">
-            <a:solidFill>
-              <a:srgbClr val="5A5F5E"/>
-            </a:solidFill>
-            <a:miter lim="400000"/>
-          </a:ln>
-        </p:spPr>
-        <p:txBody>
-          <a:bodyPr lIns="50800" tIns="50800" rIns="50800" bIns="50800" anchor="ctr"/>
-          <a:lstStyle/>
-          <a:p>
-            <a:pPr/>
-          </a:p>
-        </p:txBody>
-      </p:sp>
-      <p:sp>
-        <p:nvSpPr>
-          <p:cNvPr id="167" name="線條"/>
-          <p:cNvSpPr/>
-          <p:nvPr/>
-        </p:nvSpPr>
-        <p:spPr>
-          <a:xfrm>
-            <a:off x="7032399" y="7555767"/>
-            <a:ext cx="188277" cy="1"/>
-          </a:xfrm>
-          <a:prstGeom prst="line">
-            <a:avLst/>
-          </a:prstGeom>
-          <a:ln w="25400">
-            <a:solidFill>
-              <a:srgbClr val="5A5F5E"/>
-            </a:solidFill>
-            <a:miter lim="400000"/>
-          </a:ln>
-        </p:spPr>
-        <p:txBody>
-          <a:bodyPr lIns="50800" tIns="50800" rIns="50800" bIns="50800" anchor="ctr"/>
-          <a:lstStyle/>
-          <a:p>
-            <a:pPr/>
-          </a:p>
-        </p:txBody>
-      </p:sp>
-      <p:sp>
-        <p:nvSpPr>
-          <p:cNvPr id="168" name="線條"/>
-          <p:cNvSpPr/>
-          <p:nvPr/>
-        </p:nvSpPr>
-        <p:spPr>
-          <a:xfrm flipV="1">
-            <a:off x="6206898" y="6450867"/>
-            <a:ext cx="188277" cy="1"/>
-          </a:xfrm>
-          <a:prstGeom prst="line">
-            <a:avLst/>
-          </a:prstGeom>
-          <a:ln w="25400">
-            <a:solidFill>
-              <a:srgbClr val="5A5F5E"/>
-            </a:solidFill>
-            <a:miter lim="400000"/>
-          </a:ln>
-        </p:spPr>
-        <p:txBody>
-          <a:bodyPr lIns="50800" tIns="50800" rIns="50800" bIns="50800" anchor="ctr"/>
-          <a:lstStyle/>
-          <a:p>
-            <a:pPr/>
-          </a:p>
-        </p:txBody>
-      </p:sp>
-      <p:sp>
-        <p:nvSpPr>
-          <p:cNvPr id="169" name="線條"/>
-          <p:cNvSpPr/>
-          <p:nvPr/>
-        </p:nvSpPr>
-        <p:spPr>
-          <a:xfrm>
-            <a:off x="6206898" y="7555767"/>
-            <a:ext cx="188277" cy="1"/>
-          </a:xfrm>
-          <a:prstGeom prst="line">
-            <a:avLst/>
-          </a:prstGeom>
-          <a:ln w="25400">
-            <a:solidFill>
-              <a:srgbClr val="5A5F5E"/>
-            </a:solidFill>
-            <a:miter lim="400000"/>
-          </a:ln>
-        </p:spPr>
-        <p:txBody>
-          <a:bodyPr lIns="50800" tIns="50800" rIns="50800" bIns="50800" anchor="ctr"/>
-          <a:lstStyle/>
-          <a:p>
-            <a:pPr/>
-          </a:p>
-        </p:txBody>
-      </p:sp>
-      <p:sp>
-        <p:nvSpPr>
-          <p:cNvPr id="170" name="線條"/>
-          <p:cNvSpPr/>
-          <p:nvPr/>
-        </p:nvSpPr>
-        <p:spPr>
-          <a:xfrm flipV="1">
-            <a:off x="2180998" y="6450867"/>
-            <a:ext cx="188277" cy="1"/>
-          </a:xfrm>
-          <a:prstGeom prst="line">
-            <a:avLst/>
-          </a:prstGeom>
-          <a:ln w="25400">
-            <a:solidFill>
-              <a:srgbClr val="5A5F5E"/>
-            </a:solidFill>
-            <a:miter lim="400000"/>
-          </a:ln>
-        </p:spPr>
-        <p:txBody>
-          <a:bodyPr lIns="50800" tIns="50800" rIns="50800" bIns="50800" anchor="ctr"/>
-          <a:lstStyle/>
-          <a:p>
-            <a:pPr/>
-          </a:p>
-        </p:txBody>
-      </p:sp>
-      <p:sp>
-        <p:nvSpPr>
-          <p:cNvPr id="171" name="線條"/>
-          <p:cNvSpPr/>
-          <p:nvPr/>
-        </p:nvSpPr>
-        <p:spPr>
-          <a:xfrm>
-            <a:off x="2180998" y="7555767"/>
-            <a:ext cx="188277" cy="1"/>
-          </a:xfrm>
-          <a:prstGeom prst="line">
-            <a:avLst/>
-          </a:prstGeom>
-          <a:ln w="25400">
-            <a:solidFill>
-              <a:srgbClr val="5A5F5E"/>
-            </a:solidFill>
-            <a:miter lim="400000"/>
-          </a:ln>
-        </p:spPr>
-        <p:txBody>
-          <a:bodyPr lIns="50800" tIns="50800" rIns="50800" bIns="50800" anchor="ctr"/>
-          <a:lstStyle/>
-          <a:p>
-            <a:pPr/>
-          </a:p>
-        </p:txBody>
-      </p:sp>
-      <p:sp>
-        <p:nvSpPr>
-          <p:cNvPr id="172" name="……"/>
-          <p:cNvSpPr txBox="1"/>
-          <p:nvPr/>
-        </p:nvSpPr>
-        <p:spPr>
-          <a:xfrm>
-            <a:off x="6229350" y="8439346"/>
-            <a:ext cx="1028700" cy="622301"/>
-          </a:xfrm>
-          <a:prstGeom prst="rect">
-            <a:avLst/>
-          </a:prstGeom>
-          <a:ln w="12700">
-            <a:miter lim="400000"/>
-          </a:ln>
-          <a:extLst>
-            <a:ext uri="{C572A759-6A51-4108-AA02-DFA0A04FC94B}">
-              <ma14:wrappingTextBoxFlag xmlns:ma14="http://schemas.microsoft.com/office/mac/drawingml/2011/main" val="1"/>
-            </a:ext>
-          </a:extLst>
-        </p:spPr>
-        <p:txBody>
-          <a:bodyPr wrap="none" lIns="50800" tIns="50800" rIns="50800" bIns="50800" anchor="ctr">
-            <a:spAutoFit/>
-          </a:bodyPr>
-          <a:lstStyle/>
-          <a:p>
-            <a:pPr/>
-            <a:r>
-              <a:t>……</a:t>
+            <a:r>
+              <a:t>計畫介紹</a:t>
             </a:r>
           </a:p>
         </p:txBody>
@@ -5335,12 +4313,12 @@
   <p:clrMapOvr>
     <a:masterClrMapping/>
   </p:clrMapOvr>
-  <p:transition xmlns:p14="http://schemas.microsoft.com/office/powerpoint/2010/main" spd="med" advClick="1"/>
+  <p:transition spd="med"/>
 </p:sld>
 </file>
 
-<file path=ppt/slides/slide7.xml><?xml version="1.0" encoding="utf-8"?>
-<p:sld xmlns:a="http://schemas.openxmlformats.org/drawingml/2006/main" xmlns:r="http://schemas.openxmlformats.org/officeDocument/2006/relationships" xmlns:p="http://schemas.openxmlformats.org/presentationml/2006/main" showMasterSp="1" showMasterPhAnim="1">
+<file path=ppt/slides/slide4.xml><?xml version="1.0" encoding="utf-8"?>
+<p:sld xmlns:a="http://schemas.openxmlformats.org/drawingml/2006/main" xmlns:r="http://schemas.openxmlformats.org/officeDocument/2006/relationships" xmlns:p="http://schemas.openxmlformats.org/presentationml/2006/main">
   <p:cSld>
     <p:spTree>
       <p:nvGrpSpPr>
@@ -5358,8 +4336,10 @@
       </p:grpSpPr>
       <p:sp>
         <p:nvSpPr>
-          <p:cNvPr id="174" name="人員分組"/>
-          <p:cNvSpPr txBox="1"/>
+          <p:cNvPr id="126" name="計畫緣由"/>
+          <p:cNvSpPr txBox="1">
+            <a:spLocks noGrp="1"/>
+          </p:cNvSpPr>
           <p:nvPr>
             <p:ph type="title"/>
           </p:nvPr>
@@ -5371,13 +4351,48 @@
         </p:spPr>
         <p:txBody>
           <a:bodyPr/>
-          <a:lstStyle>
-            <a:lvl1pPr algn="r"/>
-          </a:lstStyle>
-          <a:p>
-            <a:pPr/>
-            <a:r>
-              <a:t>人員分組</a:t>
+          <a:lstStyle/>
+          <a:p>
+            <a:r>
+              <a:t>計畫緣由</a:t>
+            </a:r>
+          </a:p>
+        </p:txBody>
+      </p:sp>
+      <p:sp>
+        <p:nvSpPr>
+          <p:cNvPr id="127" name="讓各位有一個發表自己能力、以及興趣的地方…"/>
+          <p:cNvSpPr txBox="1">
+            <a:spLocks noGrp="1"/>
+          </p:cNvSpPr>
+          <p:nvPr>
+            <p:ph type="body" idx="1"/>
+          </p:nvPr>
+        </p:nvSpPr>
+        <p:spPr>
+          <a:prstGeom prst="rect">
+            <a:avLst/>
+          </a:prstGeom>
+        </p:spPr>
+        <p:txBody>
+          <a:bodyPr/>
+          <a:lstStyle/>
+          <a:p>
+            <a:pPr marL="0" indent="0">
+              <a:buSzTx/>
+              <a:buNone/>
+            </a:pPr>
+            <a:r>
+              <a:t>讓各位有一個發表自己能力、以及興趣的地方</a:t>
+            </a:r>
+          </a:p>
+          <a:p>
+            <a:pPr marL="0" indent="0">
+              <a:buSzTx/>
+              <a:buNone/>
+            </a:pPr>
+            <a:r>
+              <a:t>增進各位在不同領域的能力</a:t>
             </a:r>
           </a:p>
         </p:txBody>
@@ -5387,12 +4402,12 @@
   <p:clrMapOvr>
     <a:masterClrMapping/>
   </p:clrMapOvr>
-  <p:transition xmlns:p14="http://schemas.microsoft.com/office/powerpoint/2010/main" spd="med" advClick="1"/>
+  <p:transition spd="med"/>
 </p:sld>
 </file>
 
-<file path=ppt/slides/slide8.xml><?xml version="1.0" encoding="utf-8"?>
-<p:sld xmlns:a="http://schemas.openxmlformats.org/drawingml/2006/main" xmlns:r="http://schemas.openxmlformats.org/officeDocument/2006/relationships" xmlns:p="http://schemas.openxmlformats.org/presentationml/2006/main" showMasterSp="1" showMasterPhAnim="1">
+<file path=ppt/slides/slide5.xml><?xml version="1.0" encoding="utf-8"?>
+<p:sld xmlns:a="http://schemas.openxmlformats.org/drawingml/2006/main" xmlns:r="http://schemas.openxmlformats.org/officeDocument/2006/relationships" xmlns:p="http://schemas.openxmlformats.org/presentationml/2006/main">
   <p:cSld>
     <p:spTree>
       <p:nvGrpSpPr>
@@ -5410,8 +4425,1608 @@
       </p:grpSpPr>
       <p:sp>
         <p:nvSpPr>
+          <p:cNvPr id="129" name="計畫目標"/>
+          <p:cNvSpPr txBox="1">
+            <a:spLocks noGrp="1"/>
+          </p:cNvSpPr>
+          <p:nvPr>
+            <p:ph type="title"/>
+          </p:nvPr>
+        </p:nvSpPr>
+        <p:spPr>
+          <a:prstGeom prst="rect">
+            <a:avLst/>
+          </a:prstGeom>
+        </p:spPr>
+        <p:txBody>
+          <a:bodyPr/>
+          <a:lstStyle/>
+          <a:p>
+            <a:r>
+              <a:t>計畫目標</a:t>
+            </a:r>
+          </a:p>
+        </p:txBody>
+      </p:sp>
+      <p:sp>
+        <p:nvSpPr>
+          <p:cNvPr id="130" name="以Ｃ＃製作主要遊戲框架，並由Processing製作外部彩蛋程式。…"/>
+          <p:cNvSpPr txBox="1">
+            <a:spLocks noGrp="1"/>
+          </p:cNvSpPr>
+          <p:nvPr>
+            <p:ph type="body" idx="1"/>
+          </p:nvPr>
+        </p:nvSpPr>
+        <p:spPr>
+          <a:prstGeom prst="rect">
+            <a:avLst/>
+          </a:prstGeom>
+        </p:spPr>
+        <p:txBody>
+          <a:bodyPr/>
+          <a:lstStyle/>
+          <a:p>
+            <a:pPr marL="0" indent="0">
+              <a:buSzTx/>
+              <a:buNone/>
+            </a:pPr>
+            <a:r>
+              <a:t>以Ｃ＃製作主要遊戲框架，並由Processing製作外部彩蛋程式。</a:t>
+            </a:r>
+          </a:p>
+          <a:p>
+            <a:pPr marL="0" indent="0">
+              <a:buSzTx/>
+              <a:buNone/>
+            </a:pPr>
+            <a:r>
+              <a:t>利用C#的System語法控制實體系統，以達到突破第四面牆的效果。</a:t>
+            </a:r>
+          </a:p>
+        </p:txBody>
+      </p:sp>
+    </p:spTree>
+  </p:cSld>
+  <p:clrMapOvr>
+    <a:masterClrMapping/>
+  </p:clrMapOvr>
+  <p:transition spd="med"/>
+</p:sld>
+</file>
+
+<file path=ppt/slides/slide6.xml><?xml version="1.0" encoding="utf-8"?>
+<p:sld xmlns:a="http://schemas.openxmlformats.org/drawingml/2006/main" xmlns:r="http://schemas.openxmlformats.org/officeDocument/2006/relationships" xmlns:p="http://schemas.openxmlformats.org/presentationml/2006/main">
+  <p:cSld>
+    <p:spTree>
+      <p:nvGrpSpPr>
+        <p:cNvPr id="1" name=""/>
+        <p:cNvGrpSpPr/>
+        <p:nvPr/>
+      </p:nvGrpSpPr>
+      <p:grpSpPr>
+        <a:xfrm>
+          <a:off x="0" y="0"/>
+          <a:ext cx="0" cy="0"/>
+          <a:chOff x="0" y="0"/>
+          <a:chExt cx="0" cy="0"/>
+        </a:xfrm>
+      </p:grpSpPr>
+      <p:sp>
+        <p:nvSpPr>
+          <p:cNvPr id="132" name="此程式為樹狀結構，透過劇情的不同，發展出不同的結果，由C#類別程式控制"/>
+          <p:cNvSpPr txBox="1">
+            <a:spLocks noGrp="1"/>
+          </p:cNvSpPr>
+          <p:nvPr>
+            <p:ph type="title"/>
+          </p:nvPr>
+        </p:nvSpPr>
+        <p:spPr>
+          <a:xfrm>
+            <a:off x="355600" y="254000"/>
+            <a:ext cx="12293600" cy="1740510"/>
+          </a:xfrm>
+          <a:prstGeom prst="rect">
+            <a:avLst/>
+          </a:prstGeom>
+        </p:spPr>
+        <p:txBody>
+          <a:bodyPr/>
+          <a:lstStyle>
+            <a:lvl1pPr algn="l">
+              <a:lnSpc>
+                <a:spcPct val="120000"/>
+              </a:lnSpc>
+              <a:spcBef>
+                <a:spcPts val="4600"/>
+              </a:spcBef>
+              <a:defRPr sz="4000" cap="none"/>
+            </a:lvl1pPr>
+          </a:lstStyle>
+          <a:p>
+            <a:r>
+              <a:t>此程式為樹狀結構，透過劇情的不同，發展出不同的結果，由C#類別程式控制</a:t>
+            </a:r>
+          </a:p>
+        </p:txBody>
+      </p:sp>
+      <p:sp>
+        <p:nvSpPr>
+          <p:cNvPr id="133" name="主程式"/>
+          <p:cNvSpPr/>
+          <p:nvPr/>
+        </p:nvSpPr>
+        <p:spPr>
+          <a:xfrm>
+            <a:off x="5342604" y="2382188"/>
+            <a:ext cx="2319592" cy="740696"/>
+          </a:xfrm>
+          <a:prstGeom prst="rect">
+            <a:avLst/>
+          </a:prstGeom>
+          <a:solidFill>
+            <a:srgbClr val="808785"/>
+          </a:solidFill>
+          <a:ln w="12700">
+            <a:miter lim="400000"/>
+          </a:ln>
+          <a:extLst>
+            <a:ext uri="{C572A759-6A51-4108-AA02-DFA0A04FC94B}">
+              <ma14:wrappingTextBoxFlag xmlns:ma14="http://schemas.microsoft.com/office/mac/drawingml/2011/main" xmlns="" val="1"/>
+            </a:ext>
+          </a:extLst>
+        </p:spPr>
+        <p:txBody>
+          <a:bodyPr lIns="50800" tIns="50800" rIns="50800" bIns="50800" anchor="ctr"/>
+          <a:lstStyle>
+            <a:lvl1pPr>
+              <a:defRPr>
+                <a:solidFill>
+                  <a:srgbClr val="FFFFFF"/>
+                </a:solidFill>
+              </a:defRPr>
+            </a:lvl1pPr>
+          </a:lstStyle>
+          <a:p>
+            <a:r>
+              <a:t>主程式</a:t>
+            </a:r>
+          </a:p>
+        </p:txBody>
+      </p:sp>
+      <p:sp>
+        <p:nvSpPr>
+          <p:cNvPr id="134" name="劇情發展 1"/>
+          <p:cNvSpPr/>
+          <p:nvPr/>
+        </p:nvSpPr>
+        <p:spPr>
+          <a:xfrm>
+            <a:off x="3660525" y="3798016"/>
+            <a:ext cx="2520938" cy="740696"/>
+          </a:xfrm>
+          <a:prstGeom prst="rect">
+            <a:avLst/>
+          </a:prstGeom>
+          <a:solidFill>
+            <a:srgbClr val="808785"/>
+          </a:solidFill>
+          <a:ln w="12700">
+            <a:miter lim="400000"/>
+          </a:ln>
+          <a:extLst>
+            <a:ext uri="{C572A759-6A51-4108-AA02-DFA0A04FC94B}">
+              <ma14:wrappingTextBoxFlag xmlns:ma14="http://schemas.microsoft.com/office/mac/drawingml/2011/main" xmlns="" val="1"/>
+            </a:ext>
+          </a:extLst>
+        </p:spPr>
+        <p:txBody>
+          <a:bodyPr lIns="50800" tIns="50800" rIns="50800" bIns="50800" anchor="ctr"/>
+          <a:lstStyle>
+            <a:lvl1pPr>
+              <a:defRPr>
+                <a:solidFill>
+                  <a:srgbClr val="FFFFFF"/>
+                </a:solidFill>
+              </a:defRPr>
+            </a:lvl1pPr>
+          </a:lstStyle>
+          <a:p>
+            <a:r>
+              <a:t>劇情發展 1</a:t>
+            </a:r>
+          </a:p>
+        </p:txBody>
+      </p:sp>
+      <p:sp>
+        <p:nvSpPr>
+          <p:cNvPr id="135" name="劇情發展 2"/>
+          <p:cNvSpPr/>
+          <p:nvPr/>
+        </p:nvSpPr>
+        <p:spPr>
+          <a:xfrm>
+            <a:off x="6835525" y="3792497"/>
+            <a:ext cx="2520938" cy="740697"/>
+          </a:xfrm>
+          <a:prstGeom prst="rect">
+            <a:avLst/>
+          </a:prstGeom>
+          <a:solidFill>
+            <a:srgbClr val="808785"/>
+          </a:solidFill>
+          <a:ln w="12700">
+            <a:miter lim="400000"/>
+          </a:ln>
+          <a:extLst>
+            <a:ext uri="{C572A759-6A51-4108-AA02-DFA0A04FC94B}">
+              <ma14:wrappingTextBoxFlag xmlns:ma14="http://schemas.microsoft.com/office/mac/drawingml/2011/main" xmlns="" val="1"/>
+            </a:ext>
+          </a:extLst>
+        </p:spPr>
+        <p:txBody>
+          <a:bodyPr lIns="50800" tIns="50800" rIns="50800" bIns="50800" anchor="ctr"/>
+          <a:lstStyle>
+            <a:lvl1pPr>
+              <a:defRPr>
+                <a:solidFill>
+                  <a:srgbClr val="FFFFFF"/>
+                </a:solidFill>
+              </a:defRPr>
+            </a:lvl1pPr>
+          </a:lstStyle>
+          <a:p>
+            <a:r>
+              <a:t>劇情發展 2</a:t>
+            </a:r>
+          </a:p>
+        </p:txBody>
+      </p:sp>
+      <p:sp>
+        <p:nvSpPr>
+          <p:cNvPr id="136" name="線條"/>
+          <p:cNvSpPr/>
+          <p:nvPr/>
+        </p:nvSpPr>
+        <p:spPr>
+          <a:xfrm flipV="1">
+            <a:off x="6506933" y="3113425"/>
+            <a:ext cx="1" cy="249789"/>
+          </a:xfrm>
+          <a:prstGeom prst="line">
+            <a:avLst/>
+          </a:prstGeom>
+          <a:ln w="25400">
+            <a:solidFill>
+              <a:srgbClr val="5A5F5E"/>
+            </a:solidFill>
+            <a:miter lim="400000"/>
+          </a:ln>
+        </p:spPr>
+        <p:txBody>
+          <a:bodyPr lIns="50800" tIns="50800" rIns="50800" bIns="50800" anchor="ctr"/>
+          <a:lstStyle/>
+          <a:p>
+            <a:endParaRPr/>
+          </a:p>
+        </p:txBody>
+      </p:sp>
+      <p:sp>
+        <p:nvSpPr>
+          <p:cNvPr id="137" name="線條"/>
+          <p:cNvSpPr/>
+          <p:nvPr/>
+        </p:nvSpPr>
+        <p:spPr>
+          <a:xfrm>
+            <a:off x="7909613" y="3377176"/>
+            <a:ext cx="1" cy="415050"/>
+          </a:xfrm>
+          <a:prstGeom prst="line">
+            <a:avLst/>
+          </a:prstGeom>
+          <a:ln w="25400">
+            <a:solidFill>
+              <a:srgbClr val="5A5F5E"/>
+            </a:solidFill>
+            <a:miter lim="400000"/>
+          </a:ln>
+        </p:spPr>
+        <p:txBody>
+          <a:bodyPr lIns="50800" tIns="50800" rIns="50800" bIns="50800" anchor="ctr"/>
+          <a:lstStyle/>
+          <a:p>
+            <a:endParaRPr/>
+          </a:p>
+        </p:txBody>
+      </p:sp>
+      <p:sp>
+        <p:nvSpPr>
+          <p:cNvPr id="138" name="線條"/>
+          <p:cNvSpPr/>
+          <p:nvPr/>
+        </p:nvSpPr>
+        <p:spPr>
+          <a:xfrm>
+            <a:off x="4920994" y="3377176"/>
+            <a:ext cx="1" cy="415050"/>
+          </a:xfrm>
+          <a:prstGeom prst="line">
+            <a:avLst/>
+          </a:prstGeom>
+          <a:ln w="25400">
+            <a:solidFill>
+              <a:srgbClr val="5A5F5E"/>
+            </a:solidFill>
+            <a:miter lim="400000"/>
+          </a:ln>
+        </p:spPr>
+        <p:txBody>
+          <a:bodyPr lIns="50800" tIns="50800" rIns="50800" bIns="50800" anchor="ctr"/>
+          <a:lstStyle/>
+          <a:p>
+            <a:endParaRPr/>
+          </a:p>
+        </p:txBody>
+      </p:sp>
+      <p:sp>
+        <p:nvSpPr>
+          <p:cNvPr id="139" name="線條"/>
+          <p:cNvSpPr/>
+          <p:nvPr/>
+        </p:nvSpPr>
+        <p:spPr>
+          <a:xfrm>
+            <a:off x="4880601" y="3353444"/>
+            <a:ext cx="3039026" cy="1"/>
+          </a:xfrm>
+          <a:prstGeom prst="line">
+            <a:avLst/>
+          </a:prstGeom>
+          <a:ln w="25400">
+            <a:solidFill>
+              <a:srgbClr val="5A5F5E"/>
+            </a:solidFill>
+            <a:miter lim="400000"/>
+          </a:ln>
+        </p:spPr>
+        <p:txBody>
+          <a:bodyPr lIns="50800" tIns="50800" rIns="50800" bIns="50800" anchor="ctr"/>
+          <a:lstStyle/>
+          <a:p>
+            <a:endParaRPr/>
+          </a:p>
+        </p:txBody>
+      </p:sp>
+      <p:sp>
+        <p:nvSpPr>
+          <p:cNvPr id="140" name="劇情發展 11"/>
+          <p:cNvSpPr/>
+          <p:nvPr/>
+        </p:nvSpPr>
+        <p:spPr>
+          <a:xfrm>
+            <a:off x="2034925" y="4959546"/>
+            <a:ext cx="2051882" cy="607743"/>
+          </a:xfrm>
+          <a:prstGeom prst="rect">
+            <a:avLst/>
+          </a:prstGeom>
+          <a:solidFill>
+            <a:srgbClr val="808785"/>
+          </a:solidFill>
+          <a:ln w="12700">
+            <a:miter lim="400000"/>
+          </a:ln>
+          <a:extLst>
+            <a:ext uri="{C572A759-6A51-4108-AA02-DFA0A04FC94B}">
+              <ma14:wrappingTextBoxFlag xmlns:ma14="http://schemas.microsoft.com/office/mac/drawingml/2011/main" xmlns="" val="1"/>
+            </a:ext>
+          </a:extLst>
+        </p:spPr>
+        <p:txBody>
+          <a:bodyPr lIns="50800" tIns="50800" rIns="50800" bIns="50800" anchor="ctr"/>
+          <a:lstStyle>
+            <a:lvl1pPr>
+              <a:defRPr sz="2800">
+                <a:solidFill>
+                  <a:srgbClr val="FFFFFF"/>
+                </a:solidFill>
+              </a:defRPr>
+            </a:lvl1pPr>
+          </a:lstStyle>
+          <a:p>
+            <a:r>
+              <a:t>劇情發展 11</a:t>
+            </a:r>
+          </a:p>
+        </p:txBody>
+      </p:sp>
+      <p:sp>
+        <p:nvSpPr>
+          <p:cNvPr id="141" name="劇情發展12"/>
+          <p:cNvSpPr/>
+          <p:nvPr/>
+        </p:nvSpPr>
+        <p:spPr>
+          <a:xfrm>
+            <a:off x="4498725" y="4959546"/>
+            <a:ext cx="2051882" cy="607743"/>
+          </a:xfrm>
+          <a:prstGeom prst="rect">
+            <a:avLst/>
+          </a:prstGeom>
+          <a:solidFill>
+            <a:srgbClr val="808785"/>
+          </a:solidFill>
+          <a:ln w="12700">
+            <a:miter lim="400000"/>
+          </a:ln>
+          <a:extLst>
+            <a:ext uri="{C572A759-6A51-4108-AA02-DFA0A04FC94B}">
+              <ma14:wrappingTextBoxFlag xmlns:ma14="http://schemas.microsoft.com/office/mac/drawingml/2011/main" xmlns="" val="1"/>
+            </a:ext>
+          </a:extLst>
+        </p:spPr>
+        <p:txBody>
+          <a:bodyPr lIns="50800" tIns="50800" rIns="50800" bIns="50800" anchor="ctr"/>
+          <a:lstStyle>
+            <a:lvl1pPr>
+              <a:defRPr sz="2800">
+                <a:solidFill>
+                  <a:srgbClr val="FFFFFF"/>
+                </a:solidFill>
+              </a:defRPr>
+            </a:lvl1pPr>
+          </a:lstStyle>
+          <a:p>
+            <a:r>
+              <a:t>劇情發展12</a:t>
+            </a:r>
+          </a:p>
+        </p:txBody>
+      </p:sp>
+      <p:sp>
+        <p:nvSpPr>
+          <p:cNvPr id="142" name="劇情發展 21"/>
+          <p:cNvSpPr/>
+          <p:nvPr/>
+        </p:nvSpPr>
+        <p:spPr>
+          <a:xfrm>
+            <a:off x="6962525" y="4959546"/>
+            <a:ext cx="2051882" cy="607743"/>
+          </a:xfrm>
+          <a:prstGeom prst="rect">
+            <a:avLst/>
+          </a:prstGeom>
+          <a:solidFill>
+            <a:srgbClr val="808785"/>
+          </a:solidFill>
+          <a:ln w="12700">
+            <a:miter lim="400000"/>
+          </a:ln>
+          <a:extLst>
+            <a:ext uri="{C572A759-6A51-4108-AA02-DFA0A04FC94B}">
+              <ma14:wrappingTextBoxFlag xmlns:ma14="http://schemas.microsoft.com/office/mac/drawingml/2011/main" xmlns="" val="1"/>
+            </a:ext>
+          </a:extLst>
+        </p:spPr>
+        <p:txBody>
+          <a:bodyPr lIns="50800" tIns="50800" rIns="50800" bIns="50800" anchor="ctr"/>
+          <a:lstStyle>
+            <a:lvl1pPr>
+              <a:defRPr sz="2800">
+                <a:solidFill>
+                  <a:srgbClr val="FFFFFF"/>
+                </a:solidFill>
+              </a:defRPr>
+            </a:lvl1pPr>
+          </a:lstStyle>
+          <a:p>
+            <a:r>
+              <a:t>劇情發展 21</a:t>
+            </a:r>
+          </a:p>
+        </p:txBody>
+      </p:sp>
+      <p:sp>
+        <p:nvSpPr>
+          <p:cNvPr id="143" name="劇情發展 22"/>
+          <p:cNvSpPr/>
+          <p:nvPr/>
+        </p:nvSpPr>
+        <p:spPr>
+          <a:xfrm>
+            <a:off x="9426325" y="4959546"/>
+            <a:ext cx="2051882" cy="607743"/>
+          </a:xfrm>
+          <a:prstGeom prst="rect">
+            <a:avLst/>
+          </a:prstGeom>
+          <a:solidFill>
+            <a:srgbClr val="808785"/>
+          </a:solidFill>
+          <a:ln w="12700">
+            <a:miter lim="400000"/>
+          </a:ln>
+          <a:extLst>
+            <a:ext uri="{C572A759-6A51-4108-AA02-DFA0A04FC94B}">
+              <ma14:wrappingTextBoxFlag xmlns:ma14="http://schemas.microsoft.com/office/mac/drawingml/2011/main" xmlns="" val="1"/>
+            </a:ext>
+          </a:extLst>
+        </p:spPr>
+        <p:txBody>
+          <a:bodyPr lIns="50800" tIns="50800" rIns="50800" bIns="50800" anchor="ctr"/>
+          <a:lstStyle>
+            <a:lvl1pPr>
+              <a:defRPr sz="2800">
+                <a:solidFill>
+                  <a:srgbClr val="FFFFFF"/>
+                </a:solidFill>
+              </a:defRPr>
+            </a:lvl1pPr>
+          </a:lstStyle>
+          <a:p>
+            <a:r>
+              <a:t>劇情發展 22</a:t>
+            </a:r>
+          </a:p>
+        </p:txBody>
+      </p:sp>
+      <p:sp>
+        <p:nvSpPr>
+          <p:cNvPr id="144" name="線條"/>
+          <p:cNvSpPr/>
+          <p:nvPr/>
+        </p:nvSpPr>
+        <p:spPr>
+          <a:xfrm>
+            <a:off x="3123190" y="4725080"/>
+            <a:ext cx="2319592" cy="1"/>
+          </a:xfrm>
+          <a:prstGeom prst="line">
+            <a:avLst/>
+          </a:prstGeom>
+          <a:ln w="25400">
+            <a:solidFill>
+              <a:srgbClr val="5A5F5E"/>
+            </a:solidFill>
+            <a:miter lim="400000"/>
+          </a:ln>
+        </p:spPr>
+        <p:txBody>
+          <a:bodyPr lIns="50800" tIns="50800" rIns="50800" bIns="50800" anchor="ctr"/>
+          <a:lstStyle/>
+          <a:p>
+            <a:endParaRPr/>
+          </a:p>
+        </p:txBody>
+      </p:sp>
+      <p:sp>
+        <p:nvSpPr>
+          <p:cNvPr id="145" name="線條"/>
+          <p:cNvSpPr/>
+          <p:nvPr/>
+        </p:nvSpPr>
+        <p:spPr>
+          <a:xfrm flipV="1">
+            <a:off x="4917986" y="4521199"/>
+            <a:ext cx="1" cy="208694"/>
+          </a:xfrm>
+          <a:prstGeom prst="line">
+            <a:avLst/>
+          </a:prstGeom>
+          <a:ln w="25400">
+            <a:solidFill>
+              <a:srgbClr val="5A5F5E"/>
+            </a:solidFill>
+            <a:miter lim="400000"/>
+          </a:ln>
+        </p:spPr>
+        <p:txBody>
+          <a:bodyPr lIns="50800" tIns="50800" rIns="50800" bIns="50800" anchor="ctr"/>
+          <a:lstStyle/>
+          <a:p>
+            <a:endParaRPr/>
+          </a:p>
+        </p:txBody>
+      </p:sp>
+      <p:sp>
+        <p:nvSpPr>
+          <p:cNvPr id="146" name="線條"/>
+          <p:cNvSpPr/>
+          <p:nvPr/>
+        </p:nvSpPr>
+        <p:spPr>
+          <a:xfrm flipV="1">
+            <a:off x="5440114" y="4718264"/>
+            <a:ext cx="1" cy="249789"/>
+          </a:xfrm>
+          <a:prstGeom prst="line">
+            <a:avLst/>
+          </a:prstGeom>
+          <a:ln w="25400">
+            <a:solidFill>
+              <a:srgbClr val="5A5F5E"/>
+            </a:solidFill>
+            <a:miter lim="400000"/>
+          </a:ln>
+        </p:spPr>
+        <p:txBody>
+          <a:bodyPr lIns="50800" tIns="50800" rIns="50800" bIns="50800" anchor="ctr"/>
+          <a:lstStyle/>
+          <a:p>
+            <a:endParaRPr/>
+          </a:p>
+        </p:txBody>
+      </p:sp>
+      <p:sp>
+        <p:nvSpPr>
+          <p:cNvPr id="147" name="線條"/>
+          <p:cNvSpPr/>
+          <p:nvPr/>
+        </p:nvSpPr>
+        <p:spPr>
+          <a:xfrm flipV="1">
+            <a:off x="3154114" y="4718264"/>
+            <a:ext cx="1" cy="249789"/>
+          </a:xfrm>
+          <a:prstGeom prst="line">
+            <a:avLst/>
+          </a:prstGeom>
+          <a:ln w="25400">
+            <a:solidFill>
+              <a:srgbClr val="5A5F5E"/>
+            </a:solidFill>
+            <a:miter lim="400000"/>
+          </a:ln>
+        </p:spPr>
+        <p:txBody>
+          <a:bodyPr lIns="50800" tIns="50800" rIns="50800" bIns="50800" anchor="ctr"/>
+          <a:lstStyle/>
+          <a:p>
+            <a:endParaRPr/>
+          </a:p>
+        </p:txBody>
+      </p:sp>
+      <p:sp>
+        <p:nvSpPr>
+          <p:cNvPr id="148" name="線條"/>
+          <p:cNvSpPr/>
+          <p:nvPr/>
+        </p:nvSpPr>
+        <p:spPr>
+          <a:xfrm>
+            <a:off x="7987290" y="4705534"/>
+            <a:ext cx="2319592" cy="1"/>
+          </a:xfrm>
+          <a:prstGeom prst="line">
+            <a:avLst/>
+          </a:prstGeom>
+          <a:ln w="25400">
+            <a:solidFill>
+              <a:srgbClr val="5A5F5E"/>
+            </a:solidFill>
+            <a:miter lim="400000"/>
+          </a:ln>
+        </p:spPr>
+        <p:txBody>
+          <a:bodyPr lIns="50800" tIns="50800" rIns="50800" bIns="50800" anchor="ctr"/>
+          <a:lstStyle/>
+          <a:p>
+            <a:endParaRPr/>
+          </a:p>
+        </p:txBody>
+      </p:sp>
+      <p:sp>
+        <p:nvSpPr>
+          <p:cNvPr id="149" name="線條"/>
+          <p:cNvSpPr/>
+          <p:nvPr/>
+        </p:nvSpPr>
+        <p:spPr>
+          <a:xfrm flipV="1">
+            <a:off x="8575586" y="4521199"/>
+            <a:ext cx="1" cy="208694"/>
+          </a:xfrm>
+          <a:prstGeom prst="line">
+            <a:avLst/>
+          </a:prstGeom>
+          <a:ln w="25400">
+            <a:solidFill>
+              <a:srgbClr val="5A5F5E"/>
+            </a:solidFill>
+            <a:miter lim="400000"/>
+          </a:ln>
+        </p:spPr>
+        <p:txBody>
+          <a:bodyPr lIns="50800" tIns="50800" rIns="50800" bIns="50800" anchor="ctr"/>
+          <a:lstStyle/>
+          <a:p>
+            <a:endParaRPr/>
+          </a:p>
+        </p:txBody>
+      </p:sp>
+      <p:sp>
+        <p:nvSpPr>
+          <p:cNvPr id="150" name="線條"/>
+          <p:cNvSpPr/>
+          <p:nvPr/>
+        </p:nvSpPr>
+        <p:spPr>
+          <a:xfrm flipV="1">
+            <a:off x="10304214" y="4698718"/>
+            <a:ext cx="1" cy="249789"/>
+          </a:xfrm>
+          <a:prstGeom prst="line">
+            <a:avLst/>
+          </a:prstGeom>
+          <a:ln w="25400">
+            <a:solidFill>
+              <a:srgbClr val="5A5F5E"/>
+            </a:solidFill>
+            <a:miter lim="400000"/>
+          </a:ln>
+        </p:spPr>
+        <p:txBody>
+          <a:bodyPr lIns="50800" tIns="50800" rIns="50800" bIns="50800" anchor="ctr"/>
+          <a:lstStyle/>
+          <a:p>
+            <a:endParaRPr/>
+          </a:p>
+        </p:txBody>
+      </p:sp>
+      <p:sp>
+        <p:nvSpPr>
+          <p:cNvPr id="151" name="線條"/>
+          <p:cNvSpPr/>
+          <p:nvPr/>
+        </p:nvSpPr>
+        <p:spPr>
+          <a:xfrm flipV="1">
+            <a:off x="8018214" y="4698718"/>
+            <a:ext cx="1" cy="249789"/>
+          </a:xfrm>
+          <a:prstGeom prst="line">
+            <a:avLst/>
+          </a:prstGeom>
+          <a:ln w="25400">
+            <a:solidFill>
+              <a:srgbClr val="5A5F5E"/>
+            </a:solidFill>
+            <a:miter lim="400000"/>
+          </a:ln>
+        </p:spPr>
+        <p:txBody>
+          <a:bodyPr lIns="50800" tIns="50800" rIns="50800" bIns="50800" anchor="ctr"/>
+          <a:lstStyle/>
+          <a:p>
+            <a:endParaRPr/>
+          </a:p>
+        </p:txBody>
+      </p:sp>
+      <p:sp>
+        <p:nvSpPr>
+          <p:cNvPr id="152" name="劇情發展 111"/>
+          <p:cNvSpPr/>
+          <p:nvPr/>
+        </p:nvSpPr>
+        <p:spPr>
+          <a:xfrm>
+            <a:off x="2352631" y="6229546"/>
+            <a:ext cx="1602967" cy="442643"/>
+          </a:xfrm>
+          <a:prstGeom prst="rect">
+            <a:avLst/>
+          </a:prstGeom>
+          <a:solidFill>
+            <a:srgbClr val="808785"/>
+          </a:solidFill>
+          <a:ln w="12700">
+            <a:miter lim="400000"/>
+          </a:ln>
+          <a:extLst>
+            <a:ext uri="{C572A759-6A51-4108-AA02-DFA0A04FC94B}">
+              <ma14:wrappingTextBoxFlag xmlns:ma14="http://schemas.microsoft.com/office/mac/drawingml/2011/main" xmlns="" val="1"/>
+            </a:ext>
+          </a:extLst>
+        </p:spPr>
+        <p:txBody>
+          <a:bodyPr lIns="50800" tIns="50800" rIns="50800" bIns="50800" anchor="ctr"/>
+          <a:lstStyle>
+            <a:lvl1pPr>
+              <a:defRPr sz="2000">
+                <a:solidFill>
+                  <a:srgbClr val="FFFFFF"/>
+                </a:solidFill>
+              </a:defRPr>
+            </a:lvl1pPr>
+          </a:lstStyle>
+          <a:p>
+            <a:r>
+              <a:t>劇情發展 111</a:t>
+            </a:r>
+          </a:p>
+        </p:txBody>
+      </p:sp>
+      <p:sp>
+        <p:nvSpPr>
+          <p:cNvPr id="153" name="劇情發展 112"/>
+          <p:cNvSpPr/>
+          <p:nvPr/>
+        </p:nvSpPr>
+        <p:spPr>
+          <a:xfrm>
+            <a:off x="2352631" y="7334446"/>
+            <a:ext cx="1602967" cy="442643"/>
+          </a:xfrm>
+          <a:prstGeom prst="rect">
+            <a:avLst/>
+          </a:prstGeom>
+          <a:solidFill>
+            <a:srgbClr val="808785"/>
+          </a:solidFill>
+          <a:ln w="12700">
+            <a:miter lim="400000"/>
+          </a:ln>
+          <a:extLst>
+            <a:ext uri="{C572A759-6A51-4108-AA02-DFA0A04FC94B}">
+              <ma14:wrappingTextBoxFlag xmlns:ma14="http://schemas.microsoft.com/office/mac/drawingml/2011/main" xmlns="" val="1"/>
+            </a:ext>
+          </a:extLst>
+        </p:spPr>
+        <p:txBody>
+          <a:bodyPr lIns="50800" tIns="50800" rIns="50800" bIns="50800" anchor="ctr"/>
+          <a:lstStyle>
+            <a:lvl1pPr>
+              <a:defRPr sz="2000">
+                <a:solidFill>
+                  <a:srgbClr val="FFFFFF"/>
+                </a:solidFill>
+              </a:defRPr>
+            </a:lvl1pPr>
+          </a:lstStyle>
+          <a:p>
+            <a:r>
+              <a:t>劇情發展 112</a:t>
+            </a:r>
+          </a:p>
+        </p:txBody>
+      </p:sp>
+      <p:sp>
+        <p:nvSpPr>
+          <p:cNvPr id="154" name="劇情發展 121"/>
+          <p:cNvSpPr/>
+          <p:nvPr/>
+        </p:nvSpPr>
+        <p:spPr>
+          <a:xfrm>
+            <a:off x="4638631" y="6229546"/>
+            <a:ext cx="1602967" cy="442643"/>
+          </a:xfrm>
+          <a:prstGeom prst="rect">
+            <a:avLst/>
+          </a:prstGeom>
+          <a:solidFill>
+            <a:srgbClr val="808785"/>
+          </a:solidFill>
+          <a:ln w="12700">
+            <a:miter lim="400000"/>
+          </a:ln>
+          <a:extLst>
+            <a:ext uri="{C572A759-6A51-4108-AA02-DFA0A04FC94B}">
+              <ma14:wrappingTextBoxFlag xmlns:ma14="http://schemas.microsoft.com/office/mac/drawingml/2011/main" xmlns="" val="1"/>
+            </a:ext>
+          </a:extLst>
+        </p:spPr>
+        <p:txBody>
+          <a:bodyPr lIns="50800" tIns="50800" rIns="50800" bIns="50800" anchor="ctr"/>
+          <a:lstStyle>
+            <a:lvl1pPr>
+              <a:defRPr sz="2000">
+                <a:solidFill>
+                  <a:srgbClr val="FFFFFF"/>
+                </a:solidFill>
+              </a:defRPr>
+            </a:lvl1pPr>
+          </a:lstStyle>
+          <a:p>
+            <a:r>
+              <a:t>劇情發展 121</a:t>
+            </a:r>
+          </a:p>
+        </p:txBody>
+      </p:sp>
+      <p:sp>
+        <p:nvSpPr>
+          <p:cNvPr id="155" name="劇情發展 122"/>
+          <p:cNvSpPr/>
+          <p:nvPr/>
+        </p:nvSpPr>
+        <p:spPr>
+          <a:xfrm>
+            <a:off x="4638631" y="7403950"/>
+            <a:ext cx="1602967" cy="442643"/>
+          </a:xfrm>
+          <a:prstGeom prst="rect">
+            <a:avLst/>
+          </a:prstGeom>
+          <a:solidFill>
+            <a:srgbClr val="808785"/>
+          </a:solidFill>
+          <a:ln w="12700">
+            <a:miter lim="400000"/>
+          </a:ln>
+          <a:extLst>
+            <a:ext uri="{C572A759-6A51-4108-AA02-DFA0A04FC94B}">
+              <ma14:wrappingTextBoxFlag xmlns:ma14="http://schemas.microsoft.com/office/mac/drawingml/2011/main" xmlns="" val="1"/>
+            </a:ext>
+          </a:extLst>
+        </p:spPr>
+        <p:txBody>
+          <a:bodyPr lIns="50800" tIns="50800" rIns="50800" bIns="50800" anchor="ctr"/>
+          <a:lstStyle>
+            <a:lvl1pPr>
+              <a:defRPr sz="2000">
+                <a:solidFill>
+                  <a:srgbClr val="FFFFFF"/>
+                </a:solidFill>
+              </a:defRPr>
+            </a:lvl1pPr>
+          </a:lstStyle>
+          <a:p>
+            <a:r>
+              <a:t>劇情發展 122</a:t>
+            </a:r>
+          </a:p>
+        </p:txBody>
+      </p:sp>
+      <p:sp>
+        <p:nvSpPr>
+          <p:cNvPr id="156" name="劇情發展 211"/>
+          <p:cNvSpPr/>
+          <p:nvPr/>
+        </p:nvSpPr>
+        <p:spPr>
+          <a:xfrm>
+            <a:off x="7216731" y="6229546"/>
+            <a:ext cx="1602967" cy="442643"/>
+          </a:xfrm>
+          <a:prstGeom prst="rect">
+            <a:avLst/>
+          </a:prstGeom>
+          <a:solidFill>
+            <a:srgbClr val="808785"/>
+          </a:solidFill>
+          <a:ln w="12700">
+            <a:miter lim="400000"/>
+          </a:ln>
+          <a:extLst>
+            <a:ext uri="{C572A759-6A51-4108-AA02-DFA0A04FC94B}">
+              <ma14:wrappingTextBoxFlag xmlns:ma14="http://schemas.microsoft.com/office/mac/drawingml/2011/main" xmlns="" val="1"/>
+            </a:ext>
+          </a:extLst>
+        </p:spPr>
+        <p:txBody>
+          <a:bodyPr lIns="50800" tIns="50800" rIns="50800" bIns="50800" anchor="ctr"/>
+          <a:lstStyle>
+            <a:lvl1pPr>
+              <a:defRPr sz="2000">
+                <a:solidFill>
+                  <a:srgbClr val="FFFFFF"/>
+                </a:solidFill>
+              </a:defRPr>
+            </a:lvl1pPr>
+          </a:lstStyle>
+          <a:p>
+            <a:r>
+              <a:t>劇情發展 211</a:t>
+            </a:r>
+          </a:p>
+        </p:txBody>
+      </p:sp>
+      <p:sp>
+        <p:nvSpPr>
+          <p:cNvPr id="157" name="劇情發展 212"/>
+          <p:cNvSpPr/>
+          <p:nvPr/>
+        </p:nvSpPr>
+        <p:spPr>
+          <a:xfrm>
+            <a:off x="7216731" y="7403950"/>
+            <a:ext cx="1602967" cy="442643"/>
+          </a:xfrm>
+          <a:prstGeom prst="rect">
+            <a:avLst/>
+          </a:prstGeom>
+          <a:solidFill>
+            <a:srgbClr val="808785"/>
+          </a:solidFill>
+          <a:ln w="12700">
+            <a:miter lim="400000"/>
+          </a:ln>
+          <a:extLst>
+            <a:ext uri="{C572A759-6A51-4108-AA02-DFA0A04FC94B}">
+              <ma14:wrappingTextBoxFlag xmlns:ma14="http://schemas.microsoft.com/office/mac/drawingml/2011/main" xmlns="" val="1"/>
+            </a:ext>
+          </a:extLst>
+        </p:spPr>
+        <p:txBody>
+          <a:bodyPr lIns="50800" tIns="50800" rIns="50800" bIns="50800" anchor="ctr"/>
+          <a:lstStyle>
+            <a:lvl1pPr>
+              <a:defRPr sz="2000">
+                <a:solidFill>
+                  <a:srgbClr val="FFFFFF"/>
+                </a:solidFill>
+              </a:defRPr>
+            </a:lvl1pPr>
+          </a:lstStyle>
+          <a:p>
+            <a:r>
+              <a:t>劇情發展 212</a:t>
+            </a:r>
+          </a:p>
+        </p:txBody>
+      </p:sp>
+      <p:sp>
+        <p:nvSpPr>
+          <p:cNvPr id="158" name="劇情發展 221"/>
+          <p:cNvSpPr/>
+          <p:nvPr/>
+        </p:nvSpPr>
+        <p:spPr>
+          <a:xfrm>
+            <a:off x="9502731" y="6229546"/>
+            <a:ext cx="1602967" cy="442643"/>
+          </a:xfrm>
+          <a:prstGeom prst="rect">
+            <a:avLst/>
+          </a:prstGeom>
+          <a:solidFill>
+            <a:srgbClr val="808785"/>
+          </a:solidFill>
+          <a:ln w="12700">
+            <a:miter lim="400000"/>
+          </a:ln>
+          <a:extLst>
+            <a:ext uri="{C572A759-6A51-4108-AA02-DFA0A04FC94B}">
+              <ma14:wrappingTextBoxFlag xmlns:ma14="http://schemas.microsoft.com/office/mac/drawingml/2011/main" xmlns="" val="1"/>
+            </a:ext>
+          </a:extLst>
+        </p:spPr>
+        <p:txBody>
+          <a:bodyPr lIns="50800" tIns="50800" rIns="50800" bIns="50800" anchor="ctr"/>
+          <a:lstStyle>
+            <a:lvl1pPr>
+              <a:defRPr sz="2000">
+                <a:solidFill>
+                  <a:srgbClr val="FFFFFF"/>
+                </a:solidFill>
+              </a:defRPr>
+            </a:lvl1pPr>
+          </a:lstStyle>
+          <a:p>
+            <a:r>
+              <a:t>劇情發展 221</a:t>
+            </a:r>
+          </a:p>
+        </p:txBody>
+      </p:sp>
+      <p:sp>
+        <p:nvSpPr>
+          <p:cNvPr id="159" name="劇情發展 222"/>
+          <p:cNvSpPr/>
+          <p:nvPr/>
+        </p:nvSpPr>
+        <p:spPr>
+          <a:xfrm>
+            <a:off x="9502731" y="7334446"/>
+            <a:ext cx="1602967" cy="442643"/>
+          </a:xfrm>
+          <a:prstGeom prst="rect">
+            <a:avLst/>
+          </a:prstGeom>
+          <a:solidFill>
+            <a:srgbClr val="808785"/>
+          </a:solidFill>
+          <a:ln w="12700">
+            <a:miter lim="400000"/>
+          </a:ln>
+          <a:extLst>
+            <a:ext uri="{C572A759-6A51-4108-AA02-DFA0A04FC94B}">
+              <ma14:wrappingTextBoxFlag xmlns:ma14="http://schemas.microsoft.com/office/mac/drawingml/2011/main" xmlns="" val="1"/>
+            </a:ext>
+          </a:extLst>
+        </p:spPr>
+        <p:txBody>
+          <a:bodyPr lIns="50800" tIns="50800" rIns="50800" bIns="50800" anchor="ctr"/>
+          <a:lstStyle>
+            <a:lvl1pPr>
+              <a:defRPr sz="2000">
+                <a:solidFill>
+                  <a:srgbClr val="FFFFFF"/>
+                </a:solidFill>
+              </a:defRPr>
+            </a:lvl1pPr>
+          </a:lstStyle>
+          <a:p>
+            <a:r>
+              <a:t>劇情發展 222</a:t>
+            </a:r>
+          </a:p>
+        </p:txBody>
+      </p:sp>
+      <p:sp>
+        <p:nvSpPr>
+          <p:cNvPr id="160" name="線條"/>
+          <p:cNvSpPr/>
+          <p:nvPr/>
+        </p:nvSpPr>
+        <p:spPr>
+          <a:xfrm flipV="1">
+            <a:off x="11286898" y="5567049"/>
+            <a:ext cx="1" cy="1981623"/>
+          </a:xfrm>
+          <a:prstGeom prst="line">
+            <a:avLst/>
+          </a:prstGeom>
+          <a:ln w="25400">
+            <a:solidFill>
+              <a:srgbClr val="5A5F5E"/>
+            </a:solidFill>
+            <a:miter lim="400000"/>
+          </a:ln>
+        </p:spPr>
+        <p:txBody>
+          <a:bodyPr lIns="50800" tIns="50800" rIns="50800" bIns="50800" anchor="ctr"/>
+          <a:lstStyle/>
+          <a:p>
+            <a:endParaRPr/>
+          </a:p>
+        </p:txBody>
+      </p:sp>
+      <p:sp>
+        <p:nvSpPr>
+          <p:cNvPr id="161" name="線條"/>
+          <p:cNvSpPr/>
+          <p:nvPr/>
+        </p:nvSpPr>
+        <p:spPr>
+          <a:xfrm flipV="1">
+            <a:off x="2180999" y="5567049"/>
+            <a:ext cx="1" cy="1981623"/>
+          </a:xfrm>
+          <a:prstGeom prst="line">
+            <a:avLst/>
+          </a:prstGeom>
+          <a:ln w="25400">
+            <a:solidFill>
+              <a:srgbClr val="5A5F5E"/>
+            </a:solidFill>
+            <a:miter lim="400000"/>
+          </a:ln>
+        </p:spPr>
+        <p:txBody>
+          <a:bodyPr lIns="50800" tIns="50800" rIns="50800" bIns="50800" anchor="ctr"/>
+          <a:lstStyle/>
+          <a:p>
+            <a:endParaRPr/>
+          </a:p>
+        </p:txBody>
+      </p:sp>
+      <p:sp>
+        <p:nvSpPr>
+          <p:cNvPr id="162" name="線條"/>
+          <p:cNvSpPr/>
+          <p:nvPr/>
+        </p:nvSpPr>
+        <p:spPr>
+          <a:xfrm flipV="1">
+            <a:off x="6400114" y="5567049"/>
+            <a:ext cx="1" cy="1981623"/>
+          </a:xfrm>
+          <a:prstGeom prst="line">
+            <a:avLst/>
+          </a:prstGeom>
+          <a:ln w="25400">
+            <a:solidFill>
+              <a:srgbClr val="5A5F5E"/>
+            </a:solidFill>
+            <a:miter lim="400000"/>
+          </a:ln>
+        </p:spPr>
+        <p:txBody>
+          <a:bodyPr lIns="50800" tIns="50800" rIns="50800" bIns="50800" anchor="ctr"/>
+          <a:lstStyle/>
+          <a:p>
+            <a:endParaRPr/>
+          </a:p>
+        </p:txBody>
+      </p:sp>
+      <p:sp>
+        <p:nvSpPr>
+          <p:cNvPr id="163" name="線條"/>
+          <p:cNvSpPr/>
+          <p:nvPr/>
+        </p:nvSpPr>
+        <p:spPr>
+          <a:xfrm flipV="1">
+            <a:off x="7045099" y="5567049"/>
+            <a:ext cx="1" cy="1981623"/>
+          </a:xfrm>
+          <a:prstGeom prst="line">
+            <a:avLst/>
+          </a:prstGeom>
+          <a:ln w="25400">
+            <a:solidFill>
+              <a:srgbClr val="5A5F5E"/>
+            </a:solidFill>
+            <a:miter lim="400000"/>
+          </a:ln>
+        </p:spPr>
+        <p:txBody>
+          <a:bodyPr lIns="50800" tIns="50800" rIns="50800" bIns="50800" anchor="ctr"/>
+          <a:lstStyle/>
+          <a:p>
+            <a:endParaRPr/>
+          </a:p>
+        </p:txBody>
+      </p:sp>
+      <p:sp>
+        <p:nvSpPr>
+          <p:cNvPr id="164" name="線條"/>
+          <p:cNvSpPr/>
+          <p:nvPr/>
+        </p:nvSpPr>
+        <p:spPr>
+          <a:xfrm flipV="1">
+            <a:off x="11095810" y="6413499"/>
+            <a:ext cx="188277" cy="1"/>
+          </a:xfrm>
+          <a:prstGeom prst="line">
+            <a:avLst/>
+          </a:prstGeom>
+          <a:ln w="25400">
+            <a:solidFill>
+              <a:srgbClr val="5A5F5E"/>
+            </a:solidFill>
+            <a:miter lim="400000"/>
+          </a:ln>
+        </p:spPr>
+        <p:txBody>
+          <a:bodyPr lIns="50800" tIns="50800" rIns="50800" bIns="50800" anchor="ctr"/>
+          <a:lstStyle/>
+          <a:p>
+            <a:endParaRPr/>
+          </a:p>
+        </p:txBody>
+      </p:sp>
+      <p:sp>
+        <p:nvSpPr>
+          <p:cNvPr id="165" name="線條"/>
+          <p:cNvSpPr/>
+          <p:nvPr/>
+        </p:nvSpPr>
+        <p:spPr>
+          <a:xfrm>
+            <a:off x="11095810" y="7555767"/>
+            <a:ext cx="188277" cy="1"/>
+          </a:xfrm>
+          <a:prstGeom prst="line">
+            <a:avLst/>
+          </a:prstGeom>
+          <a:ln w="25400">
+            <a:solidFill>
+              <a:srgbClr val="5A5F5E"/>
+            </a:solidFill>
+            <a:miter lim="400000"/>
+          </a:ln>
+        </p:spPr>
+        <p:txBody>
+          <a:bodyPr lIns="50800" tIns="50800" rIns="50800" bIns="50800" anchor="ctr"/>
+          <a:lstStyle/>
+          <a:p>
+            <a:endParaRPr/>
+          </a:p>
+        </p:txBody>
+      </p:sp>
+      <p:sp>
+        <p:nvSpPr>
+          <p:cNvPr id="166" name="線條"/>
+          <p:cNvSpPr/>
+          <p:nvPr/>
+        </p:nvSpPr>
+        <p:spPr>
+          <a:xfrm flipV="1">
+            <a:off x="7032399" y="6450867"/>
+            <a:ext cx="188277" cy="1"/>
+          </a:xfrm>
+          <a:prstGeom prst="line">
+            <a:avLst/>
+          </a:prstGeom>
+          <a:ln w="25400">
+            <a:solidFill>
+              <a:srgbClr val="5A5F5E"/>
+            </a:solidFill>
+            <a:miter lim="400000"/>
+          </a:ln>
+        </p:spPr>
+        <p:txBody>
+          <a:bodyPr lIns="50800" tIns="50800" rIns="50800" bIns="50800" anchor="ctr"/>
+          <a:lstStyle/>
+          <a:p>
+            <a:endParaRPr/>
+          </a:p>
+        </p:txBody>
+      </p:sp>
+      <p:sp>
+        <p:nvSpPr>
+          <p:cNvPr id="167" name="線條"/>
+          <p:cNvSpPr/>
+          <p:nvPr/>
+        </p:nvSpPr>
+        <p:spPr>
+          <a:xfrm>
+            <a:off x="7032399" y="7555767"/>
+            <a:ext cx="188277" cy="1"/>
+          </a:xfrm>
+          <a:prstGeom prst="line">
+            <a:avLst/>
+          </a:prstGeom>
+          <a:ln w="25400">
+            <a:solidFill>
+              <a:srgbClr val="5A5F5E"/>
+            </a:solidFill>
+            <a:miter lim="400000"/>
+          </a:ln>
+        </p:spPr>
+        <p:txBody>
+          <a:bodyPr lIns="50800" tIns="50800" rIns="50800" bIns="50800" anchor="ctr"/>
+          <a:lstStyle/>
+          <a:p>
+            <a:endParaRPr/>
+          </a:p>
+        </p:txBody>
+      </p:sp>
+      <p:sp>
+        <p:nvSpPr>
+          <p:cNvPr id="168" name="線條"/>
+          <p:cNvSpPr/>
+          <p:nvPr/>
+        </p:nvSpPr>
+        <p:spPr>
+          <a:xfrm flipV="1">
+            <a:off x="6206898" y="6450867"/>
+            <a:ext cx="188277" cy="1"/>
+          </a:xfrm>
+          <a:prstGeom prst="line">
+            <a:avLst/>
+          </a:prstGeom>
+          <a:ln w="25400">
+            <a:solidFill>
+              <a:srgbClr val="5A5F5E"/>
+            </a:solidFill>
+            <a:miter lim="400000"/>
+          </a:ln>
+        </p:spPr>
+        <p:txBody>
+          <a:bodyPr lIns="50800" tIns="50800" rIns="50800" bIns="50800" anchor="ctr"/>
+          <a:lstStyle/>
+          <a:p>
+            <a:endParaRPr/>
+          </a:p>
+        </p:txBody>
+      </p:sp>
+      <p:sp>
+        <p:nvSpPr>
+          <p:cNvPr id="169" name="線條"/>
+          <p:cNvSpPr/>
+          <p:nvPr/>
+        </p:nvSpPr>
+        <p:spPr>
+          <a:xfrm>
+            <a:off x="6206898" y="7555767"/>
+            <a:ext cx="188277" cy="1"/>
+          </a:xfrm>
+          <a:prstGeom prst="line">
+            <a:avLst/>
+          </a:prstGeom>
+          <a:ln w="25400">
+            <a:solidFill>
+              <a:srgbClr val="5A5F5E"/>
+            </a:solidFill>
+            <a:miter lim="400000"/>
+          </a:ln>
+        </p:spPr>
+        <p:txBody>
+          <a:bodyPr lIns="50800" tIns="50800" rIns="50800" bIns="50800" anchor="ctr"/>
+          <a:lstStyle/>
+          <a:p>
+            <a:endParaRPr/>
+          </a:p>
+        </p:txBody>
+      </p:sp>
+      <p:sp>
+        <p:nvSpPr>
+          <p:cNvPr id="170" name="線條"/>
+          <p:cNvSpPr/>
+          <p:nvPr/>
+        </p:nvSpPr>
+        <p:spPr>
+          <a:xfrm flipV="1">
+            <a:off x="2180998" y="6450867"/>
+            <a:ext cx="188277" cy="1"/>
+          </a:xfrm>
+          <a:prstGeom prst="line">
+            <a:avLst/>
+          </a:prstGeom>
+          <a:ln w="25400">
+            <a:solidFill>
+              <a:srgbClr val="5A5F5E"/>
+            </a:solidFill>
+            <a:miter lim="400000"/>
+          </a:ln>
+        </p:spPr>
+        <p:txBody>
+          <a:bodyPr lIns="50800" tIns="50800" rIns="50800" bIns="50800" anchor="ctr"/>
+          <a:lstStyle/>
+          <a:p>
+            <a:endParaRPr/>
+          </a:p>
+        </p:txBody>
+      </p:sp>
+      <p:sp>
+        <p:nvSpPr>
+          <p:cNvPr id="171" name="線條"/>
+          <p:cNvSpPr/>
+          <p:nvPr/>
+        </p:nvSpPr>
+        <p:spPr>
+          <a:xfrm>
+            <a:off x="2180998" y="7555767"/>
+            <a:ext cx="188277" cy="1"/>
+          </a:xfrm>
+          <a:prstGeom prst="line">
+            <a:avLst/>
+          </a:prstGeom>
+          <a:ln w="25400">
+            <a:solidFill>
+              <a:srgbClr val="5A5F5E"/>
+            </a:solidFill>
+            <a:miter lim="400000"/>
+          </a:ln>
+        </p:spPr>
+        <p:txBody>
+          <a:bodyPr lIns="50800" tIns="50800" rIns="50800" bIns="50800" anchor="ctr"/>
+          <a:lstStyle/>
+          <a:p>
+            <a:endParaRPr/>
+          </a:p>
+        </p:txBody>
+      </p:sp>
+      <p:sp>
+        <p:nvSpPr>
+          <p:cNvPr id="172" name="……"/>
+          <p:cNvSpPr txBox="1"/>
+          <p:nvPr/>
+        </p:nvSpPr>
+        <p:spPr>
+          <a:xfrm>
+            <a:off x="6229350" y="8439346"/>
+            <a:ext cx="1028700" cy="622301"/>
+          </a:xfrm>
+          <a:prstGeom prst="rect">
+            <a:avLst/>
+          </a:prstGeom>
+          <a:ln w="12700">
+            <a:miter lim="400000"/>
+          </a:ln>
+          <a:extLst>
+            <a:ext uri="{C572A759-6A51-4108-AA02-DFA0A04FC94B}">
+              <ma14:wrappingTextBoxFlag xmlns:ma14="http://schemas.microsoft.com/office/mac/drawingml/2011/main" xmlns="" val="1"/>
+            </a:ext>
+          </a:extLst>
+        </p:spPr>
+        <p:txBody>
+          <a:bodyPr wrap="none" lIns="50800" tIns="50800" rIns="50800" bIns="50800" anchor="ctr">
+            <a:spAutoFit/>
+          </a:bodyPr>
+          <a:lstStyle/>
+          <a:p>
+            <a:r>
+              <a:t>……</a:t>
+            </a:r>
+          </a:p>
+        </p:txBody>
+      </p:sp>
+    </p:spTree>
+  </p:cSld>
+  <p:clrMapOvr>
+    <a:masterClrMapping/>
+  </p:clrMapOvr>
+  <p:transition spd="med"/>
+</p:sld>
+</file>
+
+<file path=ppt/slides/slide7.xml><?xml version="1.0" encoding="utf-8"?>
+<p:sld xmlns:a="http://schemas.openxmlformats.org/drawingml/2006/main" xmlns:r="http://schemas.openxmlformats.org/officeDocument/2006/relationships" xmlns:p="http://schemas.openxmlformats.org/presentationml/2006/main">
+  <p:cSld>
+    <p:spTree>
+      <p:nvGrpSpPr>
+        <p:cNvPr id="1" name=""/>
+        <p:cNvGrpSpPr/>
+        <p:nvPr/>
+      </p:nvGrpSpPr>
+      <p:grpSpPr>
+        <a:xfrm>
+          <a:off x="0" y="0"/>
+          <a:ext cx="0" cy="0"/>
+          <a:chOff x="0" y="0"/>
+          <a:chExt cx="0" cy="0"/>
+        </a:xfrm>
+      </p:grpSpPr>
+      <p:sp>
+        <p:nvSpPr>
+          <p:cNvPr id="174" name="人員分組"/>
+          <p:cNvSpPr txBox="1">
+            <a:spLocks noGrp="1"/>
+          </p:cNvSpPr>
+          <p:nvPr>
+            <p:ph type="title"/>
+          </p:nvPr>
+        </p:nvSpPr>
+        <p:spPr>
+          <a:prstGeom prst="rect">
+            <a:avLst/>
+          </a:prstGeom>
+        </p:spPr>
+        <p:txBody>
+          <a:bodyPr/>
+          <a:lstStyle>
+            <a:lvl1pPr algn="r"/>
+          </a:lstStyle>
+          <a:p>
+            <a:r>
+              <a:t>人員分組</a:t>
+            </a:r>
+          </a:p>
+        </p:txBody>
+      </p:sp>
+    </p:spTree>
+  </p:cSld>
+  <p:clrMapOvr>
+    <a:masterClrMapping/>
+  </p:clrMapOvr>
+  <p:transition spd="med"/>
+</p:sld>
+</file>
+
+<file path=ppt/slides/slide8.xml><?xml version="1.0" encoding="utf-8"?>
+<p:sld xmlns:a="http://schemas.openxmlformats.org/drawingml/2006/main" xmlns:r="http://schemas.openxmlformats.org/officeDocument/2006/relationships" xmlns:p="http://schemas.openxmlformats.org/presentationml/2006/main">
+  <p:cSld>
+    <p:spTree>
+      <p:nvGrpSpPr>
+        <p:cNvPr id="1" name=""/>
+        <p:cNvGrpSpPr/>
+        <p:nvPr/>
+      </p:nvGrpSpPr>
+      <p:grpSpPr>
+        <a:xfrm>
+          <a:off x="0" y="0"/>
+          <a:ext cx="0" cy="0"/>
+          <a:chOff x="0" y="0"/>
+          <a:chExt cx="0" cy="0"/>
+        </a:xfrm>
+      </p:grpSpPr>
+      <p:sp>
+        <p:nvSpPr>
           <p:cNvPr id="176" name="C#程式設計人員…"/>
-          <p:cNvSpPr txBox="1"/>
+          <p:cNvSpPr txBox="1">
+            <a:spLocks noGrp="1"/>
+          </p:cNvSpPr>
           <p:nvPr>
             <p:ph type="body" idx="1"/>
           </p:nvPr>
@@ -5484,6 +6099,7 @@
                 <a:sym typeface="Calibri"/>
               </a:defRPr>
             </a:pPr>
+            <a:endParaRPr/>
           </a:p>
           <a:p>
             <a:pPr marL="135834" indent="-135834" defTabSz="304800">
@@ -5541,6 +6157,7 @@
                 <a:sym typeface="Calibri"/>
               </a:defRPr>
             </a:pPr>
+            <a:endParaRPr/>
           </a:p>
           <a:p>
             <a:pPr marL="135834" indent="-135834" defTabSz="304800">
@@ -5598,6 +6215,7 @@
                 <a:sym typeface="Calibri"/>
               </a:defRPr>
             </a:pPr>
+            <a:endParaRPr/>
           </a:p>
           <a:p>
             <a:pPr marL="135834" indent="-135834" defTabSz="304800">
@@ -5655,6 +6273,7 @@
                 <a:sym typeface="Calibri"/>
               </a:defRPr>
             </a:pPr>
+            <a:endParaRPr/>
           </a:p>
           <a:p>
             <a:pPr marL="135834" indent="-135834" defTabSz="304800">
@@ -5712,6 +6331,7 @@
                 <a:sym typeface="Calibri"/>
               </a:defRPr>
             </a:pPr>
+            <a:endParaRPr/>
           </a:p>
           <a:p>
             <a:pPr marL="135834" indent="-135834" defTabSz="304800">
@@ -5748,7 +6368,9 @@
       <p:sp>
         <p:nvSpPr>
           <p:cNvPr id="177" name="人員組織架構"/>
-          <p:cNvSpPr txBox="1"/>
+          <p:cNvSpPr txBox="1">
+            <a:spLocks noGrp="1"/>
+          </p:cNvSpPr>
           <p:nvPr>
             <p:ph type="title" idx="4294967295"/>
           </p:nvPr>
@@ -5762,7 +6384,7 @@
           <a:bodyPr/>
           <a:lstStyle>
             <a:lvl1pPr defTabSz="304800">
-              <a:defRPr cap="none" sz="6000">
+              <a:defRPr sz="6000" cap="none">
                 <a:solidFill>
                   <a:srgbClr val="000000"/>
                 </a:solidFill>
@@ -5779,7 +6401,6 @@
             </a:lvl1pPr>
           </a:lstStyle>
           <a:p>
-            <a:pPr/>
             <a:r>
               <a:t>人員組織架構</a:t>
             </a:r>
@@ -5791,12 +6412,12 @@
   <p:clrMapOvr>
     <a:masterClrMapping/>
   </p:clrMapOvr>
-  <p:transition xmlns:p14="http://schemas.microsoft.com/office/powerpoint/2010/main" spd="med" advClick="1"/>
+  <p:transition spd="med"/>
 </p:sld>
 </file>
 
 <file path=ppt/slides/slide9.xml><?xml version="1.0" encoding="utf-8"?>
-<p:sld xmlns:a="http://schemas.openxmlformats.org/drawingml/2006/main" xmlns:r="http://schemas.openxmlformats.org/officeDocument/2006/relationships" xmlns:p="http://schemas.openxmlformats.org/presentationml/2006/main" showMasterSp="1" showMasterPhAnim="1">
+<p:sld xmlns:a="http://schemas.openxmlformats.org/drawingml/2006/main" xmlns:r="http://schemas.openxmlformats.org/officeDocument/2006/relationships" xmlns:p="http://schemas.openxmlformats.org/presentationml/2006/main">
   <p:cSld>
     <p:spTree>
       <p:nvGrpSpPr>
@@ -5815,7 +6436,9 @@
       <p:sp>
         <p:nvSpPr>
           <p:cNvPr id="179" name="C#程式設計人員"/>
-          <p:cNvSpPr txBox="1"/>
+          <p:cNvSpPr txBox="1">
+            <a:spLocks noGrp="1"/>
+          </p:cNvSpPr>
           <p:nvPr>
             <p:ph type="title"/>
           </p:nvPr>
@@ -5829,7 +6452,7 @@
           <a:bodyPr/>
           <a:lstStyle>
             <a:lvl1pPr defTabSz="304800">
-              <a:defRPr cap="none" sz="6000">
+              <a:defRPr sz="6000" cap="none">
                 <a:solidFill>
                   <a:srgbClr val="000000"/>
                 </a:solidFill>
@@ -5846,7 +6469,6 @@
             </a:lvl1pPr>
           </a:lstStyle>
           <a:p>
-            <a:pPr/>
             <a:r>
               <a:t>C#程式設計人員</a:t>
             </a:r>
@@ -5856,7 +6478,9 @@
       <p:sp>
         <p:nvSpPr>
           <p:cNvPr id="180" name="透過劇情發展分派工作…"/>
-          <p:cNvSpPr txBox="1"/>
+          <p:cNvSpPr txBox="1">
+            <a:spLocks noGrp="1"/>
+          </p:cNvSpPr>
           <p:nvPr>
             <p:ph type="body" idx="1"/>
           </p:nvPr>
@@ -5870,26 +6494,45 @@
           <a:bodyPr/>
           <a:lstStyle/>
           <a:p>
-            <a:pPr/>
-            <a:r>
+            <a:r>
+              <a:rPr dirty="0" err="1"/>
               <a:t>透過劇情發展分派工作</a:t>
             </a:r>
+            <a:endParaRPr dirty="0"/>
           </a:p>
           <a:p>
             <a:pPr>
               <a:defRPr sz="4400"/>
             </a:pPr>
             <a:r>
+              <a:rPr dirty="0" err="1"/>
               <a:t>主程式</a:t>
             </a:r>
+            <a:endParaRPr dirty="0"/>
           </a:p>
           <a:p>
             <a:pPr>
               <a:defRPr sz="4400"/>
             </a:pPr>
             <a:r>
-              <a:t>劇情發展類別</a:t>
-            </a:r>
+              <a:rPr lang="zh-TW" altLang="en-US" dirty="0"/>
+              <a:t>各</a:t>
+            </a:r>
+            <a:r>
+              <a:rPr dirty="0" err="1"/>
+              <a:t>劇情類別</a:t>
+            </a:r>
+            <a:endParaRPr lang="en-US" altLang="zh-TW" dirty="0"/>
+          </a:p>
+          <a:p>
+            <a:pPr>
+              <a:defRPr sz="4400"/>
+            </a:pPr>
+            <a:r>
+              <a:rPr lang="zh-TW" altLang="en-US" dirty="0"/>
+              <a:t>彩蛋設計及引入點控制</a:t>
+            </a:r>
+            <a:endParaRPr dirty="0"/>
           </a:p>
         </p:txBody>
       </p:sp>
@@ -5898,12 +6541,12 @@
   <p:clrMapOvr>
     <a:masterClrMapping/>
   </p:clrMapOvr>
-  <p:transition xmlns:p14="http://schemas.microsoft.com/office/powerpoint/2010/main" spd="med" advClick="1"/>
+  <p:transition spd="med"/>
 </p:sld>
 </file>
 
 <file path=ppt/theme/theme1.xml><?xml version="1.0" encoding="utf-8"?>
-<a:theme xmlns:a="http://schemas.openxmlformats.org/drawingml/2006/main" xmlns:r="http://schemas.openxmlformats.org/officeDocument/2006/relationships" name="Showroom">
+<a:theme xmlns:a="http://schemas.openxmlformats.org/drawingml/2006/main" name="Showroom">
   <a:themeElements>
     <a:clrScheme name="Showroom">
       <a:dk1>
@@ -6102,7 +6745,7 @@
         <a:effectLst/>
         <a:sp3d/>
       </a:spPr>
-      <a:bodyPr rot="0" spcFirstLastPara="1" vertOverflow="overflow" horzOverflow="overflow" vert="horz" wrap="square" lIns="50800" tIns="50800" rIns="50800" bIns="50800" numCol="1" spcCol="38100" rtlCol="0" anchor="ctr" upright="0">
+      <a:bodyPr rot="0" spcFirstLastPara="1" vertOverflow="overflow" horzOverflow="overflow" vert="horz" wrap="square" lIns="50800" tIns="50800" rIns="50800" bIns="50800" numCol="1" spcCol="38100" rtlCol="0" anchor="ctr">
         <a:spAutoFit/>
       </a:bodyPr>
       <a:lstStyle>
@@ -6121,7 +6764,7 @@
           <a:buFontTx/>
           <a:buNone/>
           <a:tabLst/>
-          <a:defRPr b="0" baseline="0" cap="none" i="0" spc="0" strike="noStrike" sz="3600" u="none" kumimoji="0" normalizeH="0">
+          <a:defRPr kumimoji="0" sz="3600" b="0" i="0" u="none" strike="noStrike" cap="none" spc="0" normalizeH="0" baseline="0">
             <a:ln>
               <a:noFill/>
             </a:ln>
@@ -6151,7 +6794,7 @@
           <a:buFontTx/>
           <a:buNone/>
           <a:tabLst/>
-          <a:defRPr b="0" baseline="0" cap="none" i="0" spc="0" strike="noStrike" sz="1800" u="none" kumimoji="0" normalizeH="0">
+          <a:defRPr kumimoji="0" sz="1800" b="0" i="0" u="none" strike="noStrike" cap="none" spc="0" normalizeH="0" baseline="0">
             <a:ln>
               <a:noFill/>
             </a:ln>
@@ -6177,7 +6820,7 @@
           <a:buFontTx/>
           <a:buNone/>
           <a:tabLst/>
-          <a:defRPr b="0" baseline="0" cap="none" i="0" spc="0" strike="noStrike" sz="1800" u="none" kumimoji="0" normalizeH="0">
+          <a:defRPr kumimoji="0" sz="1800" b="0" i="0" u="none" strike="noStrike" cap="none" spc="0" normalizeH="0" baseline="0">
             <a:ln>
               <a:noFill/>
             </a:ln>
@@ -6203,7 +6846,7 @@
           <a:buFontTx/>
           <a:buNone/>
           <a:tabLst/>
-          <a:defRPr b="0" baseline="0" cap="none" i="0" spc="0" strike="noStrike" sz="1800" u="none" kumimoji="0" normalizeH="0">
+          <a:defRPr kumimoji="0" sz="1800" b="0" i="0" u="none" strike="noStrike" cap="none" spc="0" normalizeH="0" baseline="0">
             <a:ln>
               <a:noFill/>
             </a:ln>
@@ -6229,7 +6872,7 @@
           <a:buFontTx/>
           <a:buNone/>
           <a:tabLst/>
-          <a:defRPr b="0" baseline="0" cap="none" i="0" spc="0" strike="noStrike" sz="1800" u="none" kumimoji="0" normalizeH="0">
+          <a:defRPr kumimoji="0" sz="1800" b="0" i="0" u="none" strike="noStrike" cap="none" spc="0" normalizeH="0" baseline="0">
             <a:ln>
               <a:noFill/>
             </a:ln>
@@ -6255,7 +6898,7 @@
           <a:buFontTx/>
           <a:buNone/>
           <a:tabLst/>
-          <a:defRPr b="0" baseline="0" cap="none" i="0" spc="0" strike="noStrike" sz="1800" u="none" kumimoji="0" normalizeH="0">
+          <a:defRPr kumimoji="0" sz="1800" b="0" i="0" u="none" strike="noStrike" cap="none" spc="0" normalizeH="0" baseline="0">
             <a:ln>
               <a:noFill/>
             </a:ln>
@@ -6281,7 +6924,7 @@
           <a:buFontTx/>
           <a:buNone/>
           <a:tabLst/>
-          <a:defRPr b="0" baseline="0" cap="none" i="0" spc="0" strike="noStrike" sz="1800" u="none" kumimoji="0" normalizeH="0">
+          <a:defRPr kumimoji="0" sz="1800" b="0" i="0" u="none" strike="noStrike" cap="none" spc="0" normalizeH="0" baseline="0">
             <a:ln>
               <a:noFill/>
             </a:ln>
@@ -6307,7 +6950,7 @@
           <a:buFontTx/>
           <a:buNone/>
           <a:tabLst/>
-          <a:defRPr b="0" baseline="0" cap="none" i="0" spc="0" strike="noStrike" sz="1800" u="none" kumimoji="0" normalizeH="0">
+          <a:defRPr kumimoji="0" sz="1800" b="0" i="0" u="none" strike="noStrike" cap="none" spc="0" normalizeH="0" baseline="0">
             <a:ln>
               <a:noFill/>
             </a:ln>
@@ -6333,7 +6976,7 @@
           <a:buFontTx/>
           <a:buNone/>
           <a:tabLst/>
-          <a:defRPr b="0" baseline="0" cap="none" i="0" spc="0" strike="noStrike" sz="1800" u="none" kumimoji="0" normalizeH="0">
+          <a:defRPr kumimoji="0" sz="1800" b="0" i="0" u="none" strike="noStrike" cap="none" spc="0" normalizeH="0" baseline="0">
             <a:ln>
               <a:noFill/>
             </a:ln>
@@ -6359,7 +7002,7 @@
           <a:buFontTx/>
           <a:buNone/>
           <a:tabLst/>
-          <a:defRPr b="0" baseline="0" cap="none" i="0" spc="0" strike="noStrike" sz="1800" u="none" kumimoji="0" normalizeH="0">
+          <a:defRPr kumimoji="0" sz="1800" b="0" i="0" u="none" strike="noStrike" cap="none" spc="0" normalizeH="0" baseline="0">
             <a:ln>
               <a:noFill/>
             </a:ln>
@@ -6372,9 +7015,15 @@
         </a:lvl9pPr>
       </a:lstStyle>
       <a:style>
-        <a:lnRef idx="0"/>
-        <a:fillRef idx="0"/>
-        <a:effectRef idx="0"/>
+        <a:lnRef idx="0">
+          <a:scrgbClr r="0" g="0" b="0"/>
+        </a:lnRef>
+        <a:fillRef idx="0">
+          <a:scrgbClr r="0" g="0" b="0"/>
+        </a:fillRef>
+        <a:effectRef idx="0">
+          <a:scrgbClr r="0" g="0" b="0"/>
+        </a:effectRef>
         <a:fontRef idx="none"/>
       </a:style>
     </a:spDef>
@@ -6391,7 +7040,7 @@
         <a:effectLst/>
         <a:sp3d/>
       </a:spPr>
-      <a:bodyPr rot="0" spcFirstLastPara="1" vertOverflow="overflow" horzOverflow="overflow" vert="horz" wrap="square" lIns="91439" tIns="45719" rIns="91439" bIns="45719" numCol="1" spcCol="38100" rtlCol="0" anchor="t" upright="0">
+      <a:bodyPr rot="0" spcFirstLastPara="1" vertOverflow="overflow" horzOverflow="overflow" vert="horz" wrap="square" lIns="91439" tIns="45719" rIns="91439" bIns="45719" numCol="1" spcCol="38100" rtlCol="0" anchor="t">
         <a:noAutofit/>
       </a:bodyPr>
       <a:lstStyle>
@@ -6410,7 +7059,7 @@
           <a:buFontTx/>
           <a:buNone/>
           <a:tabLst/>
-          <a:defRPr b="0" baseline="0" cap="none" i="0" spc="0" strike="noStrike" sz="1800" u="none" kumimoji="0" normalizeH="0">
+          <a:defRPr kumimoji="0" sz="1800" b="0" i="0" u="none" strike="noStrike" cap="none" spc="0" normalizeH="0" baseline="0">
             <a:ln>
               <a:noFill/>
             </a:ln>
@@ -6436,7 +7085,7 @@
           <a:buFontTx/>
           <a:buNone/>
           <a:tabLst/>
-          <a:defRPr b="0" baseline="0" cap="none" i="0" spc="0" strike="noStrike" sz="1800" u="none" kumimoji="0" normalizeH="0">
+          <a:defRPr kumimoji="0" sz="1800" b="0" i="0" u="none" strike="noStrike" cap="none" spc="0" normalizeH="0" baseline="0">
             <a:ln>
               <a:noFill/>
             </a:ln>
@@ -6462,7 +7111,7 @@
           <a:buFontTx/>
           <a:buNone/>
           <a:tabLst/>
-          <a:defRPr b="0" baseline="0" cap="none" i="0" spc="0" strike="noStrike" sz="1800" u="none" kumimoji="0" normalizeH="0">
+          <a:defRPr kumimoji="0" sz="1800" b="0" i="0" u="none" strike="noStrike" cap="none" spc="0" normalizeH="0" baseline="0">
             <a:ln>
               <a:noFill/>
             </a:ln>
@@ -6488,7 +7137,7 @@
           <a:buFontTx/>
           <a:buNone/>
           <a:tabLst/>
-          <a:defRPr b="0" baseline="0" cap="none" i="0" spc="0" strike="noStrike" sz="1800" u="none" kumimoji="0" normalizeH="0">
+          <a:defRPr kumimoji="0" sz="1800" b="0" i="0" u="none" strike="noStrike" cap="none" spc="0" normalizeH="0" baseline="0">
             <a:ln>
               <a:noFill/>
             </a:ln>
@@ -6514,7 +7163,7 @@
           <a:buFontTx/>
           <a:buNone/>
           <a:tabLst/>
-          <a:defRPr b="0" baseline="0" cap="none" i="0" spc="0" strike="noStrike" sz="1800" u="none" kumimoji="0" normalizeH="0">
+          <a:defRPr kumimoji="0" sz="1800" b="0" i="0" u="none" strike="noStrike" cap="none" spc="0" normalizeH="0" baseline="0">
             <a:ln>
               <a:noFill/>
             </a:ln>
@@ -6540,7 +7189,7 @@
           <a:buFontTx/>
           <a:buNone/>
           <a:tabLst/>
-          <a:defRPr b="0" baseline="0" cap="none" i="0" spc="0" strike="noStrike" sz="1800" u="none" kumimoji="0" normalizeH="0">
+          <a:defRPr kumimoji="0" sz="1800" b="0" i="0" u="none" strike="noStrike" cap="none" spc="0" normalizeH="0" baseline="0">
             <a:ln>
               <a:noFill/>
             </a:ln>
@@ -6566,7 +7215,7 @@
           <a:buFontTx/>
           <a:buNone/>
           <a:tabLst/>
-          <a:defRPr b="0" baseline="0" cap="none" i="0" spc="0" strike="noStrike" sz="1800" u="none" kumimoji="0" normalizeH="0">
+          <a:defRPr kumimoji="0" sz="1800" b="0" i="0" u="none" strike="noStrike" cap="none" spc="0" normalizeH="0" baseline="0">
             <a:ln>
               <a:noFill/>
             </a:ln>
@@ -6592,7 +7241,7 @@
           <a:buFontTx/>
           <a:buNone/>
           <a:tabLst/>
-          <a:defRPr b="0" baseline="0" cap="none" i="0" spc="0" strike="noStrike" sz="1800" u="none" kumimoji="0" normalizeH="0">
+          <a:defRPr kumimoji="0" sz="1800" b="0" i="0" u="none" strike="noStrike" cap="none" spc="0" normalizeH="0" baseline="0">
             <a:ln>
               <a:noFill/>
             </a:ln>
@@ -6618,7 +7267,7 @@
           <a:buFontTx/>
           <a:buNone/>
           <a:tabLst/>
-          <a:defRPr b="0" baseline="0" cap="none" i="0" spc="0" strike="noStrike" sz="1800" u="none" kumimoji="0" normalizeH="0">
+          <a:defRPr kumimoji="0" sz="1800" b="0" i="0" u="none" strike="noStrike" cap="none" spc="0" normalizeH="0" baseline="0">
             <a:ln>
               <a:noFill/>
             </a:ln>
@@ -6644,7 +7293,7 @@
           <a:buFontTx/>
           <a:buNone/>
           <a:tabLst/>
-          <a:defRPr b="0" baseline="0" cap="none" i="0" spc="0" strike="noStrike" sz="1800" u="none" kumimoji="0" normalizeH="0">
+          <a:defRPr kumimoji="0" sz="1800" b="0" i="0" u="none" strike="noStrike" cap="none" spc="0" normalizeH="0" baseline="0">
             <a:ln>
               <a:noFill/>
             </a:ln>
@@ -6657,9 +7306,15 @@
         </a:lvl9pPr>
       </a:lstStyle>
       <a:style>
-        <a:lnRef idx="0"/>
-        <a:fillRef idx="0"/>
-        <a:effectRef idx="0"/>
+        <a:lnRef idx="0">
+          <a:scrgbClr r="0" g="0" b="0"/>
+        </a:lnRef>
+        <a:fillRef idx="0">
+          <a:scrgbClr r="0" g="0" b="0"/>
+        </a:fillRef>
+        <a:effectRef idx="0">
+          <a:scrgbClr r="0" g="0" b="0"/>
+        </a:effectRef>
         <a:fontRef idx="none"/>
       </a:style>
     </a:lnDef>
@@ -6673,7 +7328,7 @@
         <a:effectLst/>
         <a:sp3d/>
       </a:spPr>
-      <a:bodyPr rot="0" spcFirstLastPara="1" vertOverflow="overflow" horzOverflow="overflow" vert="horz" wrap="square" lIns="50800" tIns="50800" rIns="50800" bIns="50800" numCol="1" spcCol="38100" rtlCol="0" anchor="ctr" upright="0">
+      <a:bodyPr rot="0" spcFirstLastPara="1" vertOverflow="overflow" horzOverflow="overflow" vert="horz" wrap="square" lIns="50800" tIns="50800" rIns="50800" bIns="50800" numCol="1" spcCol="38100" rtlCol="0" anchor="ctr">
         <a:spAutoFit/>
       </a:bodyPr>
       <a:lstStyle>
@@ -6692,7 +7347,7 @@
           <a:buFontTx/>
           <a:buNone/>
           <a:tabLst/>
-          <a:defRPr b="0" baseline="0" cap="none" i="0" spc="0" strike="noStrike" sz="3600" u="none" kumimoji="0" normalizeH="0">
+          <a:defRPr kumimoji="0" sz="3600" b="0" i="0" u="none" strike="noStrike" cap="none" spc="0" normalizeH="0" baseline="0">
             <a:ln>
               <a:noFill/>
             </a:ln>
@@ -6722,7 +7377,7 @@
           <a:buFontTx/>
           <a:buNone/>
           <a:tabLst/>
-          <a:defRPr b="0" baseline="0" cap="none" i="0" spc="0" strike="noStrike" sz="1800" u="none" kumimoji="0" normalizeH="0">
+          <a:defRPr kumimoji="0" sz="1800" b="0" i="0" u="none" strike="noStrike" cap="none" spc="0" normalizeH="0" baseline="0">
             <a:ln>
               <a:noFill/>
             </a:ln>
@@ -6748,7 +7403,7 @@
           <a:buFontTx/>
           <a:buNone/>
           <a:tabLst/>
-          <a:defRPr b="0" baseline="0" cap="none" i="0" spc="0" strike="noStrike" sz="1800" u="none" kumimoji="0" normalizeH="0">
+          <a:defRPr kumimoji="0" sz="1800" b="0" i="0" u="none" strike="noStrike" cap="none" spc="0" normalizeH="0" baseline="0">
             <a:ln>
               <a:noFill/>
             </a:ln>
@@ -6774,7 +7429,7 @@
           <a:buFontTx/>
           <a:buNone/>
           <a:tabLst/>
-          <a:defRPr b="0" baseline="0" cap="none" i="0" spc="0" strike="noStrike" sz="1800" u="none" kumimoji="0" normalizeH="0">
+          <a:defRPr kumimoji="0" sz="1800" b="0" i="0" u="none" strike="noStrike" cap="none" spc="0" normalizeH="0" baseline="0">
             <a:ln>
               <a:noFill/>
             </a:ln>
@@ -6800,7 +7455,7 @@
           <a:buFontTx/>
           <a:buNone/>
           <a:tabLst/>
-          <a:defRPr b="0" baseline="0" cap="none" i="0" spc="0" strike="noStrike" sz="1800" u="none" kumimoji="0" normalizeH="0">
+          <a:defRPr kumimoji="0" sz="1800" b="0" i="0" u="none" strike="noStrike" cap="none" spc="0" normalizeH="0" baseline="0">
             <a:ln>
               <a:noFill/>
             </a:ln>
@@ -6826,7 +7481,7 @@
           <a:buFontTx/>
           <a:buNone/>
           <a:tabLst/>
-          <a:defRPr b="0" baseline="0" cap="none" i="0" spc="0" strike="noStrike" sz="1800" u="none" kumimoji="0" normalizeH="0">
+          <a:defRPr kumimoji="0" sz="1800" b="0" i="0" u="none" strike="noStrike" cap="none" spc="0" normalizeH="0" baseline="0">
             <a:ln>
               <a:noFill/>
             </a:ln>
@@ -6852,7 +7507,7 @@
           <a:buFontTx/>
           <a:buNone/>
           <a:tabLst/>
-          <a:defRPr b="0" baseline="0" cap="none" i="0" spc="0" strike="noStrike" sz="1800" u="none" kumimoji="0" normalizeH="0">
+          <a:defRPr kumimoji="0" sz="1800" b="0" i="0" u="none" strike="noStrike" cap="none" spc="0" normalizeH="0" baseline="0">
             <a:ln>
               <a:noFill/>
             </a:ln>
@@ -6878,7 +7533,7 @@
           <a:buFontTx/>
           <a:buNone/>
           <a:tabLst/>
-          <a:defRPr b="0" baseline="0" cap="none" i="0" spc="0" strike="noStrike" sz="1800" u="none" kumimoji="0" normalizeH="0">
+          <a:defRPr kumimoji="0" sz="1800" b="0" i="0" u="none" strike="noStrike" cap="none" spc="0" normalizeH="0" baseline="0">
             <a:ln>
               <a:noFill/>
             </a:ln>
@@ -6904,7 +7559,7 @@
           <a:buFontTx/>
           <a:buNone/>
           <a:tabLst/>
-          <a:defRPr b="0" baseline="0" cap="none" i="0" spc="0" strike="noStrike" sz="1800" u="none" kumimoji="0" normalizeH="0">
+          <a:defRPr kumimoji="0" sz="1800" b="0" i="0" u="none" strike="noStrike" cap="none" spc="0" normalizeH="0" baseline="0">
             <a:ln>
               <a:noFill/>
             </a:ln>
@@ -6930,7 +7585,7 @@
           <a:buFontTx/>
           <a:buNone/>
           <a:tabLst/>
-          <a:defRPr b="0" baseline="0" cap="none" i="0" spc="0" strike="noStrike" sz="1800" u="none" kumimoji="0" normalizeH="0">
+          <a:defRPr kumimoji="0" sz="1800" b="0" i="0" u="none" strike="noStrike" cap="none" spc="0" normalizeH="0" baseline="0">
             <a:ln>
               <a:noFill/>
             </a:ln>
@@ -6943,18 +7598,25 @@
         </a:lvl9pPr>
       </a:lstStyle>
       <a:style>
-        <a:lnRef idx="0"/>
-        <a:fillRef idx="0"/>
-        <a:effectRef idx="0"/>
+        <a:lnRef idx="0">
+          <a:scrgbClr r="0" g="0" b="0"/>
+        </a:lnRef>
+        <a:fillRef idx="0">
+          <a:scrgbClr r="0" g="0" b="0"/>
+        </a:fillRef>
+        <a:effectRef idx="0">
+          <a:scrgbClr r="0" g="0" b="0"/>
+        </a:effectRef>
         <a:fontRef idx="none"/>
       </a:style>
     </a:txDef>
   </a:objectDefaults>
+  <a:extraClrSchemeLst/>
 </a:theme>
 </file>
 
 <file path=ppt/theme/theme2.xml><?xml version="1.0" encoding="utf-8"?>
-<a:theme xmlns:a="http://schemas.openxmlformats.org/drawingml/2006/main" xmlns:r="http://schemas.openxmlformats.org/officeDocument/2006/relationships" name="Showroom">
+<a:theme xmlns:a="http://schemas.openxmlformats.org/drawingml/2006/main" name="Showroom">
   <a:themeElements>
     <a:clrScheme name="Showroom">
       <a:dk1>
@@ -7153,7 +7815,7 @@
         <a:effectLst/>
         <a:sp3d/>
       </a:spPr>
-      <a:bodyPr rot="0" spcFirstLastPara="1" vertOverflow="overflow" horzOverflow="overflow" vert="horz" wrap="square" lIns="50800" tIns="50800" rIns="50800" bIns="50800" numCol="1" spcCol="38100" rtlCol="0" anchor="ctr" upright="0">
+      <a:bodyPr rot="0" spcFirstLastPara="1" vertOverflow="overflow" horzOverflow="overflow" vert="horz" wrap="square" lIns="50800" tIns="50800" rIns="50800" bIns="50800" numCol="1" spcCol="38100" rtlCol="0" anchor="ctr">
         <a:spAutoFit/>
       </a:bodyPr>
       <a:lstStyle>
@@ -7172,7 +7834,7 @@
           <a:buFontTx/>
           <a:buNone/>
           <a:tabLst/>
-          <a:defRPr b="0" baseline="0" cap="none" i="0" spc="0" strike="noStrike" sz="3600" u="none" kumimoji="0" normalizeH="0">
+          <a:defRPr kumimoji="0" sz="3600" b="0" i="0" u="none" strike="noStrike" cap="none" spc="0" normalizeH="0" baseline="0">
             <a:ln>
               <a:noFill/>
             </a:ln>
@@ -7202,7 +7864,7 @@
           <a:buFontTx/>
           <a:buNone/>
           <a:tabLst/>
-          <a:defRPr b="0" baseline="0" cap="none" i="0" spc="0" strike="noStrike" sz="1800" u="none" kumimoji="0" normalizeH="0">
+          <a:defRPr kumimoji="0" sz="1800" b="0" i="0" u="none" strike="noStrike" cap="none" spc="0" normalizeH="0" baseline="0">
             <a:ln>
               <a:noFill/>
             </a:ln>
@@ -7228,7 +7890,7 @@
           <a:buFontTx/>
           <a:buNone/>
           <a:tabLst/>
-          <a:defRPr b="0" baseline="0" cap="none" i="0" spc="0" strike="noStrike" sz="1800" u="none" kumimoji="0" normalizeH="0">
+          <a:defRPr kumimoji="0" sz="1800" b="0" i="0" u="none" strike="noStrike" cap="none" spc="0" normalizeH="0" baseline="0">
             <a:ln>
               <a:noFill/>
             </a:ln>
@@ -7254,7 +7916,7 @@
           <a:buFontTx/>
           <a:buNone/>
           <a:tabLst/>
-          <a:defRPr b="0" baseline="0" cap="none" i="0" spc="0" strike="noStrike" sz="1800" u="none" kumimoji="0" normalizeH="0">
+          <a:defRPr kumimoji="0" sz="1800" b="0" i="0" u="none" strike="noStrike" cap="none" spc="0" normalizeH="0" baseline="0">
             <a:ln>
               <a:noFill/>
             </a:ln>
@@ -7280,7 +7942,7 @@
           <a:buFontTx/>
           <a:buNone/>
           <a:tabLst/>
-          <a:defRPr b="0" baseline="0" cap="none" i="0" spc="0" strike="noStrike" sz="1800" u="none" kumimoji="0" normalizeH="0">
+          <a:defRPr kumimoji="0" sz="1800" b="0" i="0" u="none" strike="noStrike" cap="none" spc="0" normalizeH="0" baseline="0">
             <a:ln>
               <a:noFill/>
             </a:ln>
@@ -7306,7 +7968,7 @@
           <a:buFontTx/>
           <a:buNone/>
           <a:tabLst/>
-          <a:defRPr b="0" baseline="0" cap="none" i="0" spc="0" strike="noStrike" sz="1800" u="none" kumimoji="0" normalizeH="0">
+          <a:defRPr kumimoji="0" sz="1800" b="0" i="0" u="none" strike="noStrike" cap="none" spc="0" normalizeH="0" baseline="0">
             <a:ln>
               <a:noFill/>
             </a:ln>
@@ -7332,7 +7994,7 @@
           <a:buFontTx/>
           <a:buNone/>
           <a:tabLst/>
-          <a:defRPr b="0" baseline="0" cap="none" i="0" spc="0" strike="noStrike" sz="1800" u="none" kumimoji="0" normalizeH="0">
+          <a:defRPr kumimoji="0" sz="1800" b="0" i="0" u="none" strike="noStrike" cap="none" spc="0" normalizeH="0" baseline="0">
             <a:ln>
               <a:noFill/>
             </a:ln>
@@ -7358,7 +8020,7 @@
           <a:buFontTx/>
           <a:buNone/>
           <a:tabLst/>
-          <a:defRPr b="0" baseline="0" cap="none" i="0" spc="0" strike="noStrike" sz="1800" u="none" kumimoji="0" normalizeH="0">
+          <a:defRPr kumimoji="0" sz="1800" b="0" i="0" u="none" strike="noStrike" cap="none" spc="0" normalizeH="0" baseline="0">
             <a:ln>
               <a:noFill/>
             </a:ln>
@@ -7384,7 +8046,7 @@
           <a:buFontTx/>
           <a:buNone/>
           <a:tabLst/>
-          <a:defRPr b="0" baseline="0" cap="none" i="0" spc="0" strike="noStrike" sz="1800" u="none" kumimoji="0" normalizeH="0">
+          <a:defRPr kumimoji="0" sz="1800" b="0" i="0" u="none" strike="noStrike" cap="none" spc="0" normalizeH="0" baseline="0">
             <a:ln>
               <a:noFill/>
             </a:ln>
@@ -7410,7 +8072,7 @@
           <a:buFontTx/>
           <a:buNone/>
           <a:tabLst/>
-          <a:defRPr b="0" baseline="0" cap="none" i="0" spc="0" strike="noStrike" sz="1800" u="none" kumimoji="0" normalizeH="0">
+          <a:defRPr kumimoji="0" sz="1800" b="0" i="0" u="none" strike="noStrike" cap="none" spc="0" normalizeH="0" baseline="0">
             <a:ln>
               <a:noFill/>
             </a:ln>
@@ -7423,9 +8085,15 @@
         </a:lvl9pPr>
       </a:lstStyle>
       <a:style>
-        <a:lnRef idx="0"/>
-        <a:fillRef idx="0"/>
-        <a:effectRef idx="0"/>
+        <a:lnRef idx="0">
+          <a:scrgbClr r="0" g="0" b="0"/>
+        </a:lnRef>
+        <a:fillRef idx="0">
+          <a:scrgbClr r="0" g="0" b="0"/>
+        </a:fillRef>
+        <a:effectRef idx="0">
+          <a:scrgbClr r="0" g="0" b="0"/>
+        </a:effectRef>
         <a:fontRef idx="none"/>
       </a:style>
     </a:spDef>
@@ -7442,7 +8110,7 @@
         <a:effectLst/>
         <a:sp3d/>
       </a:spPr>
-      <a:bodyPr rot="0" spcFirstLastPara="1" vertOverflow="overflow" horzOverflow="overflow" vert="horz" wrap="square" lIns="91439" tIns="45719" rIns="91439" bIns="45719" numCol="1" spcCol="38100" rtlCol="0" anchor="t" upright="0">
+      <a:bodyPr rot="0" spcFirstLastPara="1" vertOverflow="overflow" horzOverflow="overflow" vert="horz" wrap="square" lIns="91439" tIns="45719" rIns="91439" bIns="45719" numCol="1" spcCol="38100" rtlCol="0" anchor="t">
         <a:noAutofit/>
       </a:bodyPr>
       <a:lstStyle>
@@ -7461,7 +8129,7 @@
           <a:buFontTx/>
           <a:buNone/>
           <a:tabLst/>
-          <a:defRPr b="0" baseline="0" cap="none" i="0" spc="0" strike="noStrike" sz="1800" u="none" kumimoji="0" normalizeH="0">
+          <a:defRPr kumimoji="0" sz="1800" b="0" i="0" u="none" strike="noStrike" cap="none" spc="0" normalizeH="0" baseline="0">
             <a:ln>
               <a:noFill/>
             </a:ln>
@@ -7487,7 +8155,7 @@
           <a:buFontTx/>
           <a:buNone/>
           <a:tabLst/>
-          <a:defRPr b="0" baseline="0" cap="none" i="0" spc="0" strike="noStrike" sz="1800" u="none" kumimoji="0" normalizeH="0">
+          <a:defRPr kumimoji="0" sz="1800" b="0" i="0" u="none" strike="noStrike" cap="none" spc="0" normalizeH="0" baseline="0">
             <a:ln>
               <a:noFill/>
             </a:ln>
@@ -7513,7 +8181,7 @@
           <a:buFontTx/>
           <a:buNone/>
           <a:tabLst/>
-          <a:defRPr b="0" baseline="0" cap="none" i="0" spc="0" strike="noStrike" sz="1800" u="none" kumimoji="0" normalizeH="0">
+          <a:defRPr kumimoji="0" sz="1800" b="0" i="0" u="none" strike="noStrike" cap="none" spc="0" normalizeH="0" baseline="0">
             <a:ln>
               <a:noFill/>
             </a:ln>
@@ -7539,7 +8207,7 @@
           <a:buFontTx/>
           <a:buNone/>
           <a:tabLst/>
-          <a:defRPr b="0" baseline="0" cap="none" i="0" spc="0" strike="noStrike" sz="1800" u="none" kumimoji="0" normalizeH="0">
+          <a:defRPr kumimoji="0" sz="1800" b="0" i="0" u="none" strike="noStrike" cap="none" spc="0" normalizeH="0" baseline="0">
             <a:ln>
               <a:noFill/>
             </a:ln>
@@ -7565,7 +8233,7 @@
           <a:buFontTx/>
           <a:buNone/>
           <a:tabLst/>
-          <a:defRPr b="0" baseline="0" cap="none" i="0" spc="0" strike="noStrike" sz="1800" u="none" kumimoji="0" normalizeH="0">
+          <a:defRPr kumimoji="0" sz="1800" b="0" i="0" u="none" strike="noStrike" cap="none" spc="0" normalizeH="0" baseline="0">
             <a:ln>
               <a:noFill/>
             </a:ln>
@@ -7591,7 +8259,7 @@
           <a:buFontTx/>
           <a:buNone/>
           <a:tabLst/>
-          <a:defRPr b="0" baseline="0" cap="none" i="0" spc="0" strike="noStrike" sz="1800" u="none" kumimoji="0" normalizeH="0">
+          <a:defRPr kumimoji="0" sz="1800" b="0" i="0" u="none" strike="noStrike" cap="none" spc="0" normalizeH="0" baseline="0">
             <a:ln>
               <a:noFill/>
             </a:ln>
@@ -7617,7 +8285,7 @@
           <a:buFontTx/>
           <a:buNone/>
           <a:tabLst/>
-          <a:defRPr b="0" baseline="0" cap="none" i="0" spc="0" strike="noStrike" sz="1800" u="none" kumimoji="0" normalizeH="0">
+          <a:defRPr kumimoji="0" sz="1800" b="0" i="0" u="none" strike="noStrike" cap="none" spc="0" normalizeH="0" baseline="0">
             <a:ln>
               <a:noFill/>
             </a:ln>
@@ -7643,7 +8311,7 @@
           <a:buFontTx/>
           <a:buNone/>
           <a:tabLst/>
-          <a:defRPr b="0" baseline="0" cap="none" i="0" spc="0" strike="noStrike" sz="1800" u="none" kumimoji="0" normalizeH="0">
+          <a:defRPr kumimoji="0" sz="1800" b="0" i="0" u="none" strike="noStrike" cap="none" spc="0" normalizeH="0" baseline="0">
             <a:ln>
               <a:noFill/>
             </a:ln>
@@ -7669,7 +8337,7 @@
           <a:buFontTx/>
           <a:buNone/>
           <a:tabLst/>
-          <a:defRPr b="0" baseline="0" cap="none" i="0" spc="0" strike="noStrike" sz="1800" u="none" kumimoji="0" normalizeH="0">
+          <a:defRPr kumimoji="0" sz="1800" b="0" i="0" u="none" strike="noStrike" cap="none" spc="0" normalizeH="0" baseline="0">
             <a:ln>
               <a:noFill/>
             </a:ln>
@@ -7695,7 +8363,7 @@
           <a:buFontTx/>
           <a:buNone/>
           <a:tabLst/>
-          <a:defRPr b="0" baseline="0" cap="none" i="0" spc="0" strike="noStrike" sz="1800" u="none" kumimoji="0" normalizeH="0">
+          <a:defRPr kumimoji="0" sz="1800" b="0" i="0" u="none" strike="noStrike" cap="none" spc="0" normalizeH="0" baseline="0">
             <a:ln>
               <a:noFill/>
             </a:ln>
@@ -7708,9 +8376,15 @@
         </a:lvl9pPr>
       </a:lstStyle>
       <a:style>
-        <a:lnRef idx="0"/>
-        <a:fillRef idx="0"/>
-        <a:effectRef idx="0"/>
+        <a:lnRef idx="0">
+          <a:scrgbClr r="0" g="0" b="0"/>
+        </a:lnRef>
+        <a:fillRef idx="0">
+          <a:scrgbClr r="0" g="0" b="0"/>
+        </a:fillRef>
+        <a:effectRef idx="0">
+          <a:scrgbClr r="0" g="0" b="0"/>
+        </a:effectRef>
         <a:fontRef idx="none"/>
       </a:style>
     </a:lnDef>
@@ -7724,7 +8398,7 @@
         <a:effectLst/>
         <a:sp3d/>
       </a:spPr>
-      <a:bodyPr rot="0" spcFirstLastPara="1" vertOverflow="overflow" horzOverflow="overflow" vert="horz" wrap="square" lIns="50800" tIns="50800" rIns="50800" bIns="50800" numCol="1" spcCol="38100" rtlCol="0" anchor="ctr" upright="0">
+      <a:bodyPr rot="0" spcFirstLastPara="1" vertOverflow="overflow" horzOverflow="overflow" vert="horz" wrap="square" lIns="50800" tIns="50800" rIns="50800" bIns="50800" numCol="1" spcCol="38100" rtlCol="0" anchor="ctr">
         <a:spAutoFit/>
       </a:bodyPr>
       <a:lstStyle>
@@ -7743,7 +8417,7 @@
           <a:buFontTx/>
           <a:buNone/>
           <a:tabLst/>
-          <a:defRPr b="0" baseline="0" cap="none" i="0" spc="0" strike="noStrike" sz="3600" u="none" kumimoji="0" normalizeH="0">
+          <a:defRPr kumimoji="0" sz="3600" b="0" i="0" u="none" strike="noStrike" cap="none" spc="0" normalizeH="0" baseline="0">
             <a:ln>
               <a:noFill/>
             </a:ln>
@@ -7773,7 +8447,7 @@
           <a:buFontTx/>
           <a:buNone/>
           <a:tabLst/>
-          <a:defRPr b="0" baseline="0" cap="none" i="0" spc="0" strike="noStrike" sz="1800" u="none" kumimoji="0" normalizeH="0">
+          <a:defRPr kumimoji="0" sz="1800" b="0" i="0" u="none" strike="noStrike" cap="none" spc="0" normalizeH="0" baseline="0">
             <a:ln>
               <a:noFill/>
             </a:ln>
@@ -7799,7 +8473,7 @@
           <a:buFontTx/>
           <a:buNone/>
           <a:tabLst/>
-          <a:defRPr b="0" baseline="0" cap="none" i="0" spc="0" strike="noStrike" sz="1800" u="none" kumimoji="0" normalizeH="0">
+          <a:defRPr kumimoji="0" sz="1800" b="0" i="0" u="none" strike="noStrike" cap="none" spc="0" normalizeH="0" baseline="0">
             <a:ln>
               <a:noFill/>
             </a:ln>
@@ -7825,7 +8499,7 @@
           <a:buFontTx/>
           <a:buNone/>
           <a:tabLst/>
-          <a:defRPr b="0" baseline="0" cap="none" i="0" spc="0" strike="noStrike" sz="1800" u="none" kumimoji="0" normalizeH="0">
+          <a:defRPr kumimoji="0" sz="1800" b="0" i="0" u="none" strike="noStrike" cap="none" spc="0" normalizeH="0" baseline="0">
             <a:ln>
               <a:noFill/>
             </a:ln>
@@ -7851,7 +8525,7 @@
           <a:buFontTx/>
           <a:buNone/>
           <a:tabLst/>
-          <a:defRPr b="0" baseline="0" cap="none" i="0" spc="0" strike="noStrike" sz="1800" u="none" kumimoji="0" normalizeH="0">
+          <a:defRPr kumimoji="0" sz="1800" b="0" i="0" u="none" strike="noStrike" cap="none" spc="0" normalizeH="0" baseline="0">
             <a:ln>
               <a:noFill/>
             </a:ln>
@@ -7877,7 +8551,7 @@
           <a:buFontTx/>
           <a:buNone/>
           <a:tabLst/>
-          <a:defRPr b="0" baseline="0" cap="none" i="0" spc="0" strike="noStrike" sz="1800" u="none" kumimoji="0" normalizeH="0">
+          <a:defRPr kumimoji="0" sz="1800" b="0" i="0" u="none" strike="noStrike" cap="none" spc="0" normalizeH="0" baseline="0">
             <a:ln>
               <a:noFill/>
             </a:ln>
@@ -7903,7 +8577,7 @@
           <a:buFontTx/>
           <a:buNone/>
           <a:tabLst/>
-          <a:defRPr b="0" baseline="0" cap="none" i="0" spc="0" strike="noStrike" sz="1800" u="none" kumimoji="0" normalizeH="0">
+          <a:defRPr kumimoji="0" sz="1800" b="0" i="0" u="none" strike="noStrike" cap="none" spc="0" normalizeH="0" baseline="0">
             <a:ln>
               <a:noFill/>
             </a:ln>
@@ -7929,7 +8603,7 @@
           <a:buFontTx/>
           <a:buNone/>
           <a:tabLst/>
-          <a:defRPr b="0" baseline="0" cap="none" i="0" spc="0" strike="noStrike" sz="1800" u="none" kumimoji="0" normalizeH="0">
+          <a:defRPr kumimoji="0" sz="1800" b="0" i="0" u="none" strike="noStrike" cap="none" spc="0" normalizeH="0" baseline="0">
             <a:ln>
               <a:noFill/>
             </a:ln>
@@ -7955,7 +8629,7 @@
           <a:buFontTx/>
           <a:buNone/>
           <a:tabLst/>
-          <a:defRPr b="0" baseline="0" cap="none" i="0" spc="0" strike="noStrike" sz="1800" u="none" kumimoji="0" normalizeH="0">
+          <a:defRPr kumimoji="0" sz="1800" b="0" i="0" u="none" strike="noStrike" cap="none" spc="0" normalizeH="0" baseline="0">
             <a:ln>
               <a:noFill/>
             </a:ln>
@@ -7981,7 +8655,7 @@
           <a:buFontTx/>
           <a:buNone/>
           <a:tabLst/>
-          <a:defRPr b="0" baseline="0" cap="none" i="0" spc="0" strike="noStrike" sz="1800" u="none" kumimoji="0" normalizeH="0">
+          <a:defRPr kumimoji="0" sz="1800" b="0" i="0" u="none" strike="noStrike" cap="none" spc="0" normalizeH="0" baseline="0">
             <a:ln>
               <a:noFill/>
             </a:ln>
@@ -7994,12 +8668,19 @@
         </a:lvl9pPr>
       </a:lstStyle>
       <a:style>
-        <a:lnRef idx="0"/>
-        <a:fillRef idx="0"/>
-        <a:effectRef idx="0"/>
+        <a:lnRef idx="0">
+          <a:scrgbClr r="0" g="0" b="0"/>
+        </a:lnRef>
+        <a:fillRef idx="0">
+          <a:scrgbClr r="0" g="0" b="0"/>
+        </a:fillRef>
+        <a:effectRef idx="0">
+          <a:scrgbClr r="0" g="0" b="0"/>
+        </a:effectRef>
         <a:fontRef idx="none"/>
       </a:style>
     </a:txDef>
   </a:objectDefaults>
+  <a:extraClrSchemeLst/>
 </a:theme>
 </file>